--- a/Vendor_Boards/Microchip_PICDEM 2 plus_board_2010/tutorials/GCBASIC_Part5_SwitchSetsLEDs.pptx
+++ b/Vendor_Boards/Microchip_PICDEM 2 plus_board_2010/tutorials/GCBASIC_Part5_SwitchSetsLEDs.pptx
@@ -5,28 +5,29 @@
     <p:sldMasterId id="2147483660" r:id="rId1"/>
   </p:sldMasterIdLst>
   <p:notesMasterIdLst>
-    <p:notesMasterId r:id="rId18"/>
+    <p:notesMasterId r:id="rId19"/>
   </p:notesMasterIdLst>
   <p:handoutMasterIdLst>
-    <p:handoutMasterId r:id="rId19"/>
+    <p:handoutMasterId r:id="rId20"/>
   </p:handoutMasterIdLst>
   <p:sldIdLst>
-    <p:sldId id="294" r:id="rId2"/>
-    <p:sldId id="256" r:id="rId3"/>
-    <p:sldId id="295" r:id="rId4"/>
-    <p:sldId id="283" r:id="rId5"/>
-    <p:sldId id="296" r:id="rId6"/>
-    <p:sldId id="282" r:id="rId7"/>
-    <p:sldId id="291" r:id="rId8"/>
-    <p:sldId id="301" r:id="rId9"/>
-    <p:sldId id="285" r:id="rId10"/>
-    <p:sldId id="321" r:id="rId11"/>
-    <p:sldId id="322" r:id="rId12"/>
-    <p:sldId id="288" r:id="rId13"/>
-    <p:sldId id="323" r:id="rId14"/>
-    <p:sldId id="305" r:id="rId15"/>
-    <p:sldId id="320" r:id="rId16"/>
-    <p:sldId id="319" r:id="rId17"/>
+    <p:sldId id="325" r:id="rId2"/>
+    <p:sldId id="326" r:id="rId3"/>
+    <p:sldId id="327" r:id="rId4"/>
+    <p:sldId id="328" r:id="rId5"/>
+    <p:sldId id="329" r:id="rId6"/>
+    <p:sldId id="330" r:id="rId7"/>
+    <p:sldId id="331" r:id="rId8"/>
+    <p:sldId id="332" r:id="rId9"/>
+    <p:sldId id="301" r:id="rId10"/>
+    <p:sldId id="324" r:id="rId11"/>
+    <p:sldId id="321" r:id="rId12"/>
+    <p:sldId id="322" r:id="rId13"/>
+    <p:sldId id="288" r:id="rId14"/>
+    <p:sldId id="334" r:id="rId15"/>
+    <p:sldId id="333" r:id="rId16"/>
+    <p:sldId id="323" r:id="rId17"/>
+    <p:sldId id="319" r:id="rId18"/>
   </p:sldIdLst>
   <p:sldSz cx="9144000" cy="5143500" type="screen16x9"/>
   <p:notesSz cx="6858000" cy="9144000"/>
@@ -211,7 +212,7 @@
             <a:fld id="{742E545A-AB39-44F0-B5A6-04A90C6C9399}" type="datetimeFigureOut">
               <a:rPr lang="en-GB" smtClean="0"/>
               <a:pPr/>
-              <a:t>19/11/2024</a:t>
+              <a:t>25/01/2025</a:t>
             </a:fld>
             <a:endParaRPr lang="en-GB" dirty="0"/>
           </a:p>
@@ -378,7 +379,7 @@
             <a:fld id="{FF100B3C-2E11-428B-8555-A77018253716}" type="datetimeFigureOut">
               <a:rPr lang="en-GB" smtClean="0"/>
               <a:pPr/>
-              <a:t>19/11/2024</a:t>
+              <a:t>25/01/2025</a:t>
             </a:fld>
             <a:endParaRPr lang="en-GB" dirty="0"/>
           </a:p>
@@ -1293,7 +1294,7 @@
             <a:fld id="{C473AACB-D821-4991-9D88-46EB8D29E619}" type="datetimeFigureOut">
               <a:rPr lang="en-GB" smtClean="0"/>
               <a:pPr/>
-              <a:t>19/11/2024</a:t>
+              <a:t>25/01/2025</a:t>
             </a:fld>
             <a:endParaRPr lang="en-GB" dirty="0"/>
           </a:p>
@@ -1587,7 +1588,7 @@
             <a:fld id="{C473AACB-D821-4991-9D88-46EB8D29E619}" type="datetimeFigureOut">
               <a:rPr lang="en-GB" smtClean="0"/>
               <a:pPr/>
-              <a:t>19/11/2024</a:t>
+              <a:t>25/01/2025</a:t>
             </a:fld>
             <a:endParaRPr lang="en-GB" dirty="0"/>
           </a:p>
@@ -1840,7 +1841,7 @@
             <a:fld id="{C473AACB-D821-4991-9D88-46EB8D29E619}" type="datetimeFigureOut">
               <a:rPr lang="en-GB" smtClean="0"/>
               <a:pPr/>
-              <a:t>19/11/2024</a:t>
+              <a:t>25/01/2025</a:t>
             </a:fld>
             <a:endParaRPr lang="en-GB" dirty="0"/>
           </a:p>
@@ -2185,7 +2186,7 @@
             <a:fld id="{C473AACB-D821-4991-9D88-46EB8D29E619}" type="datetimeFigureOut">
               <a:rPr lang="en-GB" smtClean="0"/>
               <a:pPr/>
-              <a:t>19/11/2024</a:t>
+              <a:t>25/01/2025</a:t>
             </a:fld>
             <a:endParaRPr lang="en-GB" dirty="0"/>
           </a:p>
@@ -2557,7 +2558,7 @@
             <a:fld id="{C473AACB-D821-4991-9D88-46EB8D29E619}" type="datetimeFigureOut">
               <a:rPr lang="en-GB" smtClean="0"/>
               <a:pPr/>
-              <a:t>19/11/2024</a:t>
+              <a:t>25/01/2025</a:t>
             </a:fld>
             <a:endParaRPr lang="en-GB" dirty="0"/>
           </a:p>
@@ -2903,7 +2904,7 @@
             <a:fld id="{C473AACB-D821-4991-9D88-46EB8D29E619}" type="datetimeFigureOut">
               <a:rPr lang="en-GB" smtClean="0"/>
               <a:pPr/>
-              <a:t>19/11/2024</a:t>
+              <a:t>25/01/2025</a:t>
             </a:fld>
             <a:endParaRPr lang="en-GB" dirty="0"/>
           </a:p>
@@ -3327,7 +3328,7 @@
             <a:fld id="{C473AACB-D821-4991-9D88-46EB8D29E619}" type="datetimeFigureOut">
               <a:rPr lang="en-GB" smtClean="0"/>
               <a:pPr/>
-              <a:t>19/11/2024</a:t>
+              <a:t>25/01/2025</a:t>
             </a:fld>
             <a:endParaRPr lang="en-GB" dirty="0"/>
           </a:p>
@@ -3562,7 +3563,7 @@
             <a:fld id="{C473AACB-D821-4991-9D88-46EB8D29E619}" type="datetimeFigureOut">
               <a:rPr lang="en-GB" smtClean="0"/>
               <a:pPr/>
-              <a:t>19/11/2024</a:t>
+              <a:t>25/01/2025</a:t>
             </a:fld>
             <a:endParaRPr lang="en-GB" dirty="0"/>
           </a:p>
@@ -3773,7 +3774,7 @@
             <a:fld id="{C473AACB-D821-4991-9D88-46EB8D29E619}" type="datetimeFigureOut">
               <a:rPr lang="en-GB" smtClean="0"/>
               <a:pPr/>
-              <a:t>19/11/2024</a:t>
+              <a:t>25/01/2025</a:t>
             </a:fld>
             <a:endParaRPr lang="en-GB" dirty="0"/>
           </a:p>
@@ -3991,7 +3992,7 @@
             <a:fld id="{C473AACB-D821-4991-9D88-46EB8D29E619}" type="datetimeFigureOut">
               <a:rPr lang="en-GB" smtClean="0"/>
               <a:pPr/>
-              <a:t>19/11/2024</a:t>
+              <a:t>25/01/2025</a:t>
             </a:fld>
             <a:endParaRPr lang="en-GB" dirty="0"/>
           </a:p>
@@ -4806,7 +4807,7 @@
             <a:fld id="{C473AACB-D821-4991-9D88-46EB8D29E619}" type="datetimeFigureOut">
               <a:rPr lang="en-GB" smtClean="0"/>
               <a:pPr/>
-              <a:t>19/11/2024</a:t>
+              <a:t>25/01/2025</a:t>
             </a:fld>
             <a:endParaRPr lang="en-GB" dirty="0"/>
           </a:p>
@@ -5620,7 +5621,7 @@
             <a:fld id="{C473AACB-D821-4991-9D88-46EB8D29E619}" type="datetimeFigureOut">
               <a:rPr lang="en-GB" smtClean="0"/>
               <a:pPr/>
-              <a:t>19/11/2024</a:t>
+              <a:t>25/01/2025</a:t>
             </a:fld>
             <a:endParaRPr lang="en-GB" dirty="0"/>
           </a:p>
@@ -5869,7 +5870,7 @@
             <a:fld id="{C473AACB-D821-4991-9D88-46EB8D29E619}" type="datetimeFigureOut">
               <a:rPr lang="en-GB" smtClean="0"/>
               <a:pPr/>
-              <a:t>19/11/2024</a:t>
+              <a:t>25/01/2025</a:t>
             </a:fld>
             <a:endParaRPr lang="en-GB" dirty="0"/>
           </a:p>
@@ -6133,7 +6134,7 @@
             <a:fld id="{C473AACB-D821-4991-9D88-46EB8D29E619}" type="datetimeFigureOut">
               <a:rPr lang="en-GB" smtClean="0"/>
               <a:pPr/>
-              <a:t>19/11/2024</a:t>
+              <a:t>25/01/2025</a:t>
             </a:fld>
             <a:endParaRPr lang="en-GB" dirty="0"/>
           </a:p>
@@ -6573,7 +6574,7 @@
             <a:fld id="{C473AACB-D821-4991-9D88-46EB8D29E619}" type="datetimeFigureOut">
               <a:rPr lang="en-GB" smtClean="0"/>
               <a:pPr/>
-              <a:t>19/11/2024</a:t>
+              <a:t>25/01/2025</a:t>
             </a:fld>
             <a:endParaRPr lang="en-GB" dirty="0"/>
           </a:p>
@@ -6728,7 +6729,7 @@
             <a:fld id="{C473AACB-D821-4991-9D88-46EB8D29E619}" type="datetimeFigureOut">
               <a:rPr lang="en-GB" smtClean="0"/>
               <a:pPr/>
-              <a:t>19/11/2024</a:t>
+              <a:t>25/01/2025</a:t>
             </a:fld>
             <a:endParaRPr lang="en-GB" dirty="0"/>
           </a:p>
@@ -6825,7 +6826,7 @@
             <a:fld id="{C473AACB-D821-4991-9D88-46EB8D29E619}" type="datetimeFigureOut">
               <a:rPr lang="en-GB" smtClean="0"/>
               <a:pPr/>
-              <a:t>19/11/2024</a:t>
+              <a:t>25/01/2025</a:t>
             </a:fld>
             <a:endParaRPr lang="en-GB" dirty="0"/>
           </a:p>
@@ -7602,7 +7603,7 @@
             <a:fld id="{C473AACB-D821-4991-9D88-46EB8D29E619}" type="datetimeFigureOut">
               <a:rPr lang="en-GB" smtClean="0"/>
               <a:pPr/>
-              <a:t>19/11/2024</a:t>
+              <a:t>25/01/2025</a:t>
             </a:fld>
             <a:endParaRPr lang="en-GB" dirty="0"/>
           </a:p>
@@ -8171,13 +8172,25 @@
           <a:p>
             <a:r>
               <a:rPr lang="en-GB" dirty="0" smtClean="0"/>
-              <a:t>PIC18FxxQ24</a:t>
-            </a:r>
-          </a:p>
-          <a:p>
+              <a:t>PIC16Fxxxx chip Family ( Legacy )</a:t>
+            </a:r>
+          </a:p>
+          <a:p>
+            <a:r>
+              <a:rPr lang="en-GB" dirty="0"/>
+              <a:t>Part </a:t>
+            </a:r>
             <a:r>
               <a:rPr lang="en-GB" dirty="0" smtClean="0"/>
-              <a:t>Part 5 – a switch  sets the LEDs state</a:t>
+              <a:t>5 </a:t>
+            </a:r>
+            <a:r>
+              <a:rPr lang="en-GB" dirty="0"/>
+              <a:t>– </a:t>
+            </a:r>
+            <a:r>
+              <a:rPr lang="en-GB" dirty="0" smtClean="0"/>
+              <a:t>using digital input</a:t>
             </a:r>
             <a:endParaRPr lang="en-GB" dirty="0"/>
           </a:p>
@@ -8186,7 +8199,7 @@
     </p:spTree>
     <p:extLst>
       <p:ext uri="{BB962C8B-B14F-4D97-AF65-F5344CB8AC3E}">
-        <p14:creationId xmlns:p14="http://schemas.microsoft.com/office/powerpoint/2010/main" val="1934043723"/>
+        <p14:creationId xmlns:p14="http://schemas.microsoft.com/office/powerpoint/2010/main" val="3898134962"/>
       </p:ext>
     </p:extLst>
   </p:cSld>
@@ -8222,6 +8235,417 @@
       </p:grpSpPr>
       <p:sp>
         <p:nvSpPr>
+          <p:cNvPr id="2" name="Title 1"/>
+          <p:cNvSpPr>
+            <a:spLocks noGrp="1"/>
+          </p:cNvSpPr>
+          <p:nvPr>
+            <p:ph type="title"/>
+          </p:nvPr>
+        </p:nvSpPr>
+        <p:spPr/>
+        <p:txBody>
+          <a:bodyPr/>
+          <a:lstStyle/>
+          <a:p>
+            <a:pPr algn="l"/>
+            <a:r>
+              <a:rPr lang="en-GB" dirty="0" smtClean="0"/>
+              <a:t>Hardware</a:t>
+            </a:r>
+            <a:endParaRPr lang="en-GB" dirty="0"/>
+          </a:p>
+        </p:txBody>
+      </p:sp>
+      <p:sp>
+        <p:nvSpPr>
+          <p:cNvPr id="3" name="Content Placeholder 2"/>
+          <p:cNvSpPr>
+            <a:spLocks noGrp="1"/>
+          </p:cNvSpPr>
+          <p:nvPr>
+            <p:ph idx="1"/>
+          </p:nvPr>
+        </p:nvSpPr>
+        <p:spPr/>
+        <p:txBody>
+          <a:bodyPr/>
+          <a:lstStyle/>
+          <a:p>
+            <a:r>
+              <a:rPr lang="en-GB" dirty="0" smtClean="0"/>
+              <a:t>Prototype Board</a:t>
+            </a:r>
+            <a:endParaRPr lang="en-GB" dirty="0"/>
+          </a:p>
+          <a:p>
+            <a:r>
+              <a:rPr lang="en-GB" dirty="0" smtClean="0"/>
+              <a:t>Power 5v0</a:t>
+            </a:r>
+          </a:p>
+          <a:p>
+            <a:r>
+              <a:rPr lang="en-GB" dirty="0" smtClean="0"/>
+              <a:t>Programmer</a:t>
+            </a:r>
+          </a:p>
+          <a:p>
+            <a:r>
+              <a:rPr lang="en-GB" dirty="0" smtClean="0"/>
+              <a:t>LEDs &amp; resistors</a:t>
+            </a:r>
+          </a:p>
+          <a:p>
+            <a:endParaRPr lang="en-GB" dirty="0"/>
+          </a:p>
+        </p:txBody>
+      </p:sp>
+      <p:sp>
+        <p:nvSpPr>
+          <p:cNvPr id="5" name="TextBox 4"/>
+          <p:cNvSpPr txBox="1"/>
+          <p:nvPr/>
+        </p:nvSpPr>
+        <p:spPr>
+          <a:xfrm>
+            <a:off x="2206278" y="168176"/>
+            <a:ext cx="5328592" cy="4893647"/>
+          </a:xfrm>
+          <a:prstGeom prst="rect">
+            <a:avLst/>
+          </a:prstGeom>
+          <a:solidFill>
+            <a:schemeClr val="bg1"/>
+          </a:solidFill>
+        </p:spPr>
+        <p:txBody>
+          <a:bodyPr wrap="square" rtlCol="0">
+            <a:spAutoFit/>
+          </a:bodyPr>
+          <a:lstStyle/>
+          <a:p>
+            <a:r>
+              <a:rPr lang="en-GB" sz="1200" b="1" dirty="0">
+                <a:latin typeface="Courier New" panose="02070309020205020404" pitchFamily="49" charset="0"/>
+                <a:cs typeface="Courier New" panose="02070309020205020404" pitchFamily="49" charset="0"/>
+              </a:rPr>
+              <a:t>    Hardware</a:t>
+            </a:r>
+          </a:p>
+          <a:p>
+            <a:r>
+              <a:rPr lang="en-GB" sz="1200" b="1" dirty="0">
+                <a:latin typeface="Courier New" panose="02070309020205020404" pitchFamily="49" charset="0"/>
+                <a:cs typeface="Courier New" panose="02070309020205020404" pitchFamily="49" charset="0"/>
+              </a:rPr>
+              <a:t> </a:t>
+            </a:r>
+            <a:r>
+              <a:rPr lang="en-GB" sz="1200" b="1" dirty="0" smtClean="0">
+                <a:latin typeface="Courier New" panose="02070309020205020404" pitchFamily="49" charset="0"/>
+                <a:cs typeface="Courier New" panose="02070309020205020404" pitchFamily="49" charset="0"/>
+              </a:rPr>
+              <a:t>           ------------</a:t>
+            </a:r>
+            <a:r>
+              <a:rPr lang="en-GB" sz="1200" b="1" dirty="0">
+                <a:latin typeface="Courier New" panose="02070309020205020404" pitchFamily="49" charset="0"/>
+                <a:cs typeface="Courier New" panose="02070309020205020404" pitchFamily="49" charset="0"/>
+              </a:rPr>
+              <a:t>PORTA---------------</a:t>
+            </a:r>
+          </a:p>
+          <a:p>
+            <a:r>
+              <a:rPr lang="en-GB" sz="1200" b="1" dirty="0">
+                <a:latin typeface="Courier New" panose="02070309020205020404" pitchFamily="49" charset="0"/>
+                <a:cs typeface="Courier New" panose="02070309020205020404" pitchFamily="49" charset="0"/>
+              </a:rPr>
+              <a:t>    Bit#:  -7---6---5---4---3---2---1---0---</a:t>
+            </a:r>
+          </a:p>
+          <a:p>
+            <a:r>
+              <a:rPr lang="en-GB" sz="1200" b="1" dirty="0">
+                <a:latin typeface="Courier New" panose="02070309020205020404" pitchFamily="49" charset="0"/>
+                <a:cs typeface="Courier New" panose="02070309020205020404" pitchFamily="49" charset="0"/>
+              </a:rPr>
+              <a:t>    IO:    </a:t>
+            </a:r>
+            <a:r>
+              <a:rPr lang="en-GB" sz="1200" b="1" dirty="0" smtClean="0">
+                <a:latin typeface="Courier New" panose="02070309020205020404" pitchFamily="49" charset="0"/>
+                <a:cs typeface="Courier New" panose="02070309020205020404" pitchFamily="49" charset="0"/>
+              </a:rPr>
+              <a:t>------------SW2-------------</a:t>
+            </a:r>
+            <a:r>
+              <a:rPr lang="en-GB" sz="1200" b="1" dirty="0">
+                <a:latin typeface="Courier New" panose="02070309020205020404" pitchFamily="49" charset="0"/>
+                <a:cs typeface="Courier New" panose="02070309020205020404" pitchFamily="49" charset="0"/>
+              </a:rPr>
+              <a:t>ADC--</a:t>
+            </a:r>
+          </a:p>
+          <a:p>
+            <a:r>
+              <a:rPr lang="en-GB" sz="1200" b="1" dirty="0">
+                <a:latin typeface="Courier New" panose="02070309020205020404" pitchFamily="49" charset="0"/>
+                <a:cs typeface="Courier New" panose="02070309020205020404" pitchFamily="49" charset="0"/>
+              </a:rPr>
+              <a:t>    IO:    ---------------------------------</a:t>
+            </a:r>
+          </a:p>
+          <a:p>
+            <a:endParaRPr lang="en-GB" sz="1200" b="1" dirty="0">
+              <a:latin typeface="Courier New" panose="02070309020205020404" pitchFamily="49" charset="0"/>
+              <a:cs typeface="Courier New" panose="02070309020205020404" pitchFamily="49" charset="0"/>
+            </a:endParaRPr>
+          </a:p>
+          <a:p>
+            <a:r>
+              <a:rPr lang="en-GB" sz="1200" b="1" dirty="0">
+                <a:latin typeface="Courier New" panose="02070309020205020404" pitchFamily="49" charset="0"/>
+                <a:cs typeface="Courier New" panose="02070309020205020404" pitchFamily="49" charset="0"/>
+              </a:rPr>
+              <a:t>            ------------PORTB----------------</a:t>
+            </a:r>
+          </a:p>
+          <a:p>
+            <a:r>
+              <a:rPr lang="en-GB" sz="1200" b="1" dirty="0">
+                <a:latin typeface="Courier New" panose="02070309020205020404" pitchFamily="49" charset="0"/>
+                <a:cs typeface="Courier New" panose="02070309020205020404" pitchFamily="49" charset="0"/>
+              </a:rPr>
+              <a:t>    Bit#:  -7---6---5---4---3---2---1---0---</a:t>
+            </a:r>
+          </a:p>
+          <a:p>
+            <a:r>
+              <a:rPr lang="en-GB" sz="1200" b="1" dirty="0">
+                <a:latin typeface="Courier New" panose="02070309020205020404" pitchFamily="49" charset="0"/>
+                <a:cs typeface="Courier New" panose="02070309020205020404" pitchFamily="49" charset="0"/>
+              </a:rPr>
+              <a:t>    IO:    ----------------LED-LED-LED-LED--</a:t>
+            </a:r>
+          </a:p>
+          <a:p>
+            <a:r>
+              <a:rPr lang="en-GB" sz="1200" b="1" dirty="0">
+                <a:latin typeface="Courier New" panose="02070309020205020404" pitchFamily="49" charset="0"/>
+                <a:cs typeface="Courier New" panose="02070309020205020404" pitchFamily="49" charset="0"/>
+              </a:rPr>
+              <a:t>    IO:    ---------------------------------</a:t>
+            </a:r>
+          </a:p>
+          <a:p>
+            <a:endParaRPr lang="en-GB" sz="1200" b="1" dirty="0">
+              <a:latin typeface="Courier New" panose="02070309020205020404" pitchFamily="49" charset="0"/>
+              <a:cs typeface="Courier New" panose="02070309020205020404" pitchFamily="49" charset="0"/>
+            </a:endParaRPr>
+          </a:p>
+          <a:p>
+            <a:r>
+              <a:rPr lang="en-GB" sz="1200" b="1" dirty="0">
+                <a:latin typeface="Courier New" panose="02070309020205020404" pitchFamily="49" charset="0"/>
+                <a:cs typeface="Courier New" panose="02070309020205020404" pitchFamily="49" charset="0"/>
+              </a:rPr>
+              <a:t>            ------------PORTC----------------</a:t>
+            </a:r>
+          </a:p>
+          <a:p>
+            <a:r>
+              <a:rPr lang="en-GB" sz="1200" b="1" dirty="0">
+                <a:latin typeface="Courier New" panose="02070309020205020404" pitchFamily="49" charset="0"/>
+                <a:cs typeface="Courier New" panose="02070309020205020404" pitchFamily="49" charset="0"/>
+              </a:rPr>
+              <a:t>    Bit#:  -7---6---5---4---3---2---1---0---</a:t>
+            </a:r>
+          </a:p>
+          <a:p>
+            <a:r>
+              <a:rPr lang="en-GB" sz="1200" b="1" dirty="0">
+                <a:latin typeface="Courier New" panose="02070309020205020404" pitchFamily="49" charset="0"/>
+                <a:cs typeface="Courier New" panose="02070309020205020404" pitchFamily="49" charset="0"/>
+              </a:rPr>
+              <a:t>    IO:    </a:t>
+            </a:r>
+            <a:r>
+              <a:rPr lang="en-GB" sz="1200" b="1" dirty="0" smtClean="0">
+                <a:latin typeface="Courier New" panose="02070309020205020404" pitchFamily="49" charset="0"/>
+                <a:cs typeface="Courier New" panose="02070309020205020404" pitchFamily="49" charset="0"/>
+              </a:rPr>
+              <a:t>--------------------------------</a:t>
+            </a:r>
+            <a:endParaRPr lang="en-GB" sz="1200" b="1" dirty="0">
+              <a:latin typeface="Courier New" panose="02070309020205020404" pitchFamily="49" charset="0"/>
+              <a:cs typeface="Courier New" panose="02070309020205020404" pitchFamily="49" charset="0"/>
+            </a:endParaRPr>
+          </a:p>
+          <a:p>
+            <a:r>
+              <a:rPr lang="en-GB" sz="1200" b="1" dirty="0">
+                <a:latin typeface="Courier New" panose="02070309020205020404" pitchFamily="49" charset="0"/>
+                <a:cs typeface="Courier New" panose="02070309020205020404" pitchFamily="49" charset="0"/>
+              </a:rPr>
+              <a:t>    IO:    ---------------------------------</a:t>
+            </a:r>
+          </a:p>
+          <a:p>
+            <a:endParaRPr lang="en-GB" sz="1200" b="1" dirty="0">
+              <a:latin typeface="Courier New" panose="02070309020205020404" pitchFamily="49" charset="0"/>
+              <a:cs typeface="Courier New" panose="02070309020205020404" pitchFamily="49" charset="0"/>
+            </a:endParaRPr>
+          </a:p>
+          <a:p>
+            <a:r>
+              <a:rPr lang="en-GB" sz="1200" b="1" dirty="0">
+                <a:latin typeface="Courier New" panose="02070309020205020404" pitchFamily="49" charset="0"/>
+                <a:cs typeface="Courier New" panose="02070309020205020404" pitchFamily="49" charset="0"/>
+              </a:rPr>
+              <a:t>            ------------PORTD----------------</a:t>
+            </a:r>
+          </a:p>
+          <a:p>
+            <a:r>
+              <a:rPr lang="en-GB" sz="1200" b="1" dirty="0">
+                <a:latin typeface="Courier New" panose="02070309020205020404" pitchFamily="49" charset="0"/>
+                <a:cs typeface="Courier New" panose="02070309020205020404" pitchFamily="49" charset="0"/>
+              </a:rPr>
+              <a:t>    Bit#:  -7---6---5---4---3---2---1---0---</a:t>
+            </a:r>
+          </a:p>
+          <a:p>
+            <a:r>
+              <a:rPr lang="en-GB" sz="1200" b="1" dirty="0">
+                <a:latin typeface="Courier New" panose="02070309020205020404" pitchFamily="49" charset="0"/>
+                <a:cs typeface="Courier New" panose="02070309020205020404" pitchFamily="49" charset="0"/>
+              </a:rPr>
+              <a:t>    IO:    </a:t>
+            </a:r>
+            <a:r>
+              <a:rPr lang="en-GB" sz="1200" b="1" dirty="0" smtClean="0">
+                <a:latin typeface="Courier New" panose="02070309020205020404" pitchFamily="49" charset="0"/>
+                <a:cs typeface="Courier New" panose="02070309020205020404" pitchFamily="49" charset="0"/>
+              </a:rPr>
+              <a:t>--------------------------------</a:t>
+            </a:r>
+            <a:endParaRPr lang="en-GB" sz="1200" b="1" dirty="0">
+              <a:latin typeface="Courier New" panose="02070309020205020404" pitchFamily="49" charset="0"/>
+              <a:cs typeface="Courier New" panose="02070309020205020404" pitchFamily="49" charset="0"/>
+            </a:endParaRPr>
+          </a:p>
+          <a:p>
+            <a:r>
+              <a:rPr lang="en-GB" sz="1200" b="1" dirty="0">
+                <a:latin typeface="Courier New" panose="02070309020205020404" pitchFamily="49" charset="0"/>
+                <a:cs typeface="Courier New" panose="02070309020205020404" pitchFamily="49" charset="0"/>
+              </a:rPr>
+              <a:t>    IO:    ---------------------------------</a:t>
+            </a:r>
+          </a:p>
+          <a:p>
+            <a:endParaRPr lang="en-GB" sz="1200" b="1" dirty="0">
+              <a:latin typeface="Courier New" panose="02070309020205020404" pitchFamily="49" charset="0"/>
+              <a:cs typeface="Courier New" panose="02070309020205020404" pitchFamily="49" charset="0"/>
+            </a:endParaRPr>
+          </a:p>
+          <a:p>
+            <a:r>
+              <a:rPr lang="en-GB" sz="1200" b="1" dirty="0">
+                <a:latin typeface="Courier New" panose="02070309020205020404" pitchFamily="49" charset="0"/>
+                <a:cs typeface="Courier New" panose="02070309020205020404" pitchFamily="49" charset="0"/>
+              </a:rPr>
+              <a:t>            ------------PORTE----------------</a:t>
+            </a:r>
+          </a:p>
+          <a:p>
+            <a:r>
+              <a:rPr lang="en-GB" sz="1200" b="1" dirty="0">
+                <a:latin typeface="Courier New" panose="02070309020205020404" pitchFamily="49" charset="0"/>
+                <a:cs typeface="Courier New" panose="02070309020205020404" pitchFamily="49" charset="0"/>
+              </a:rPr>
+              <a:t>    Bit#:  -7---6---5---4---3---2---1---0---</a:t>
+            </a:r>
+          </a:p>
+          <a:p>
+            <a:r>
+              <a:rPr lang="en-GB" sz="1200" b="1" dirty="0">
+                <a:latin typeface="Courier New" panose="02070309020205020404" pitchFamily="49" charset="0"/>
+                <a:cs typeface="Courier New" panose="02070309020205020404" pitchFamily="49" charset="0"/>
+              </a:rPr>
+              <a:t>    IO:    ----------------RST---------------</a:t>
+            </a:r>
+          </a:p>
+          <a:p>
+            <a:r>
+              <a:rPr lang="en-GB" sz="1200" b="1" dirty="0">
+                <a:latin typeface="Courier New" panose="02070309020205020404" pitchFamily="49" charset="0"/>
+                <a:cs typeface="Courier New" panose="02070309020205020404" pitchFamily="49" charset="0"/>
+              </a:rPr>
+              <a:t>    IO:    ---------------------------------</a:t>
+            </a:r>
+            <a:br>
+              <a:rPr lang="en-GB" sz="1200" b="1" dirty="0">
+                <a:latin typeface="Courier New" panose="02070309020205020404" pitchFamily="49" charset="0"/>
+                <a:cs typeface="Courier New" panose="02070309020205020404" pitchFamily="49" charset="0"/>
+              </a:rPr>
+            </a:br>
+            <a:endParaRPr lang="en-GB" sz="1200" b="1" dirty="0">
+              <a:latin typeface="Courier New" panose="02070309020205020404" pitchFamily="49" charset="0"/>
+              <a:cs typeface="Courier New" panose="02070309020205020404" pitchFamily="49" charset="0"/>
+            </a:endParaRPr>
+          </a:p>
+        </p:txBody>
+      </p:sp>
+    </p:spTree>
+    <p:extLst>
+      <p:ext uri="{BB962C8B-B14F-4D97-AF65-F5344CB8AC3E}">
+        <p14:creationId xmlns:p14="http://schemas.microsoft.com/office/powerpoint/2010/main" val="2391618964"/>
+      </p:ext>
+    </p:extLst>
+  </p:cSld>
+  <p:clrMapOvr>
+    <a:masterClrMapping/>
+  </p:clrMapOvr>
+  <mc:AlternateContent xmlns:mc="http://schemas.openxmlformats.org/markup-compatibility/2006" xmlns:p14="http://schemas.microsoft.com/office/powerpoint/2010/main">
+    <mc:Choice Requires="p14">
+      <p:transition spd="slow" p14:dur="2000"/>
+    </mc:Choice>
+    <mc:Fallback xmlns="">
+      <p:transition spd="slow"/>
+    </mc:Fallback>
+  </mc:AlternateContent>
+  <p:timing>
+    <p:tnLst>
+      <p:par>
+        <p:cTn id="1" dur="indefinite" restart="never" nodeType="tmRoot"/>
+      </p:par>
+    </p:tnLst>
+  </p:timing>
+</p:sld>
+</file>
+
+<file path=ppt/slides/slide11.xml><?xml version="1.0" encoding="utf-8"?>
+<p:sld xmlns:a="http://schemas.openxmlformats.org/drawingml/2006/main" xmlns:r="http://schemas.openxmlformats.org/officeDocument/2006/relationships" xmlns:p="http://schemas.openxmlformats.org/presentationml/2006/main">
+  <p:cSld>
+    <p:spTree>
+      <p:nvGrpSpPr>
+        <p:cNvPr id="1" name=""/>
+        <p:cNvGrpSpPr/>
+        <p:nvPr/>
+      </p:nvGrpSpPr>
+      <p:grpSpPr>
+        <a:xfrm>
+          <a:off x="0" y="0"/>
+          <a:ext cx="0" cy="0"/>
+          <a:chOff x="0" y="0"/>
+          <a:chExt cx="0" cy="0"/>
+        </a:xfrm>
+      </p:grpSpPr>
+      <p:sp>
+        <p:nvSpPr>
           <p:cNvPr id="3" name="Rectangle 2"/>
           <p:cNvSpPr/>
           <p:nvPr/>
@@ -8318,7 +8742,6 @@
               <a:rPr lang="en-GB" dirty="0" smtClean="0"/>
               <a:t>Initialise microcontroller</a:t>
             </a:r>
-            <a:endParaRPr lang="en-GB" dirty="0" smtClean="0"/>
           </a:p>
           <a:p>
             <a:endParaRPr lang="en-GB" dirty="0" smtClean="0"/>
@@ -8350,11 +8773,7 @@
           <a:p>
             <a:r>
               <a:rPr lang="en-GB" dirty="0" smtClean="0"/>
-              <a:t>Checking the switch by using function to inspect the switch </a:t>
-            </a:r>
-            <a:r>
-              <a:rPr lang="en-GB" dirty="0" smtClean="0"/>
-              <a:t>state</a:t>
+              <a:t>Checking the switch by using function to inspect the switch state</a:t>
             </a:r>
           </a:p>
           <a:p>
@@ -8469,23 +8888,7 @@
                   <a:schemeClr val="tx1"/>
                 </a:solidFill>
               </a:rPr>
-              <a:t>Set  </a:t>
-            </a:r>
-            <a:r>
-              <a:rPr lang="en-GB" sz="1000" dirty="0" smtClean="0">
-                <a:solidFill>
-                  <a:schemeClr val="tx1"/>
-                </a:solidFill>
-              </a:rPr>
-              <a:t>LEDs </a:t>
-            </a:r>
-            <a:r>
-              <a:rPr lang="en-GB" sz="1000" dirty="0" smtClean="0">
-                <a:solidFill>
-                  <a:schemeClr val="tx1"/>
-                </a:solidFill>
-              </a:rPr>
-              <a:t>off</a:t>
+              <a:t>Set  LEDs off</a:t>
             </a:r>
             <a:endParaRPr lang="en-GB" sz="1000" dirty="0">
               <a:solidFill>
@@ -8540,15 +8943,7 @@
                   <a:schemeClr val="tx1"/>
                 </a:solidFill>
               </a:rPr>
-              <a:t>Keypressed</a:t>
-            </a:r>
-            <a:r>
-              <a:rPr lang="en-GB" sz="1050" dirty="0" smtClean="0">
-                <a:solidFill>
-                  <a:schemeClr val="tx1"/>
-                </a:solidFill>
-              </a:rPr>
-              <a:t> = TRUE</a:t>
+              <a:t>Keypressed = TRUE</a:t>
             </a:r>
             <a:endParaRPr lang="en-GB" sz="1200" dirty="0">
               <a:solidFill>
@@ -8762,15 +9157,7 @@
                   <a:schemeClr val="tx1"/>
                 </a:solidFill>
               </a:rPr>
-              <a:t>Toggle </a:t>
-            </a:r>
-            <a:r>
-              <a:rPr lang="en-GB" sz="1000" dirty="0" smtClean="0">
-                <a:solidFill>
-                  <a:schemeClr val="tx1"/>
-                </a:solidFill>
-              </a:rPr>
-              <a:t>LEDs</a:t>
+              <a:t>Toggle LEDs</a:t>
             </a:r>
             <a:endParaRPr lang="en-GB" sz="1000" dirty="0">
               <a:solidFill>
@@ -8981,114 +9368,6 @@
 </p:sld>
 </file>
 
-<file path=ppt/slides/slide11.xml><?xml version="1.0" encoding="utf-8"?>
-<p:sld xmlns:a="http://schemas.openxmlformats.org/drawingml/2006/main" xmlns:r="http://schemas.openxmlformats.org/officeDocument/2006/relationships" xmlns:p="http://schemas.openxmlformats.org/presentationml/2006/main">
-  <p:cSld>
-    <p:spTree>
-      <p:nvGrpSpPr>
-        <p:cNvPr id="1" name=""/>
-        <p:cNvGrpSpPr/>
-        <p:nvPr/>
-      </p:nvGrpSpPr>
-      <p:grpSpPr>
-        <a:xfrm>
-          <a:off x="0" y="0"/>
-          <a:ext cx="0" cy="0"/>
-          <a:chOff x="0" y="0"/>
-          <a:chExt cx="0" cy="0"/>
-        </a:xfrm>
-      </p:grpSpPr>
-      <p:sp>
-        <p:nvSpPr>
-          <p:cNvPr id="2" name="Title 1"/>
-          <p:cNvSpPr>
-            <a:spLocks noGrp="1"/>
-          </p:cNvSpPr>
-          <p:nvPr>
-            <p:ph type="title"/>
-          </p:nvPr>
-        </p:nvSpPr>
-        <p:spPr/>
-        <p:txBody>
-          <a:bodyPr vert="horz" lIns="85064" tIns="42531" rIns="85064" bIns="42531" rtlCol="0" anchor="t">
-            <a:normAutofit/>
-          </a:bodyPr>
-          <a:lstStyle/>
-          <a:p>
-            <a:pPr algn="l"/>
-            <a:r>
-              <a:rPr lang="en-GB" dirty="0" smtClean="0"/>
-              <a:t>Lab</a:t>
-            </a:r>
-          </a:p>
-        </p:txBody>
-      </p:sp>
-      <p:sp>
-        <p:nvSpPr>
-          <p:cNvPr id="4" name="Content Placeholder 2"/>
-          <p:cNvSpPr>
-            <a:spLocks noGrp="1"/>
-          </p:cNvSpPr>
-          <p:nvPr>
-            <p:ph idx="1"/>
-          </p:nvPr>
-        </p:nvSpPr>
-        <p:spPr/>
-        <p:txBody>
-          <a:bodyPr/>
-          <a:lstStyle/>
-          <a:p>
-            <a:r>
-              <a:rPr lang="en-GB" dirty="0" smtClean="0"/>
-              <a:t>Review GCSTUDIO options</a:t>
-            </a:r>
-          </a:p>
-          <a:p>
-            <a:endParaRPr lang="en-GB" dirty="0" smtClean="0"/>
-          </a:p>
-          <a:p>
-            <a:r>
-              <a:rPr lang="en-GB" dirty="0" smtClean="0"/>
-              <a:t>Examine the sample code</a:t>
-            </a:r>
-          </a:p>
-          <a:p>
-            <a:r>
-              <a:rPr lang="en-GB" dirty="0" smtClean="0"/>
-              <a:t>Review the results</a:t>
-            </a:r>
-            <a:endParaRPr lang="en-GB" dirty="0"/>
-          </a:p>
-        </p:txBody>
-      </p:sp>
-    </p:spTree>
-    <p:extLst>
-      <p:ext uri="{BB962C8B-B14F-4D97-AF65-F5344CB8AC3E}">
-        <p14:creationId xmlns:p14="http://schemas.microsoft.com/office/powerpoint/2010/main" val="4232917398"/>
-      </p:ext>
-    </p:extLst>
-  </p:cSld>
-  <p:clrMapOvr>
-    <a:masterClrMapping/>
-  </p:clrMapOvr>
-  <mc:AlternateContent xmlns:mc="http://schemas.openxmlformats.org/markup-compatibility/2006" xmlns:p14="http://schemas.microsoft.com/office/powerpoint/2010/main">
-    <mc:Choice Requires="p14">
-      <p:transition spd="slow" p14:dur="2000" advClick="0"/>
-    </mc:Choice>
-    <mc:Fallback xmlns="">
-      <p:transition spd="slow" advClick="0"/>
-    </mc:Fallback>
-  </mc:AlternateContent>
-  <p:timing>
-    <p:tnLst>
-      <p:par>
-        <p:cTn id="1" dur="indefinite" restart="never" nodeType="tmRoot"/>
-      </p:par>
-    </p:tnLst>
-  </p:timing>
-</p:sld>
-</file>
-
 <file path=ppt/slides/slide12.xml><?xml version="1.0" encoding="utf-8"?>
 <p:sld xmlns:a="http://schemas.openxmlformats.org/drawingml/2006/main" xmlns:r="http://schemas.openxmlformats.org/officeDocument/2006/relationships" xmlns:p="http://schemas.openxmlformats.org/presentationml/2006/main">
   <p:cSld>
@@ -9118,16 +9397,22 @@
         </p:nvSpPr>
         <p:spPr/>
         <p:txBody>
-          <a:bodyPr/>
+          <a:bodyPr vert="horz" lIns="85064" tIns="42531" rIns="85064" bIns="42531" rtlCol="0" anchor="t">
+            <a:normAutofit/>
+          </a:bodyPr>
           <a:lstStyle/>
           <a:p>
-            <a:endParaRPr lang="en-GB" dirty="0"/>
-          </a:p>
-        </p:txBody>
-      </p:sp>
-      <p:sp>
-        <p:nvSpPr>
-          <p:cNvPr id="3" name="Content Placeholder 2"/>
+            <a:pPr algn="l"/>
+            <a:r>
+              <a:rPr lang="en-GB" dirty="0" smtClean="0"/>
+              <a:t>Lab</a:t>
+            </a:r>
+          </a:p>
+        </p:txBody>
+      </p:sp>
+      <p:sp>
+        <p:nvSpPr>
+          <p:cNvPr id="4" name="Content Placeholder 2"/>
           <p:cNvSpPr>
             <a:spLocks noGrp="1"/>
           </p:cNvSpPr>
@@ -9140,21 +9425,45 @@
           <a:bodyPr/>
           <a:lstStyle/>
           <a:p>
+            <a:r>
+              <a:rPr lang="en-GB" dirty="0" smtClean="0"/>
+              <a:t>Review GCSTUDIO options</a:t>
+            </a:r>
+          </a:p>
+          <a:p>
+            <a:endParaRPr lang="en-GB" dirty="0" smtClean="0"/>
+          </a:p>
+          <a:p>
+            <a:r>
+              <a:rPr lang="en-GB" dirty="0" smtClean="0"/>
+              <a:t>Examine the sample code</a:t>
+            </a:r>
+          </a:p>
+          <a:p>
+            <a:r>
+              <a:rPr lang="en-GB" dirty="0" smtClean="0"/>
+              <a:t>Review the results</a:t>
+            </a:r>
             <a:endParaRPr lang="en-GB" dirty="0"/>
           </a:p>
         </p:txBody>
       </p:sp>
     </p:spTree>
+    <p:extLst>
+      <p:ext uri="{BB962C8B-B14F-4D97-AF65-F5344CB8AC3E}">
+        <p14:creationId xmlns:p14="http://schemas.microsoft.com/office/powerpoint/2010/main" val="4232917398"/>
+      </p:ext>
+    </p:extLst>
   </p:cSld>
   <p:clrMapOvr>
     <a:masterClrMapping/>
   </p:clrMapOvr>
   <mc:AlternateContent xmlns:mc="http://schemas.openxmlformats.org/markup-compatibility/2006" xmlns:p14="http://schemas.microsoft.com/office/powerpoint/2010/main">
     <mc:Choice Requires="p14">
-      <p:transition spd="slow" p14:dur="2000"/>
+      <p:transition spd="slow" p14:dur="2000" advClick="0"/>
     </mc:Choice>
     <mc:Fallback xmlns="">
-      <p:transition spd="slow"/>
+      <p:transition spd="slow" advClick="0"/>
     </mc:Fallback>
   </mc:AlternateContent>
   <p:timing>
@@ -9186,844 +9495,55 @@
       </p:grpSpPr>
       <p:sp>
         <p:nvSpPr>
-          <p:cNvPr id="2" name="Rectangle 1"/>
-          <p:cNvSpPr/>
-          <p:nvPr/>
-        </p:nvSpPr>
-        <p:spPr>
-          <a:xfrm>
-            <a:off x="88900" y="-20538"/>
-            <a:ext cx="4572000" cy="5216813"/>
-          </a:xfrm>
-          <a:prstGeom prst="rect">
-            <a:avLst/>
-          </a:prstGeom>
-          <a:solidFill>
-            <a:schemeClr val="bg1"/>
-          </a:solidFill>
-        </p:spPr>
-        <p:txBody>
-          <a:bodyPr>
-            <a:spAutoFit/>
-          </a:bodyPr>
+          <p:cNvPr id="2" name="Title 1"/>
+          <p:cNvSpPr>
+            <a:spLocks noGrp="1"/>
+          </p:cNvSpPr>
+          <p:nvPr>
+            <p:ph type="title"/>
+          </p:nvPr>
+        </p:nvSpPr>
+        <p:spPr/>
+        <p:txBody>
+          <a:bodyPr/>
           <a:lstStyle/>
           <a:p>
-            <a:r>
-              <a:rPr lang="en-GB" sz="900" dirty="0">
-                <a:latin typeface="Courier New" panose="02070309020205020404" pitchFamily="49" charset="0"/>
-                <a:cs typeface="Courier New" panose="02070309020205020404" pitchFamily="49" charset="0"/>
-              </a:rPr>
-              <a:t>// Function to </a:t>
-            </a:r>
-            <a:r>
-              <a:rPr lang="en-GB" sz="900" dirty="0">
-                <a:latin typeface="Courier New" panose="02070309020205020404" pitchFamily="49" charset="0"/>
-                <a:cs typeface="Courier New" panose="02070309020205020404" pitchFamily="49" charset="0"/>
-              </a:rPr>
-              <a:t>debounce</a:t>
-            </a:r>
-            <a:r>
-              <a:rPr lang="en-GB" sz="900" dirty="0">
-                <a:latin typeface="Courier New" panose="02070309020205020404" pitchFamily="49" charset="0"/>
-                <a:cs typeface="Courier New" panose="02070309020205020404" pitchFamily="49" charset="0"/>
-              </a:rPr>
-              <a:t> a switch and return the stable state</a:t>
-            </a:r>
-          </a:p>
-          <a:p>
-            <a:r>
-              <a:rPr lang="en-GB" sz="900" dirty="0">
-                <a:latin typeface="Courier New" panose="02070309020205020404" pitchFamily="49" charset="0"/>
-                <a:cs typeface="Courier New" panose="02070309020205020404" pitchFamily="49" charset="0"/>
-              </a:rPr>
-              <a:t>Function </a:t>
-            </a:r>
-            <a:r>
-              <a:rPr lang="en-GB" sz="900" dirty="0">
-                <a:latin typeface="Courier New" panose="02070309020205020404" pitchFamily="49" charset="0"/>
-                <a:cs typeface="Courier New" panose="02070309020205020404" pitchFamily="49" charset="0"/>
-              </a:rPr>
-              <a:t>DebounceSwitch</a:t>
-            </a:r>
-            <a:r>
-              <a:rPr lang="en-GB" sz="900" dirty="0">
-                <a:latin typeface="Courier New" panose="02070309020205020404" pitchFamily="49" charset="0"/>
-                <a:cs typeface="Courier New" panose="02070309020205020404" pitchFamily="49" charset="0"/>
-              </a:rPr>
-              <a:t> as Bit</a:t>
-            </a:r>
-          </a:p>
-          <a:p>
-            <a:r>
-              <a:rPr lang="en-GB" sz="900" dirty="0">
-                <a:latin typeface="Courier New" panose="02070309020205020404" pitchFamily="49" charset="0"/>
-                <a:cs typeface="Courier New" panose="02070309020205020404" pitchFamily="49" charset="0"/>
-              </a:rPr>
-              <a:t>    </a:t>
-            </a:r>
-          </a:p>
-          <a:p>
-            <a:r>
-              <a:rPr lang="en-GB" sz="900" dirty="0">
-                <a:latin typeface="Courier New" panose="02070309020205020404" pitchFamily="49" charset="0"/>
-                <a:cs typeface="Courier New" panose="02070309020205020404" pitchFamily="49" charset="0"/>
-              </a:rPr>
-              <a:t>    // Define variables</a:t>
-            </a:r>
-          </a:p>
-          <a:p>
-            <a:r>
-              <a:rPr lang="en-GB" sz="900" dirty="0">
-                <a:latin typeface="Courier New" panose="02070309020205020404" pitchFamily="49" charset="0"/>
-                <a:cs typeface="Courier New" panose="02070309020205020404" pitchFamily="49" charset="0"/>
-              </a:rPr>
-              <a:t>    Dim </a:t>
-            </a:r>
-            <a:r>
-              <a:rPr lang="en-GB" sz="900" dirty="0">
-                <a:latin typeface="Courier New" panose="02070309020205020404" pitchFamily="49" charset="0"/>
-                <a:cs typeface="Courier New" panose="02070309020205020404" pitchFamily="49" charset="0"/>
-              </a:rPr>
-              <a:t>CurrentState</a:t>
-            </a:r>
-            <a:r>
-              <a:rPr lang="en-GB" sz="900" dirty="0">
-                <a:latin typeface="Courier New" panose="02070309020205020404" pitchFamily="49" charset="0"/>
-                <a:cs typeface="Courier New" panose="02070309020205020404" pitchFamily="49" charset="0"/>
-              </a:rPr>
-              <a:t> As Bit</a:t>
-            </a:r>
-          </a:p>
-          <a:p>
-            <a:r>
-              <a:rPr lang="en-GB" sz="900" dirty="0">
-                <a:latin typeface="Courier New" panose="02070309020205020404" pitchFamily="49" charset="0"/>
-                <a:cs typeface="Courier New" panose="02070309020205020404" pitchFamily="49" charset="0"/>
-              </a:rPr>
-              <a:t>    Dim </a:t>
-            </a:r>
-            <a:r>
-              <a:rPr lang="en-GB" sz="900" dirty="0">
-                <a:latin typeface="Courier New" panose="02070309020205020404" pitchFamily="49" charset="0"/>
-                <a:cs typeface="Courier New" panose="02070309020205020404" pitchFamily="49" charset="0"/>
-              </a:rPr>
-              <a:t>LastState</a:t>
-            </a:r>
-            <a:r>
-              <a:rPr lang="en-GB" sz="900" dirty="0">
-                <a:latin typeface="Courier New" panose="02070309020205020404" pitchFamily="49" charset="0"/>
-                <a:cs typeface="Courier New" panose="02070309020205020404" pitchFamily="49" charset="0"/>
-              </a:rPr>
-              <a:t> As Bit</a:t>
-            </a:r>
-          </a:p>
-          <a:p>
-            <a:r>
-              <a:rPr lang="en-GB" sz="900" dirty="0">
-                <a:latin typeface="Courier New" panose="02070309020205020404" pitchFamily="49" charset="0"/>
-                <a:cs typeface="Courier New" panose="02070309020205020404" pitchFamily="49" charset="0"/>
-              </a:rPr>
-              <a:t>    Dim </a:t>
-            </a:r>
-            <a:r>
-              <a:rPr lang="en-GB" sz="900" dirty="0">
-                <a:latin typeface="Courier New" panose="02070309020205020404" pitchFamily="49" charset="0"/>
-                <a:cs typeface="Courier New" panose="02070309020205020404" pitchFamily="49" charset="0"/>
-              </a:rPr>
-              <a:t>StableState</a:t>
-            </a:r>
-            <a:r>
-              <a:rPr lang="en-GB" sz="900" dirty="0">
-                <a:latin typeface="Courier New" panose="02070309020205020404" pitchFamily="49" charset="0"/>
-                <a:cs typeface="Courier New" panose="02070309020205020404" pitchFamily="49" charset="0"/>
-              </a:rPr>
-              <a:t> As Bit</a:t>
-            </a:r>
-          </a:p>
-          <a:p>
-            <a:r>
-              <a:rPr lang="en-GB" sz="900" dirty="0">
-                <a:latin typeface="Courier New" panose="02070309020205020404" pitchFamily="49" charset="0"/>
-                <a:cs typeface="Courier New" panose="02070309020205020404" pitchFamily="49" charset="0"/>
-              </a:rPr>
-              <a:t>    Dim Counter As Byte</a:t>
-            </a:r>
-          </a:p>
-          <a:p>
-            <a:endParaRPr lang="en-GB" sz="900" dirty="0">
-              <a:latin typeface="Courier New" panose="02070309020205020404" pitchFamily="49" charset="0"/>
-              <a:cs typeface="Courier New" panose="02070309020205020404" pitchFamily="49" charset="0"/>
-            </a:endParaRPr>
-          </a:p>
-          <a:p>
-            <a:r>
-              <a:rPr lang="en-GB" sz="900" dirty="0">
-                <a:latin typeface="Courier New" panose="02070309020205020404" pitchFamily="49" charset="0"/>
-                <a:cs typeface="Courier New" panose="02070309020205020404" pitchFamily="49" charset="0"/>
-              </a:rPr>
-              <a:t>    // Initialize states and counter</a:t>
-            </a:r>
-          </a:p>
-          <a:p>
-            <a:r>
-              <a:rPr lang="en-GB" sz="900" dirty="0">
-                <a:latin typeface="Courier New" panose="02070309020205020404" pitchFamily="49" charset="0"/>
-                <a:cs typeface="Courier New" panose="02070309020205020404" pitchFamily="49" charset="0"/>
-              </a:rPr>
-              <a:t>    </a:t>
-            </a:r>
-            <a:r>
-              <a:rPr lang="en-GB" sz="900" dirty="0">
-                <a:latin typeface="Courier New" panose="02070309020205020404" pitchFamily="49" charset="0"/>
-                <a:cs typeface="Courier New" panose="02070309020205020404" pitchFamily="49" charset="0"/>
-              </a:rPr>
-              <a:t>LastState</a:t>
-            </a:r>
-            <a:r>
-              <a:rPr lang="en-GB" sz="900" dirty="0">
-                <a:latin typeface="Courier New" panose="02070309020205020404" pitchFamily="49" charset="0"/>
-                <a:cs typeface="Courier New" panose="02070309020205020404" pitchFamily="49" charset="0"/>
-              </a:rPr>
-              <a:t> = SWITCHIN</a:t>
-            </a:r>
-          </a:p>
-          <a:p>
-            <a:r>
-              <a:rPr lang="en-GB" sz="900" dirty="0">
-                <a:latin typeface="Courier New" panose="02070309020205020404" pitchFamily="49" charset="0"/>
-                <a:cs typeface="Courier New" panose="02070309020205020404" pitchFamily="49" charset="0"/>
-              </a:rPr>
-              <a:t>    </a:t>
-            </a:r>
-            <a:r>
-              <a:rPr lang="en-GB" sz="900" dirty="0">
-                <a:latin typeface="Courier New" panose="02070309020205020404" pitchFamily="49" charset="0"/>
-                <a:cs typeface="Courier New" panose="02070309020205020404" pitchFamily="49" charset="0"/>
-              </a:rPr>
-              <a:t>StableState</a:t>
-            </a:r>
-            <a:r>
-              <a:rPr lang="en-GB" sz="900" dirty="0">
-                <a:latin typeface="Courier New" panose="02070309020205020404" pitchFamily="49" charset="0"/>
-                <a:cs typeface="Courier New" panose="02070309020205020404" pitchFamily="49" charset="0"/>
-              </a:rPr>
-              <a:t> = </a:t>
-            </a:r>
-            <a:r>
-              <a:rPr lang="en-GB" sz="900" dirty="0">
-                <a:latin typeface="Courier New" panose="02070309020205020404" pitchFamily="49" charset="0"/>
-                <a:cs typeface="Courier New" panose="02070309020205020404" pitchFamily="49" charset="0"/>
-              </a:rPr>
-              <a:t>LastState</a:t>
-            </a:r>
-            <a:endParaRPr lang="en-GB" sz="900" dirty="0">
-              <a:latin typeface="Courier New" panose="02070309020205020404" pitchFamily="49" charset="0"/>
-              <a:cs typeface="Courier New" panose="02070309020205020404" pitchFamily="49" charset="0"/>
-            </a:endParaRPr>
-          </a:p>
-          <a:p>
-            <a:r>
-              <a:rPr lang="en-GB" sz="900" dirty="0">
-                <a:latin typeface="Courier New" panose="02070309020205020404" pitchFamily="49" charset="0"/>
-                <a:cs typeface="Courier New" panose="02070309020205020404" pitchFamily="49" charset="0"/>
-              </a:rPr>
-              <a:t>    Counter = 0</a:t>
-            </a:r>
-          </a:p>
-          <a:p>
-            <a:endParaRPr lang="en-GB" sz="900" dirty="0">
-              <a:latin typeface="Courier New" panose="02070309020205020404" pitchFamily="49" charset="0"/>
-              <a:cs typeface="Courier New" panose="02070309020205020404" pitchFamily="49" charset="0"/>
-            </a:endParaRPr>
-          </a:p>
-          <a:p>
-            <a:r>
-              <a:rPr lang="en-GB" sz="900" dirty="0">
-                <a:latin typeface="Courier New" panose="02070309020205020404" pitchFamily="49" charset="0"/>
-                <a:cs typeface="Courier New" panose="02070309020205020404" pitchFamily="49" charset="0"/>
-              </a:rPr>
-              <a:t>    // </a:t>
-            </a:r>
-            <a:r>
-              <a:rPr lang="en-GB" sz="900" dirty="0">
-                <a:latin typeface="Courier New" panose="02070309020205020404" pitchFamily="49" charset="0"/>
-                <a:cs typeface="Courier New" panose="02070309020205020404" pitchFamily="49" charset="0"/>
-              </a:rPr>
-              <a:t>Debounce</a:t>
-            </a:r>
-            <a:r>
-              <a:rPr lang="en-GB" sz="900" dirty="0">
-                <a:latin typeface="Courier New" panose="02070309020205020404" pitchFamily="49" charset="0"/>
-                <a:cs typeface="Courier New" panose="02070309020205020404" pitchFamily="49" charset="0"/>
-              </a:rPr>
-              <a:t> loop: checks the state multiple times to ensure stability</a:t>
-            </a:r>
-          </a:p>
-          <a:p>
-            <a:r>
-              <a:rPr lang="en-GB" sz="900" dirty="0">
-                <a:latin typeface="Courier New" panose="02070309020205020404" pitchFamily="49" charset="0"/>
-                <a:cs typeface="Courier New" panose="02070309020205020404" pitchFamily="49" charset="0"/>
-              </a:rPr>
-              <a:t>    For Counter = 0 To 10</a:t>
-            </a:r>
-          </a:p>
-          <a:p>
-            <a:r>
-              <a:rPr lang="en-GB" sz="900" dirty="0">
-                <a:latin typeface="Courier New" panose="02070309020205020404" pitchFamily="49" charset="0"/>
-                <a:cs typeface="Courier New" panose="02070309020205020404" pitchFamily="49" charset="0"/>
-              </a:rPr>
-              <a:t>        wait 5 </a:t>
-            </a:r>
-            <a:r>
-              <a:rPr lang="en-GB" sz="900" dirty="0">
-                <a:latin typeface="Courier New" panose="02070309020205020404" pitchFamily="49" charset="0"/>
-                <a:cs typeface="Courier New" panose="02070309020205020404" pitchFamily="49" charset="0"/>
-              </a:rPr>
-              <a:t>ms</a:t>
-            </a:r>
-            <a:r>
-              <a:rPr lang="en-GB" sz="900" dirty="0">
-                <a:latin typeface="Courier New" panose="02070309020205020404" pitchFamily="49" charset="0"/>
-                <a:cs typeface="Courier New" panose="02070309020205020404" pitchFamily="49" charset="0"/>
-              </a:rPr>
-              <a:t>  // Small delay to allow switch to settle</a:t>
-            </a:r>
-          </a:p>
-          <a:p>
-            <a:endParaRPr lang="en-GB" sz="900" dirty="0">
-              <a:latin typeface="Courier New" panose="02070309020205020404" pitchFamily="49" charset="0"/>
-              <a:cs typeface="Courier New" panose="02070309020205020404" pitchFamily="49" charset="0"/>
-            </a:endParaRPr>
-          </a:p>
-          <a:p>
-            <a:r>
-              <a:rPr lang="en-GB" sz="900" dirty="0">
-                <a:latin typeface="Courier New" panose="02070309020205020404" pitchFamily="49" charset="0"/>
-                <a:cs typeface="Courier New" panose="02070309020205020404" pitchFamily="49" charset="0"/>
-              </a:rPr>
-              <a:t>        // Read the current state of the switch</a:t>
-            </a:r>
-          </a:p>
-          <a:p>
-            <a:r>
-              <a:rPr lang="en-GB" sz="900" dirty="0">
-                <a:latin typeface="Courier New" panose="02070309020205020404" pitchFamily="49" charset="0"/>
-                <a:cs typeface="Courier New" panose="02070309020205020404" pitchFamily="49" charset="0"/>
-              </a:rPr>
-              <a:t>        </a:t>
-            </a:r>
-            <a:r>
-              <a:rPr lang="en-GB" sz="900" dirty="0">
-                <a:latin typeface="Courier New" panose="02070309020205020404" pitchFamily="49" charset="0"/>
-                <a:cs typeface="Courier New" panose="02070309020205020404" pitchFamily="49" charset="0"/>
-              </a:rPr>
-              <a:t>CurrentState</a:t>
-            </a:r>
-            <a:r>
-              <a:rPr lang="en-GB" sz="900" dirty="0">
-                <a:latin typeface="Courier New" panose="02070309020205020404" pitchFamily="49" charset="0"/>
-                <a:cs typeface="Courier New" panose="02070309020205020404" pitchFamily="49" charset="0"/>
-              </a:rPr>
-              <a:t> = SWITCHIN</a:t>
-            </a:r>
-          </a:p>
-          <a:p>
-            <a:endParaRPr lang="en-GB" sz="900" dirty="0">
-              <a:latin typeface="Courier New" panose="02070309020205020404" pitchFamily="49" charset="0"/>
-              <a:cs typeface="Courier New" panose="02070309020205020404" pitchFamily="49" charset="0"/>
-            </a:endParaRPr>
-          </a:p>
-          <a:p>
-            <a:r>
-              <a:rPr lang="en-GB" sz="900" dirty="0">
-                <a:latin typeface="Courier New" panose="02070309020205020404" pitchFamily="49" charset="0"/>
-                <a:cs typeface="Courier New" panose="02070309020205020404" pitchFamily="49" charset="0"/>
-              </a:rPr>
-              <a:t>        // If the state is stable (consistent for the duration of the loop)</a:t>
-            </a:r>
-          </a:p>
-          <a:p>
-            <a:r>
-              <a:rPr lang="en-GB" sz="900" dirty="0">
-                <a:latin typeface="Courier New" panose="02070309020205020404" pitchFamily="49" charset="0"/>
-                <a:cs typeface="Courier New" panose="02070309020205020404" pitchFamily="49" charset="0"/>
-              </a:rPr>
-              <a:t>        If (</a:t>
-            </a:r>
-            <a:r>
-              <a:rPr lang="en-GB" sz="900" dirty="0">
-                <a:latin typeface="Courier New" panose="02070309020205020404" pitchFamily="49" charset="0"/>
-                <a:cs typeface="Courier New" panose="02070309020205020404" pitchFamily="49" charset="0"/>
-              </a:rPr>
-              <a:t>CurrentState</a:t>
-            </a:r>
-            <a:r>
-              <a:rPr lang="en-GB" sz="900" dirty="0">
-                <a:latin typeface="Courier New" panose="02070309020205020404" pitchFamily="49" charset="0"/>
-                <a:cs typeface="Courier New" panose="02070309020205020404" pitchFamily="49" charset="0"/>
-              </a:rPr>
-              <a:t> = </a:t>
-            </a:r>
-            <a:r>
-              <a:rPr lang="en-GB" sz="900" dirty="0">
-                <a:latin typeface="Courier New" panose="02070309020205020404" pitchFamily="49" charset="0"/>
-                <a:cs typeface="Courier New" panose="02070309020205020404" pitchFamily="49" charset="0"/>
-              </a:rPr>
-              <a:t>LastState</a:t>
-            </a:r>
-            <a:r>
-              <a:rPr lang="en-GB" sz="900" dirty="0">
-                <a:latin typeface="Courier New" panose="02070309020205020404" pitchFamily="49" charset="0"/>
-                <a:cs typeface="Courier New" panose="02070309020205020404" pitchFamily="49" charset="0"/>
-              </a:rPr>
-              <a:t>) Then</a:t>
-            </a:r>
-          </a:p>
-          <a:p>
-            <a:r>
-              <a:rPr lang="en-GB" sz="900" dirty="0">
-                <a:latin typeface="Courier New" panose="02070309020205020404" pitchFamily="49" charset="0"/>
-                <a:cs typeface="Courier New" panose="02070309020205020404" pitchFamily="49" charset="0"/>
-              </a:rPr>
-              <a:t>            </a:t>
-            </a:r>
-            <a:r>
-              <a:rPr lang="en-GB" sz="900" dirty="0">
-                <a:latin typeface="Courier New" panose="02070309020205020404" pitchFamily="49" charset="0"/>
-                <a:cs typeface="Courier New" panose="02070309020205020404" pitchFamily="49" charset="0"/>
-              </a:rPr>
-              <a:t>StableState</a:t>
-            </a:r>
-            <a:r>
-              <a:rPr lang="en-GB" sz="900" dirty="0">
-                <a:latin typeface="Courier New" panose="02070309020205020404" pitchFamily="49" charset="0"/>
-                <a:cs typeface="Courier New" panose="02070309020205020404" pitchFamily="49" charset="0"/>
-              </a:rPr>
-              <a:t> = </a:t>
-            </a:r>
-            <a:r>
-              <a:rPr lang="en-GB" sz="900" dirty="0">
-                <a:latin typeface="Courier New" panose="02070309020205020404" pitchFamily="49" charset="0"/>
-                <a:cs typeface="Courier New" panose="02070309020205020404" pitchFamily="49" charset="0"/>
-              </a:rPr>
-              <a:t>CurrentState</a:t>
-            </a:r>
-            <a:endParaRPr lang="en-GB" sz="900" dirty="0">
-              <a:latin typeface="Courier New" panose="02070309020205020404" pitchFamily="49" charset="0"/>
-              <a:cs typeface="Courier New" panose="02070309020205020404" pitchFamily="49" charset="0"/>
-            </a:endParaRPr>
-          </a:p>
-          <a:p>
-            <a:r>
-              <a:rPr lang="en-GB" sz="900" dirty="0">
-                <a:latin typeface="Courier New" panose="02070309020205020404" pitchFamily="49" charset="0"/>
-                <a:cs typeface="Courier New" panose="02070309020205020404" pitchFamily="49" charset="0"/>
-              </a:rPr>
-              <a:t>        Else</a:t>
-            </a:r>
-          </a:p>
-          <a:p>
-            <a:r>
-              <a:rPr lang="en-GB" sz="900" dirty="0">
-                <a:latin typeface="Courier New" panose="02070309020205020404" pitchFamily="49" charset="0"/>
-                <a:cs typeface="Courier New" panose="02070309020205020404" pitchFamily="49" charset="0"/>
-              </a:rPr>
-              <a:t>            // Reset counter if state changes</a:t>
-            </a:r>
-          </a:p>
-          <a:p>
-            <a:r>
-              <a:rPr lang="en-GB" sz="900" dirty="0">
-                <a:latin typeface="Courier New" panose="02070309020205020404" pitchFamily="49" charset="0"/>
-                <a:cs typeface="Courier New" panose="02070309020205020404" pitchFamily="49" charset="0"/>
-              </a:rPr>
-              <a:t>            Counter = 0</a:t>
-            </a:r>
-          </a:p>
-          <a:p>
-            <a:r>
-              <a:rPr lang="en-GB" sz="900" dirty="0">
-                <a:latin typeface="Courier New" panose="02070309020205020404" pitchFamily="49" charset="0"/>
-                <a:cs typeface="Courier New" panose="02070309020205020404" pitchFamily="49" charset="0"/>
-              </a:rPr>
-              <a:t>            </a:t>
-            </a:r>
-            <a:r>
-              <a:rPr lang="en-GB" sz="900" dirty="0">
-                <a:latin typeface="Courier New" panose="02070309020205020404" pitchFamily="49" charset="0"/>
-                <a:cs typeface="Courier New" panose="02070309020205020404" pitchFamily="49" charset="0"/>
-              </a:rPr>
-              <a:t>LastState</a:t>
-            </a:r>
-            <a:r>
-              <a:rPr lang="en-GB" sz="900" dirty="0">
-                <a:latin typeface="Courier New" panose="02070309020205020404" pitchFamily="49" charset="0"/>
-                <a:cs typeface="Courier New" panose="02070309020205020404" pitchFamily="49" charset="0"/>
-              </a:rPr>
-              <a:t> = </a:t>
-            </a:r>
-            <a:r>
-              <a:rPr lang="en-GB" sz="900" dirty="0">
-                <a:latin typeface="Courier New" panose="02070309020205020404" pitchFamily="49" charset="0"/>
-                <a:cs typeface="Courier New" panose="02070309020205020404" pitchFamily="49" charset="0"/>
-              </a:rPr>
-              <a:t>CurrentState</a:t>
-            </a:r>
-            <a:endParaRPr lang="en-GB" sz="900" dirty="0">
-              <a:latin typeface="Courier New" panose="02070309020205020404" pitchFamily="49" charset="0"/>
-              <a:cs typeface="Courier New" panose="02070309020205020404" pitchFamily="49" charset="0"/>
-            </a:endParaRPr>
-          </a:p>
-          <a:p>
-            <a:r>
-              <a:rPr lang="en-GB" sz="900" dirty="0">
-                <a:latin typeface="Courier New" panose="02070309020205020404" pitchFamily="49" charset="0"/>
-                <a:cs typeface="Courier New" panose="02070309020205020404" pitchFamily="49" charset="0"/>
-              </a:rPr>
-              <a:t>        End If</a:t>
-            </a:r>
-          </a:p>
-          <a:p>
-            <a:r>
-              <a:rPr lang="en-GB" sz="900" dirty="0">
-                <a:latin typeface="Courier New" panose="02070309020205020404" pitchFamily="49" charset="0"/>
-                <a:cs typeface="Courier New" panose="02070309020205020404" pitchFamily="49" charset="0"/>
-              </a:rPr>
-              <a:t>    Next</a:t>
-            </a:r>
-          </a:p>
-          <a:p>
-            <a:endParaRPr lang="en-GB" sz="900" dirty="0">
-              <a:latin typeface="Courier New" panose="02070309020205020404" pitchFamily="49" charset="0"/>
-              <a:cs typeface="Courier New" panose="02070309020205020404" pitchFamily="49" charset="0"/>
-            </a:endParaRPr>
-          </a:p>
-          <a:p>
-            <a:r>
-              <a:rPr lang="en-GB" sz="900" dirty="0">
-                <a:latin typeface="Courier New" panose="02070309020205020404" pitchFamily="49" charset="0"/>
-                <a:cs typeface="Courier New" panose="02070309020205020404" pitchFamily="49" charset="0"/>
-              </a:rPr>
-              <a:t>    // Return the stable state of the switch</a:t>
-            </a:r>
-          </a:p>
-          <a:p>
-            <a:r>
-              <a:rPr lang="en-GB" sz="900" dirty="0">
-                <a:latin typeface="Courier New" panose="02070309020205020404" pitchFamily="49" charset="0"/>
-                <a:cs typeface="Courier New" panose="02070309020205020404" pitchFamily="49" charset="0"/>
-              </a:rPr>
-              <a:t>    </a:t>
-            </a:r>
-            <a:r>
-              <a:rPr lang="en-GB" sz="900" dirty="0">
-                <a:latin typeface="Courier New" panose="02070309020205020404" pitchFamily="49" charset="0"/>
-                <a:cs typeface="Courier New" panose="02070309020205020404" pitchFamily="49" charset="0"/>
-              </a:rPr>
-              <a:t>DebounceSwitch</a:t>
-            </a:r>
-            <a:r>
-              <a:rPr lang="en-GB" sz="900" dirty="0">
-                <a:latin typeface="Courier New" panose="02070309020205020404" pitchFamily="49" charset="0"/>
-                <a:cs typeface="Courier New" panose="02070309020205020404" pitchFamily="49" charset="0"/>
-              </a:rPr>
-              <a:t> = </a:t>
-            </a:r>
-            <a:r>
-              <a:rPr lang="en-GB" sz="900" dirty="0">
-                <a:latin typeface="Courier New" panose="02070309020205020404" pitchFamily="49" charset="0"/>
-                <a:cs typeface="Courier New" panose="02070309020205020404" pitchFamily="49" charset="0"/>
-              </a:rPr>
-              <a:t>StableState</a:t>
-            </a:r>
-            <a:endParaRPr lang="en-GB" sz="900" dirty="0">
-              <a:latin typeface="Courier New" panose="02070309020205020404" pitchFamily="49" charset="0"/>
-              <a:cs typeface="Courier New" panose="02070309020205020404" pitchFamily="49" charset="0"/>
-            </a:endParaRPr>
-          </a:p>
-          <a:p>
-            <a:endParaRPr lang="en-GB" sz="900" dirty="0">
-              <a:latin typeface="Courier New" panose="02070309020205020404" pitchFamily="49" charset="0"/>
-              <a:cs typeface="Courier New" panose="02070309020205020404" pitchFamily="49" charset="0"/>
-            </a:endParaRPr>
-          </a:p>
-          <a:p>
-            <a:r>
-              <a:rPr lang="en-GB" sz="900" dirty="0">
-                <a:latin typeface="Courier New" panose="02070309020205020404" pitchFamily="49" charset="0"/>
-                <a:cs typeface="Courier New" panose="02070309020205020404" pitchFamily="49" charset="0"/>
-              </a:rPr>
-              <a:t>End Function</a:t>
-            </a:r>
-          </a:p>
-        </p:txBody>
-      </p:sp>
-      <p:sp>
-        <p:nvSpPr>
-          <p:cNvPr id="4" name="TextBox 3"/>
-          <p:cNvSpPr txBox="1"/>
-          <p:nvPr/>
-        </p:nvSpPr>
-        <p:spPr>
-          <a:xfrm>
-            <a:off x="4701108" y="835298"/>
-            <a:ext cx="4373488" cy="3785652"/>
-          </a:xfrm>
-          <a:prstGeom prst="rect">
-            <a:avLst/>
-          </a:prstGeom>
-          <a:solidFill>
-            <a:schemeClr val="bg1"/>
-          </a:solidFill>
-        </p:spPr>
-        <p:txBody>
-          <a:bodyPr wrap="square" rtlCol="0">
-            <a:spAutoFit/>
-          </a:bodyPr>
+            <a:endParaRPr lang="en-GB" dirty="0"/>
+          </a:p>
+        </p:txBody>
+      </p:sp>
+      <p:sp>
+        <p:nvSpPr>
+          <p:cNvPr id="3" name="Content Placeholder 2"/>
+          <p:cNvSpPr>
+            <a:spLocks noGrp="1"/>
+          </p:cNvSpPr>
+          <p:nvPr>
+            <p:ph idx="1"/>
+          </p:nvPr>
+        </p:nvSpPr>
+        <p:spPr/>
+        <p:txBody>
+          <a:bodyPr/>
           <a:lstStyle/>
           <a:p>
-            <a:r>
-              <a:rPr lang="en-GB" sz="1000" b="1" dirty="0"/>
-              <a:t>Explanation:</a:t>
-            </a:r>
-          </a:p>
-          <a:p>
-            <a:r>
-              <a:rPr lang="en-GB" sz="1000" b="1" dirty="0"/>
-              <a:t>Variable Definition:</a:t>
-            </a:r>
-            <a:endParaRPr lang="en-GB" sz="1000" dirty="0"/>
-          </a:p>
-          <a:p>
-            <a:pPr lvl="1"/>
-            <a:r>
-              <a:rPr lang="en-GB" sz="1000" dirty="0"/>
-              <a:t>CurrentState</a:t>
-            </a:r>
-            <a:r>
-              <a:rPr lang="en-GB" sz="1000" dirty="0"/>
-              <a:t>, </a:t>
-            </a:r>
-            <a:r>
-              <a:rPr lang="en-GB" sz="1000" dirty="0"/>
-              <a:t>LastState</a:t>
-            </a:r>
-            <a:r>
-              <a:rPr lang="en-GB" sz="1000" dirty="0"/>
-              <a:t>, and </a:t>
-            </a:r>
-            <a:r>
-              <a:rPr lang="en-GB" sz="1000" dirty="0"/>
-              <a:t>StableState</a:t>
-            </a:r>
-            <a:r>
-              <a:rPr lang="en-GB" sz="1000" dirty="0"/>
-              <a:t> are declared as Bit to store the current, previous, and stable states of the switch.</a:t>
-            </a:r>
-          </a:p>
-          <a:p>
-            <a:pPr lvl="1"/>
-            <a:r>
-              <a:rPr lang="en-GB" sz="1000" dirty="0"/>
-              <a:t>Counter is declared as Byte to act as a loop counter.</a:t>
-            </a:r>
-          </a:p>
-          <a:p>
-            <a:r>
-              <a:rPr lang="en-GB" sz="1000" b="1" dirty="0"/>
-              <a:t>Initialization:</a:t>
-            </a:r>
-            <a:endParaRPr lang="en-GB" sz="1000" dirty="0"/>
-          </a:p>
-          <a:p>
-            <a:pPr lvl="1"/>
-            <a:r>
-              <a:rPr lang="en-GB" sz="1000" dirty="0"/>
-              <a:t>LastState</a:t>
-            </a:r>
-            <a:r>
-              <a:rPr lang="en-GB" sz="1000" dirty="0"/>
-              <a:t> is initialized to the current state of the switch (SWITCHIN).</a:t>
-            </a:r>
-          </a:p>
-          <a:p>
-            <a:pPr lvl="1"/>
-            <a:r>
-              <a:rPr lang="en-GB" sz="1000" dirty="0"/>
-              <a:t>StableState</a:t>
-            </a:r>
-            <a:r>
-              <a:rPr lang="en-GB" sz="1000" dirty="0"/>
-              <a:t> is initialized to </a:t>
-            </a:r>
-            <a:r>
-              <a:rPr lang="en-GB" sz="1000" dirty="0"/>
-              <a:t>LastState</a:t>
-            </a:r>
-            <a:r>
-              <a:rPr lang="en-GB" sz="1000" dirty="0"/>
-              <a:t>.</a:t>
-            </a:r>
-          </a:p>
-          <a:p>
-            <a:pPr lvl="1"/>
-            <a:r>
-              <a:rPr lang="en-GB" sz="1000" dirty="0"/>
-              <a:t>Counter is initialized to 0.</a:t>
-            </a:r>
-          </a:p>
-          <a:p>
-            <a:r>
-              <a:rPr lang="en-GB" sz="1000" b="1" dirty="0"/>
-              <a:t>Debounce</a:t>
-            </a:r>
-            <a:r>
-              <a:rPr lang="en-GB" sz="1000" b="1" dirty="0"/>
-              <a:t> Loop:</a:t>
-            </a:r>
-            <a:endParaRPr lang="en-GB" sz="1000" dirty="0"/>
-          </a:p>
-          <a:p>
-            <a:pPr lvl="1"/>
-            <a:r>
-              <a:rPr lang="en-GB" sz="1000" dirty="0"/>
-              <a:t>The loop runs 10 times, checking the switch state every 5 milliseconds.</a:t>
-            </a:r>
-          </a:p>
-          <a:p>
-            <a:pPr lvl="1"/>
-            <a:r>
-              <a:rPr lang="en-GB" sz="1000" dirty="0"/>
-              <a:t>CurrentState</a:t>
-            </a:r>
-            <a:r>
-              <a:rPr lang="en-GB" sz="1000" dirty="0"/>
-              <a:t> is updated with the current state of the switch (SWITCHIN).</a:t>
-            </a:r>
-          </a:p>
-          <a:p>
-            <a:pPr lvl="1"/>
-            <a:r>
-              <a:rPr lang="en-GB" sz="1000" dirty="0"/>
-              <a:t>If the </a:t>
-            </a:r>
-            <a:r>
-              <a:rPr lang="en-GB" sz="1000" dirty="0"/>
-              <a:t>CurrentState</a:t>
-            </a:r>
-            <a:r>
-              <a:rPr lang="en-GB" sz="1000" dirty="0"/>
-              <a:t> matches the </a:t>
-            </a:r>
-            <a:r>
-              <a:rPr lang="en-GB" sz="1000" dirty="0"/>
-              <a:t>LastState</a:t>
-            </a:r>
-            <a:r>
-              <a:rPr lang="en-GB" sz="1000" dirty="0"/>
-              <a:t> consistently for the duration of the loop, </a:t>
-            </a:r>
-            <a:r>
-              <a:rPr lang="en-GB" sz="1000" dirty="0"/>
-              <a:t>StableState</a:t>
-            </a:r>
-            <a:r>
-              <a:rPr lang="en-GB" sz="1000" dirty="0"/>
-              <a:t> is set to </a:t>
-            </a:r>
-            <a:r>
-              <a:rPr lang="en-GB" sz="1000" dirty="0"/>
-              <a:t>CurrentState</a:t>
-            </a:r>
-            <a:r>
-              <a:rPr lang="en-GB" sz="1000" dirty="0"/>
-              <a:t>.</a:t>
-            </a:r>
-          </a:p>
-          <a:p>
-            <a:pPr lvl="1"/>
-            <a:r>
-              <a:rPr lang="en-GB" sz="1000" dirty="0"/>
-              <a:t>If the state changes, the counter is reset, and </a:t>
-            </a:r>
-            <a:r>
-              <a:rPr lang="en-GB" sz="1000" dirty="0"/>
-              <a:t>LastState</a:t>
-            </a:r>
-            <a:r>
-              <a:rPr lang="en-GB" sz="1000" dirty="0"/>
-              <a:t> is updated with </a:t>
-            </a:r>
-            <a:r>
-              <a:rPr lang="en-GB" sz="1000" dirty="0"/>
-              <a:t>CurrentState</a:t>
-            </a:r>
-            <a:r>
-              <a:rPr lang="en-GB" sz="1000" dirty="0"/>
-              <a:t>.</a:t>
-            </a:r>
-          </a:p>
-          <a:p>
-            <a:r>
-              <a:rPr lang="en-GB" sz="1000" b="1" dirty="0"/>
-              <a:t>Return Stable State:</a:t>
-            </a:r>
-            <a:endParaRPr lang="en-GB" sz="1000" dirty="0"/>
-          </a:p>
-          <a:p>
-            <a:pPr lvl="1"/>
-            <a:r>
-              <a:rPr lang="en-GB" sz="1000" dirty="0"/>
-              <a:t>The function returns the </a:t>
-            </a:r>
-            <a:r>
-              <a:rPr lang="en-GB" sz="1000" dirty="0"/>
-              <a:t>StableState</a:t>
-            </a:r>
-            <a:r>
-              <a:rPr lang="en-GB" sz="1000" dirty="0"/>
-              <a:t> of the switch, which has been </a:t>
-            </a:r>
-            <a:r>
-              <a:rPr lang="en-GB" sz="1000" dirty="0"/>
-              <a:t>debounced</a:t>
-            </a:r>
-            <a:r>
-              <a:rPr lang="en-GB" sz="1000" dirty="0"/>
-              <a:t>.</a:t>
-            </a:r>
-          </a:p>
-          <a:p>
-            <a:r>
-              <a:rPr lang="en-GB" sz="1000" dirty="0"/>
-              <a:t>This function ensures that the state of the switch is stable before returning it, effectively </a:t>
-            </a:r>
-            <a:r>
-              <a:rPr lang="en-GB" sz="1000" dirty="0"/>
-              <a:t>debouncing</a:t>
-            </a:r>
-            <a:r>
-              <a:rPr lang="en-GB" sz="1000" dirty="0"/>
-              <a:t> the switch. If you have any further questions or need more details, feel free to let me know! 😊✨</a:t>
-            </a:r>
-          </a:p>
-          <a:p>
-            <a:endParaRPr lang="en-GB" sz="1000" dirty="0"/>
+            <a:endParaRPr lang="en-GB" dirty="0"/>
           </a:p>
         </p:txBody>
       </p:sp>
     </p:spTree>
-    <p:extLst>
-      <p:ext uri="{BB962C8B-B14F-4D97-AF65-F5344CB8AC3E}">
-        <p14:creationId xmlns:p14="http://schemas.microsoft.com/office/powerpoint/2010/main" val="2332948251"/>
-      </p:ext>
-    </p:extLst>
   </p:cSld>
   <p:clrMapOvr>
     <a:masterClrMapping/>
   </p:clrMapOvr>
+  <mc:AlternateContent xmlns:mc="http://schemas.openxmlformats.org/markup-compatibility/2006" xmlns:p14="http://schemas.microsoft.com/office/powerpoint/2010/main">
+    <mc:Choice Requires="p14">
+      <p:transition spd="slow" p14:dur="2000"/>
+    </mc:Choice>
+    <mc:Fallback xmlns="">
+      <p:transition spd="slow"/>
+    </mc:Fallback>
+  </mc:AlternateContent>
   <p:timing>
     <p:tnLst>
       <p:par>
@@ -10110,8 +9630,13 @@
             </a:pPr>
             <a:r>
               <a:rPr lang="en-GB" sz="1100" dirty="0"/>
-              <a:t>Install the hardware and make the board work – three LED programs</a:t>
-            </a:r>
+              <a:t>Install the hardware and make the board work </a:t>
+            </a:r>
+            <a:r>
+              <a:rPr lang="en-GB" sz="1100" dirty="0" smtClean="0"/>
+              <a:t>– make LEDs work</a:t>
+            </a:r>
+            <a:endParaRPr lang="en-GB" sz="1100" b="1" dirty="0"/>
           </a:p>
           <a:p>
             <a:pPr marL="180000" indent="-478483">
@@ -10287,7 +9812,15 @@
             </a:pPr>
             <a:r>
               <a:rPr lang="en-GB" sz="1100" dirty="0"/>
-              <a:t>Using PWM, 7  ways,  to dim the LEDS</a:t>
+              <a:t>Using PWM, </a:t>
+            </a:r>
+            <a:r>
+              <a:rPr lang="en-GB" sz="1100" dirty="0" smtClean="0"/>
+              <a:t>many ways</a:t>
+            </a:r>
+            <a:r>
+              <a:rPr lang="en-GB" sz="1100" dirty="0"/>
+              <a:t>,  to dim the LEDS</a:t>
             </a:r>
           </a:p>
           <a:p>
@@ -10313,15 +9846,15 @@
             </a:pPr>
             <a:r>
               <a:rPr lang="en-GB" sz="1100" dirty="0"/>
-              <a:t>Using storage within the chip – </a:t>
-            </a:r>
-            <a:r>
-              <a:rPr lang="en-GB" sz="1100" dirty="0" err="1"/>
-              <a:t>Progmem</a:t>
+              <a:t>Using storage within the chip – Progmem, </a:t>
+            </a:r>
+            <a:r>
+              <a:rPr lang="en-GB" sz="1100" dirty="0" smtClean="0"/>
+              <a:t>EEPROM </a:t>
             </a:r>
             <a:r>
               <a:rPr lang="en-GB" sz="1100" dirty="0"/>
-              <a:t>, SAF memory, EEPROM and DATA blocks</a:t>
+              <a:t>and DATA blocks</a:t>
             </a:r>
           </a:p>
           <a:p>
@@ -10333,21 +9866,12 @@
               <a:buAutoNum type="arabicPeriod"/>
             </a:pPr>
             <a:r>
+              <a:rPr lang="en-GB" sz="1100" dirty="0" smtClean="0"/>
+              <a:t>The </a:t>
+            </a:r>
+            <a:r>
               <a:rPr lang="en-GB" sz="1100" dirty="0"/>
-              <a:t>Using CLC</a:t>
-            </a:r>
-          </a:p>
-          <a:p>
-            <a:pPr marL="180000" indent="-478483">
-              <a:spcBef>
-                <a:spcPts val="300"/>
-              </a:spcBef>
-              <a:buFont typeface="+mj-lt"/>
-              <a:buAutoNum type="arabicPeriod"/>
-            </a:pPr>
-            <a:r>
-              <a:rPr lang="en-GB" sz="1100" dirty="0"/>
-              <a:t>The GCBASIC tool chain</a:t>
+              <a:t>GCBASIC tool chain</a:t>
             </a:r>
           </a:p>
           <a:p>
@@ -10456,7 +9980,7 @@
     </p:spTree>
     <p:extLst>
       <p:ext uri="{BB962C8B-B14F-4D97-AF65-F5344CB8AC3E}">
-        <p14:creationId xmlns:p14="http://schemas.microsoft.com/office/powerpoint/2010/main" val="1039989469"/>
+        <p14:creationId xmlns:p14="http://schemas.microsoft.com/office/powerpoint/2010/main" val="2454833"/>
       </p:ext>
     </p:extLst>
   </p:cSld>
@@ -10500,12 +10024,12 @@
       </p:grpSpPr>
       <p:sp>
         <p:nvSpPr>
-          <p:cNvPr id="2" name="Title 1"/>
+          <p:cNvPr id="4" name="Title 3"/>
           <p:cNvSpPr>
             <a:spLocks noGrp="1"/>
           </p:cNvSpPr>
           <p:nvPr>
-            <p:ph type="ctrTitle"/>
+            <p:ph type="title"/>
           </p:nvPr>
         </p:nvSpPr>
         <p:spPr/>
@@ -10521,375 +10045,59 @@
           </a:p>
         </p:txBody>
       </p:sp>
-      <p:pic>
-        <p:nvPicPr>
-          <p:cNvPr id="1026" name="Picture 2" descr="D:\Build\AnobiumTransparent.jpg"/>
-          <p:cNvPicPr>
-            <a:picLocks noChangeAspect="1" noChangeArrowheads="1"/>
-          </p:cNvPicPr>
-          <p:nvPr/>
-        </p:nvPicPr>
-        <p:blipFill>
-          <a:blip r:embed="rId2" cstate="print"/>
-          <a:srcRect/>
-          <a:stretch>
-            <a:fillRect/>
-          </a:stretch>
-        </p:blipFill>
-        <p:spPr bwMode="auto">
-          <a:xfrm>
-            <a:off x="5292080" y="911052"/>
-            <a:ext cx="1828859" cy="771550"/>
-          </a:xfrm>
-          <a:prstGeom prst="rect">
-            <a:avLst/>
-          </a:prstGeom>
-          <a:noFill/>
-        </p:spPr>
-      </p:pic>
-      <p:sp>
-        <p:nvSpPr>
-          <p:cNvPr id="4" name="AutoShape 2" descr="ICSP connection"/>
+      <p:sp>
+        <p:nvSpPr>
+          <p:cNvPr id="5" name="Text Placeholder 4"/>
           <p:cNvSpPr>
-            <a:spLocks noChangeAspect="1" noChangeArrowheads="1"/>
+            <a:spLocks noGrp="1"/>
           </p:cNvSpPr>
-          <p:nvPr/>
-        </p:nvSpPr>
-        <p:spPr bwMode="auto">
-          <a:xfrm>
-            <a:off x="155575" y="-144462"/>
-            <a:ext cx="304800" cy="304801"/>
-          </a:xfrm>
-          <a:prstGeom prst="rect">
-            <a:avLst/>
-          </a:prstGeom>
-          <a:noFill/>
-        </p:spPr>
-        <p:txBody>
-          <a:bodyPr vert="horz" wrap="square" lIns="85064" tIns="42531" rIns="85064" bIns="42531" numCol="1" anchor="t" anchorCtr="0" compatLnSpc="1">
-            <a:prstTxWarp prst="textNoShape">
-              <a:avLst/>
-            </a:prstTxWarp>
+          <p:nvPr>
+            <p:ph type="body" idx="1"/>
+          </p:nvPr>
+        </p:nvSpPr>
+        <p:spPr/>
+        <p:txBody>
+          <a:bodyPr>
+            <a:normAutofit/>
           </a:bodyPr>
           <a:lstStyle/>
           <a:p>
+            <a:r>
+              <a:rPr lang="en-GB" dirty="0" smtClean="0"/>
+              <a:t>PIC16Fxxxx chip Family ( Legacy )</a:t>
+            </a:r>
+          </a:p>
+          <a:p>
+            <a:r>
+              <a:rPr lang="en-GB" dirty="0"/>
+              <a:t>Part </a:t>
+            </a:r>
+            <a:r>
+              <a:rPr lang="en-GB" dirty="0" smtClean="0"/>
+              <a:t>5 </a:t>
+            </a:r>
+            <a:r>
+              <a:rPr lang="en-GB" dirty="0"/>
+              <a:t>– </a:t>
+            </a:r>
+            <a:r>
+              <a:rPr lang="en-GB" dirty="0" smtClean="0"/>
+              <a:t>using digital input</a:t>
+            </a:r>
             <a:endParaRPr lang="en-GB" dirty="0"/>
           </a:p>
         </p:txBody>
       </p:sp>
-      <p:sp>
-        <p:nvSpPr>
-          <p:cNvPr id="8" name="Text Placeholder 4"/>
-          <p:cNvSpPr txBox="1">
-            <a:spLocks/>
-          </p:cNvSpPr>
-          <p:nvPr/>
-        </p:nvSpPr>
-        <p:spPr>
-          <a:xfrm>
-            <a:off x="3805512" y="2931790"/>
-            <a:ext cx="3342861" cy="645300"/>
-          </a:xfrm>
-          <a:prstGeom prst="rect">
-            <a:avLst/>
-          </a:prstGeom>
-        </p:spPr>
-        <p:txBody>
-          <a:bodyPr vert="horz" lIns="68580" tIns="34290" rIns="68580" bIns="34290" rtlCol="0" anchor="t">
-            <a:normAutofit/>
-          </a:bodyPr>
-          <a:lstStyle>
-            <a:lvl1pPr marL="0" indent="0" algn="r" defTabSz="342900" rtl="0" eaLnBrk="1" latinLnBrk="0" hangingPunct="1">
-              <a:spcBef>
-                <a:spcPts val="750"/>
-              </a:spcBef>
-              <a:spcAft>
-                <a:spcPts val="0"/>
-              </a:spcAft>
-              <a:buClr>
-                <a:schemeClr val="accent1"/>
-              </a:buClr>
-              <a:buSzPct val="80000"/>
-              <a:buFont typeface="Wingdings 3" charset="2"/>
-              <a:buNone/>
-              <a:defRPr sz="1400" kern="1200">
-                <a:solidFill>
-                  <a:schemeClr val="tx1">
-                    <a:lumMod val="50000"/>
-                    <a:lumOff val="50000"/>
-                  </a:schemeClr>
-                </a:solidFill>
-                <a:latin typeface="+mn-lt"/>
-                <a:ea typeface="+mn-ea"/>
-                <a:cs typeface="+mn-cs"/>
-              </a:defRPr>
-            </a:lvl1pPr>
-            <a:lvl2pPr marL="342900" indent="0" algn="ctr" defTabSz="342900" rtl="0" eaLnBrk="1" latinLnBrk="0" hangingPunct="1">
-              <a:spcBef>
-                <a:spcPts val="750"/>
-              </a:spcBef>
-              <a:spcAft>
-                <a:spcPts val="0"/>
-              </a:spcAft>
-              <a:buClr>
-                <a:schemeClr val="accent1"/>
-              </a:buClr>
-              <a:buSzPct val="80000"/>
-              <a:buFont typeface="Wingdings 3" charset="2"/>
-              <a:buNone/>
-              <a:defRPr sz="1200" kern="1200">
-                <a:solidFill>
-                  <a:schemeClr val="tx1">
-                    <a:tint val="75000"/>
-                  </a:schemeClr>
-                </a:solidFill>
-                <a:latin typeface="+mn-lt"/>
-                <a:ea typeface="+mn-ea"/>
-                <a:cs typeface="+mn-cs"/>
-              </a:defRPr>
-            </a:lvl2pPr>
-            <a:lvl3pPr marL="685800" indent="0" algn="ctr" defTabSz="342900" rtl="0" eaLnBrk="1" latinLnBrk="0" hangingPunct="1">
-              <a:spcBef>
-                <a:spcPts val="750"/>
-              </a:spcBef>
-              <a:spcAft>
-                <a:spcPts val="0"/>
-              </a:spcAft>
-              <a:buClr>
-                <a:schemeClr val="accent1"/>
-              </a:buClr>
-              <a:buSzPct val="80000"/>
-              <a:buFont typeface="Wingdings 3" charset="2"/>
-              <a:buNone/>
-              <a:defRPr sz="1100" kern="1200">
-                <a:solidFill>
-                  <a:schemeClr val="tx1">
-                    <a:tint val="75000"/>
-                  </a:schemeClr>
-                </a:solidFill>
-                <a:latin typeface="+mn-lt"/>
-                <a:ea typeface="+mn-ea"/>
-                <a:cs typeface="+mn-cs"/>
-              </a:defRPr>
-            </a:lvl3pPr>
-            <a:lvl4pPr marL="1028700" indent="0" algn="ctr" defTabSz="342900" rtl="0" eaLnBrk="1" latinLnBrk="0" hangingPunct="1">
-              <a:spcBef>
-                <a:spcPts val="750"/>
-              </a:spcBef>
-              <a:spcAft>
-                <a:spcPts val="0"/>
-              </a:spcAft>
-              <a:buClr>
-                <a:schemeClr val="accent1"/>
-              </a:buClr>
-              <a:buSzPct val="80000"/>
-              <a:buFont typeface="Wingdings 3" charset="2"/>
-              <a:buNone/>
-              <a:defRPr sz="900" kern="1200">
-                <a:solidFill>
-                  <a:schemeClr val="tx1">
-                    <a:tint val="75000"/>
-                  </a:schemeClr>
-                </a:solidFill>
-                <a:latin typeface="+mn-lt"/>
-                <a:ea typeface="+mn-ea"/>
-                <a:cs typeface="+mn-cs"/>
-              </a:defRPr>
-            </a:lvl4pPr>
-            <a:lvl5pPr marL="1371600" indent="0" algn="ctr" defTabSz="342900" rtl="0" eaLnBrk="1" latinLnBrk="0" hangingPunct="1">
-              <a:spcBef>
-                <a:spcPts val="750"/>
-              </a:spcBef>
-              <a:spcAft>
-                <a:spcPts val="0"/>
-              </a:spcAft>
-              <a:buClr>
-                <a:schemeClr val="accent1"/>
-              </a:buClr>
-              <a:buSzPct val="80000"/>
-              <a:buFont typeface="Wingdings 3" charset="2"/>
-              <a:buNone/>
-              <a:defRPr sz="900" kern="1200">
-                <a:solidFill>
-                  <a:schemeClr val="tx1">
-                    <a:tint val="75000"/>
-                  </a:schemeClr>
-                </a:solidFill>
-                <a:latin typeface="+mn-lt"/>
-                <a:ea typeface="+mn-ea"/>
-                <a:cs typeface="+mn-cs"/>
-              </a:defRPr>
-            </a:lvl5pPr>
-            <a:lvl6pPr marL="1714500" indent="0" algn="ctr" defTabSz="342900" rtl="0" eaLnBrk="1" latinLnBrk="0" hangingPunct="1">
-              <a:spcBef>
-                <a:spcPts val="750"/>
-              </a:spcBef>
-              <a:spcAft>
-                <a:spcPts val="0"/>
-              </a:spcAft>
-              <a:buClr>
-                <a:schemeClr val="accent1"/>
-              </a:buClr>
-              <a:buSzPct val="80000"/>
-              <a:buFont typeface="Wingdings 3" charset="2"/>
-              <a:buNone/>
-              <a:defRPr sz="900" kern="1200">
-                <a:solidFill>
-                  <a:schemeClr val="tx1">
-                    <a:tint val="75000"/>
-                  </a:schemeClr>
-                </a:solidFill>
-                <a:latin typeface="+mn-lt"/>
-                <a:ea typeface="+mn-ea"/>
-                <a:cs typeface="+mn-cs"/>
-              </a:defRPr>
-            </a:lvl6pPr>
-            <a:lvl7pPr marL="2057400" indent="0" algn="ctr" defTabSz="342900" rtl="0" eaLnBrk="1" latinLnBrk="0" hangingPunct="1">
-              <a:spcBef>
-                <a:spcPts val="750"/>
-              </a:spcBef>
-              <a:spcAft>
-                <a:spcPts val="0"/>
-              </a:spcAft>
-              <a:buClr>
-                <a:schemeClr val="accent1"/>
-              </a:buClr>
-              <a:buSzPct val="80000"/>
-              <a:buFont typeface="Wingdings 3" charset="2"/>
-              <a:buNone/>
-              <a:defRPr sz="900" kern="1200">
-                <a:solidFill>
-                  <a:schemeClr val="tx1">
-                    <a:tint val="75000"/>
-                  </a:schemeClr>
-                </a:solidFill>
-                <a:latin typeface="+mn-lt"/>
-                <a:ea typeface="+mn-ea"/>
-                <a:cs typeface="+mn-cs"/>
-              </a:defRPr>
-            </a:lvl7pPr>
-            <a:lvl8pPr marL="2400300" indent="0" algn="ctr" defTabSz="342900" rtl="0" eaLnBrk="1" latinLnBrk="0" hangingPunct="1">
-              <a:spcBef>
-                <a:spcPts val="750"/>
-              </a:spcBef>
-              <a:spcAft>
-                <a:spcPts val="0"/>
-              </a:spcAft>
-              <a:buClr>
-                <a:schemeClr val="accent1"/>
-              </a:buClr>
-              <a:buSzPct val="80000"/>
-              <a:buFont typeface="Wingdings 3" charset="2"/>
-              <a:buNone/>
-              <a:defRPr sz="900" kern="1200">
-                <a:solidFill>
-                  <a:schemeClr val="tx1">
-                    <a:tint val="75000"/>
-                  </a:schemeClr>
-                </a:solidFill>
-                <a:latin typeface="+mn-lt"/>
-                <a:ea typeface="+mn-ea"/>
-                <a:cs typeface="+mn-cs"/>
-              </a:defRPr>
-            </a:lvl8pPr>
-            <a:lvl9pPr marL="2743200" indent="0" algn="ctr" defTabSz="342900" rtl="0" eaLnBrk="1" latinLnBrk="0" hangingPunct="1">
-              <a:spcBef>
-                <a:spcPts val="750"/>
-              </a:spcBef>
-              <a:spcAft>
-                <a:spcPts val="0"/>
-              </a:spcAft>
-              <a:buClr>
-                <a:schemeClr val="accent1"/>
-              </a:buClr>
-              <a:buSzPct val="80000"/>
-              <a:buFont typeface="Wingdings 3" charset="2"/>
-              <a:buNone/>
-              <a:defRPr sz="900" kern="1200">
-                <a:solidFill>
-                  <a:schemeClr val="tx1">
-                    <a:tint val="75000"/>
-                  </a:schemeClr>
-                </a:solidFill>
-                <a:latin typeface="+mn-lt"/>
-                <a:ea typeface="+mn-ea"/>
-                <a:cs typeface="+mn-cs"/>
-              </a:defRPr>
-            </a:lvl9pPr>
-          </a:lstStyle>
-          <a:p>
-            <a:r>
-              <a:rPr lang="en-GB" dirty="0" smtClean="0"/>
-              <a:t>PIC18FxxQ24</a:t>
-            </a:r>
-          </a:p>
-          <a:p>
-            <a:r>
-              <a:rPr lang="en-GB" dirty="0"/>
-              <a:t>Part 5 – a switch  sets the LEDs state</a:t>
-            </a:r>
-          </a:p>
-        </p:txBody>
-      </p:sp>
-      <p:pic>
-        <p:nvPicPr>
-          <p:cNvPr id="10" name="Picture 2" descr="PIC18F26Q24"/>
-          <p:cNvPicPr>
-            <a:picLocks noChangeAspect="1" noChangeArrowheads="1"/>
-          </p:cNvPicPr>
-          <p:nvPr/>
-        </p:nvPicPr>
-        <p:blipFill>
-          <a:blip r:embed="rId3" cstate="print">
-            <a:extLst>
-              <a:ext uri="{28A0092B-C50C-407E-A947-70E740481C1C}">
-                <a14:useLocalDpi xmlns:a14="http://schemas.microsoft.com/office/drawing/2010/main" val="0"/>
-              </a:ext>
-            </a:extLst>
-          </a:blip>
-          <a:srcRect/>
-          <a:stretch>
-            <a:fillRect/>
-          </a:stretch>
-        </p:blipFill>
-        <p:spPr bwMode="auto">
-          <a:xfrm>
-            <a:off x="1907705" y="4116163"/>
-            <a:ext cx="1280738" cy="922132"/>
-          </a:xfrm>
-          <a:prstGeom prst="rect">
-            <a:avLst/>
-          </a:prstGeom>
-          <a:noFill/>
-          <a:extLst>
-            <a:ext uri="{909E8E84-426E-40DD-AFC4-6F175D3DCCD1}">
-              <a14:hiddenFill xmlns:a14="http://schemas.microsoft.com/office/drawing/2010/main">
-                <a:solidFill>
-                  <a:srgbClr val="FFFFFF"/>
-                </a:solidFill>
-              </a14:hiddenFill>
-            </a:ext>
-          </a:extLst>
-        </p:spPr>
-      </p:pic>
     </p:spTree>
     <p:extLst>
       <p:ext uri="{BB962C8B-B14F-4D97-AF65-F5344CB8AC3E}">
-        <p14:creationId xmlns:p14="http://schemas.microsoft.com/office/powerpoint/2010/main" val="3407982396"/>
+        <p14:creationId xmlns:p14="http://schemas.microsoft.com/office/powerpoint/2010/main" val="2831700839"/>
       </p:ext>
     </p:extLst>
   </p:cSld>
   <p:clrMapOvr>
     <a:masterClrMapping/>
   </p:clrMapOvr>
-  <mc:AlternateContent xmlns:mc="http://schemas.openxmlformats.org/markup-compatibility/2006" xmlns:p14="http://schemas.microsoft.com/office/powerpoint/2010/main">
-    <mc:Choice Requires="p14">
-      <p:transition spd="slow" p14:dur="2000"/>
-    </mc:Choice>
-    <mc:Fallback xmlns="">
-      <p:transition spd="slow"/>
-    </mc:Fallback>
-  </mc:AlternateContent>
   <p:timing>
     <p:tnLst>
       <p:par>
@@ -10946,6 +10154,503 @@
                 <a:latin typeface="Courier New" panose="02070309020205020404" pitchFamily="49" charset="0"/>
                 <a:cs typeface="Courier New" panose="02070309020205020404" pitchFamily="49" charset="0"/>
               </a:rPr>
+              <a:t>// Function to debounce a switch and return the stable state</a:t>
+            </a:r>
+          </a:p>
+          <a:p>
+            <a:r>
+              <a:rPr lang="en-GB" sz="900" dirty="0">
+                <a:latin typeface="Courier New" panose="02070309020205020404" pitchFamily="49" charset="0"/>
+                <a:cs typeface="Courier New" panose="02070309020205020404" pitchFamily="49" charset="0"/>
+              </a:rPr>
+              <a:t>Function DebounceSwitch as Bit</a:t>
+            </a:r>
+          </a:p>
+          <a:p>
+            <a:r>
+              <a:rPr lang="en-GB" sz="900" dirty="0">
+                <a:latin typeface="Courier New" panose="02070309020205020404" pitchFamily="49" charset="0"/>
+                <a:cs typeface="Courier New" panose="02070309020205020404" pitchFamily="49" charset="0"/>
+              </a:rPr>
+              <a:t>    </a:t>
+            </a:r>
+          </a:p>
+          <a:p>
+            <a:r>
+              <a:rPr lang="en-GB" sz="900" dirty="0">
+                <a:latin typeface="Courier New" panose="02070309020205020404" pitchFamily="49" charset="0"/>
+                <a:cs typeface="Courier New" panose="02070309020205020404" pitchFamily="49" charset="0"/>
+              </a:rPr>
+              <a:t>    // Define variables</a:t>
+            </a:r>
+          </a:p>
+          <a:p>
+            <a:r>
+              <a:rPr lang="en-GB" sz="900" dirty="0">
+                <a:latin typeface="Courier New" panose="02070309020205020404" pitchFamily="49" charset="0"/>
+                <a:cs typeface="Courier New" panose="02070309020205020404" pitchFamily="49" charset="0"/>
+              </a:rPr>
+              <a:t>    Dim CurrentState As Bit</a:t>
+            </a:r>
+          </a:p>
+          <a:p>
+            <a:r>
+              <a:rPr lang="en-GB" sz="900" dirty="0">
+                <a:latin typeface="Courier New" panose="02070309020205020404" pitchFamily="49" charset="0"/>
+                <a:cs typeface="Courier New" panose="02070309020205020404" pitchFamily="49" charset="0"/>
+              </a:rPr>
+              <a:t>    Dim LastState As Bit</a:t>
+            </a:r>
+          </a:p>
+          <a:p>
+            <a:r>
+              <a:rPr lang="en-GB" sz="900" dirty="0">
+                <a:latin typeface="Courier New" panose="02070309020205020404" pitchFamily="49" charset="0"/>
+                <a:cs typeface="Courier New" panose="02070309020205020404" pitchFamily="49" charset="0"/>
+              </a:rPr>
+              <a:t>    Dim StableState As Bit</a:t>
+            </a:r>
+          </a:p>
+          <a:p>
+            <a:r>
+              <a:rPr lang="en-GB" sz="900" dirty="0">
+                <a:latin typeface="Courier New" panose="02070309020205020404" pitchFamily="49" charset="0"/>
+                <a:cs typeface="Courier New" panose="02070309020205020404" pitchFamily="49" charset="0"/>
+              </a:rPr>
+              <a:t>    Dim Counter As Byte</a:t>
+            </a:r>
+          </a:p>
+          <a:p>
+            <a:endParaRPr lang="en-GB" sz="900" dirty="0">
+              <a:latin typeface="Courier New" panose="02070309020205020404" pitchFamily="49" charset="0"/>
+              <a:cs typeface="Courier New" panose="02070309020205020404" pitchFamily="49" charset="0"/>
+            </a:endParaRPr>
+          </a:p>
+          <a:p>
+            <a:r>
+              <a:rPr lang="en-GB" sz="900" dirty="0">
+                <a:latin typeface="Courier New" panose="02070309020205020404" pitchFamily="49" charset="0"/>
+                <a:cs typeface="Courier New" panose="02070309020205020404" pitchFamily="49" charset="0"/>
+              </a:rPr>
+              <a:t>    // Initialize states and counter</a:t>
+            </a:r>
+          </a:p>
+          <a:p>
+            <a:r>
+              <a:rPr lang="en-GB" sz="900" dirty="0">
+                <a:latin typeface="Courier New" panose="02070309020205020404" pitchFamily="49" charset="0"/>
+                <a:cs typeface="Courier New" panose="02070309020205020404" pitchFamily="49" charset="0"/>
+              </a:rPr>
+              <a:t>    LastState = SWITCHIN</a:t>
+            </a:r>
+          </a:p>
+          <a:p>
+            <a:r>
+              <a:rPr lang="en-GB" sz="900" dirty="0">
+                <a:latin typeface="Courier New" panose="02070309020205020404" pitchFamily="49" charset="0"/>
+                <a:cs typeface="Courier New" panose="02070309020205020404" pitchFamily="49" charset="0"/>
+              </a:rPr>
+              <a:t>    StableState = LastState</a:t>
+            </a:r>
+          </a:p>
+          <a:p>
+            <a:r>
+              <a:rPr lang="en-GB" sz="900" dirty="0">
+                <a:latin typeface="Courier New" panose="02070309020205020404" pitchFamily="49" charset="0"/>
+                <a:cs typeface="Courier New" panose="02070309020205020404" pitchFamily="49" charset="0"/>
+              </a:rPr>
+              <a:t>    Counter = 0</a:t>
+            </a:r>
+          </a:p>
+          <a:p>
+            <a:endParaRPr lang="en-GB" sz="900" dirty="0">
+              <a:latin typeface="Courier New" panose="02070309020205020404" pitchFamily="49" charset="0"/>
+              <a:cs typeface="Courier New" panose="02070309020205020404" pitchFamily="49" charset="0"/>
+            </a:endParaRPr>
+          </a:p>
+          <a:p>
+            <a:r>
+              <a:rPr lang="en-GB" sz="900" dirty="0">
+                <a:latin typeface="Courier New" panose="02070309020205020404" pitchFamily="49" charset="0"/>
+                <a:cs typeface="Courier New" panose="02070309020205020404" pitchFamily="49" charset="0"/>
+              </a:rPr>
+              <a:t>    // Debounce loop: checks the state multiple times to ensure stability</a:t>
+            </a:r>
+          </a:p>
+          <a:p>
+            <a:r>
+              <a:rPr lang="en-GB" sz="900" dirty="0">
+                <a:latin typeface="Courier New" panose="02070309020205020404" pitchFamily="49" charset="0"/>
+                <a:cs typeface="Courier New" panose="02070309020205020404" pitchFamily="49" charset="0"/>
+              </a:rPr>
+              <a:t>    For Counter = 0 To 10</a:t>
+            </a:r>
+          </a:p>
+          <a:p>
+            <a:r>
+              <a:rPr lang="en-GB" sz="900" dirty="0">
+                <a:latin typeface="Courier New" panose="02070309020205020404" pitchFamily="49" charset="0"/>
+                <a:cs typeface="Courier New" panose="02070309020205020404" pitchFamily="49" charset="0"/>
+              </a:rPr>
+              <a:t>        wait 5 ms  // Small delay to allow switch to settle</a:t>
+            </a:r>
+          </a:p>
+          <a:p>
+            <a:endParaRPr lang="en-GB" sz="900" dirty="0">
+              <a:latin typeface="Courier New" panose="02070309020205020404" pitchFamily="49" charset="0"/>
+              <a:cs typeface="Courier New" panose="02070309020205020404" pitchFamily="49" charset="0"/>
+            </a:endParaRPr>
+          </a:p>
+          <a:p>
+            <a:r>
+              <a:rPr lang="en-GB" sz="900" dirty="0">
+                <a:latin typeface="Courier New" panose="02070309020205020404" pitchFamily="49" charset="0"/>
+                <a:cs typeface="Courier New" panose="02070309020205020404" pitchFamily="49" charset="0"/>
+              </a:rPr>
+              <a:t>        // Read the current state of the switch</a:t>
+            </a:r>
+          </a:p>
+          <a:p>
+            <a:r>
+              <a:rPr lang="en-GB" sz="900" dirty="0">
+                <a:latin typeface="Courier New" panose="02070309020205020404" pitchFamily="49" charset="0"/>
+                <a:cs typeface="Courier New" panose="02070309020205020404" pitchFamily="49" charset="0"/>
+              </a:rPr>
+              <a:t>        CurrentState = SWITCHIN</a:t>
+            </a:r>
+          </a:p>
+          <a:p>
+            <a:endParaRPr lang="en-GB" sz="900" dirty="0">
+              <a:latin typeface="Courier New" panose="02070309020205020404" pitchFamily="49" charset="0"/>
+              <a:cs typeface="Courier New" panose="02070309020205020404" pitchFamily="49" charset="0"/>
+            </a:endParaRPr>
+          </a:p>
+          <a:p>
+            <a:r>
+              <a:rPr lang="en-GB" sz="900" dirty="0">
+                <a:latin typeface="Courier New" panose="02070309020205020404" pitchFamily="49" charset="0"/>
+                <a:cs typeface="Courier New" panose="02070309020205020404" pitchFamily="49" charset="0"/>
+              </a:rPr>
+              <a:t>        // If the state is stable (consistent for the duration of the loop)</a:t>
+            </a:r>
+          </a:p>
+          <a:p>
+            <a:r>
+              <a:rPr lang="en-GB" sz="900" dirty="0">
+                <a:latin typeface="Courier New" panose="02070309020205020404" pitchFamily="49" charset="0"/>
+                <a:cs typeface="Courier New" panose="02070309020205020404" pitchFamily="49" charset="0"/>
+              </a:rPr>
+              <a:t>        If (CurrentState = LastState) Then</a:t>
+            </a:r>
+          </a:p>
+          <a:p>
+            <a:r>
+              <a:rPr lang="en-GB" sz="900" dirty="0">
+                <a:latin typeface="Courier New" panose="02070309020205020404" pitchFamily="49" charset="0"/>
+                <a:cs typeface="Courier New" panose="02070309020205020404" pitchFamily="49" charset="0"/>
+              </a:rPr>
+              <a:t>            StableState = CurrentState</a:t>
+            </a:r>
+          </a:p>
+          <a:p>
+            <a:r>
+              <a:rPr lang="en-GB" sz="900" dirty="0">
+                <a:latin typeface="Courier New" panose="02070309020205020404" pitchFamily="49" charset="0"/>
+                <a:cs typeface="Courier New" panose="02070309020205020404" pitchFamily="49" charset="0"/>
+              </a:rPr>
+              <a:t>        Else</a:t>
+            </a:r>
+          </a:p>
+          <a:p>
+            <a:r>
+              <a:rPr lang="en-GB" sz="900" dirty="0">
+                <a:latin typeface="Courier New" panose="02070309020205020404" pitchFamily="49" charset="0"/>
+                <a:cs typeface="Courier New" panose="02070309020205020404" pitchFamily="49" charset="0"/>
+              </a:rPr>
+              <a:t>            // Reset counter if state changes</a:t>
+            </a:r>
+          </a:p>
+          <a:p>
+            <a:r>
+              <a:rPr lang="en-GB" sz="900" dirty="0">
+                <a:latin typeface="Courier New" panose="02070309020205020404" pitchFamily="49" charset="0"/>
+                <a:cs typeface="Courier New" panose="02070309020205020404" pitchFamily="49" charset="0"/>
+              </a:rPr>
+              <a:t>            Counter = 0</a:t>
+            </a:r>
+          </a:p>
+          <a:p>
+            <a:r>
+              <a:rPr lang="en-GB" sz="900" dirty="0">
+                <a:latin typeface="Courier New" panose="02070309020205020404" pitchFamily="49" charset="0"/>
+                <a:cs typeface="Courier New" panose="02070309020205020404" pitchFamily="49" charset="0"/>
+              </a:rPr>
+              <a:t>            LastState = CurrentState</a:t>
+            </a:r>
+          </a:p>
+          <a:p>
+            <a:r>
+              <a:rPr lang="en-GB" sz="900" dirty="0">
+                <a:latin typeface="Courier New" panose="02070309020205020404" pitchFamily="49" charset="0"/>
+                <a:cs typeface="Courier New" panose="02070309020205020404" pitchFamily="49" charset="0"/>
+              </a:rPr>
+              <a:t>        End If</a:t>
+            </a:r>
+          </a:p>
+          <a:p>
+            <a:r>
+              <a:rPr lang="en-GB" sz="900" dirty="0">
+                <a:latin typeface="Courier New" panose="02070309020205020404" pitchFamily="49" charset="0"/>
+                <a:cs typeface="Courier New" panose="02070309020205020404" pitchFamily="49" charset="0"/>
+              </a:rPr>
+              <a:t>    Next</a:t>
+            </a:r>
+          </a:p>
+          <a:p>
+            <a:endParaRPr lang="en-GB" sz="900" dirty="0">
+              <a:latin typeface="Courier New" panose="02070309020205020404" pitchFamily="49" charset="0"/>
+              <a:cs typeface="Courier New" panose="02070309020205020404" pitchFamily="49" charset="0"/>
+            </a:endParaRPr>
+          </a:p>
+          <a:p>
+            <a:r>
+              <a:rPr lang="en-GB" sz="900" dirty="0">
+                <a:latin typeface="Courier New" panose="02070309020205020404" pitchFamily="49" charset="0"/>
+                <a:cs typeface="Courier New" panose="02070309020205020404" pitchFamily="49" charset="0"/>
+              </a:rPr>
+              <a:t>    // Return the stable state of the switch</a:t>
+            </a:r>
+          </a:p>
+          <a:p>
+            <a:r>
+              <a:rPr lang="en-GB" sz="900" dirty="0">
+                <a:latin typeface="Courier New" panose="02070309020205020404" pitchFamily="49" charset="0"/>
+                <a:cs typeface="Courier New" panose="02070309020205020404" pitchFamily="49" charset="0"/>
+              </a:rPr>
+              <a:t>    DebounceSwitch = StableState</a:t>
+            </a:r>
+          </a:p>
+          <a:p>
+            <a:endParaRPr lang="en-GB" sz="900" dirty="0">
+              <a:latin typeface="Courier New" panose="02070309020205020404" pitchFamily="49" charset="0"/>
+              <a:cs typeface="Courier New" panose="02070309020205020404" pitchFamily="49" charset="0"/>
+            </a:endParaRPr>
+          </a:p>
+          <a:p>
+            <a:r>
+              <a:rPr lang="en-GB" sz="900" dirty="0">
+                <a:latin typeface="Courier New" panose="02070309020205020404" pitchFamily="49" charset="0"/>
+                <a:cs typeface="Courier New" panose="02070309020205020404" pitchFamily="49" charset="0"/>
+              </a:rPr>
+              <a:t>End Function</a:t>
+            </a:r>
+          </a:p>
+        </p:txBody>
+      </p:sp>
+      <p:sp>
+        <p:nvSpPr>
+          <p:cNvPr id="4" name="TextBox 3"/>
+          <p:cNvSpPr txBox="1"/>
+          <p:nvPr/>
+        </p:nvSpPr>
+        <p:spPr>
+          <a:xfrm>
+            <a:off x="4701108" y="835298"/>
+            <a:ext cx="4373488" cy="3785652"/>
+          </a:xfrm>
+          <a:prstGeom prst="rect">
+            <a:avLst/>
+          </a:prstGeom>
+          <a:solidFill>
+            <a:schemeClr val="bg1"/>
+          </a:solidFill>
+        </p:spPr>
+        <p:txBody>
+          <a:bodyPr wrap="square" rtlCol="0">
+            <a:spAutoFit/>
+          </a:bodyPr>
+          <a:lstStyle/>
+          <a:p>
+            <a:r>
+              <a:rPr lang="en-GB" sz="1000" b="1" dirty="0"/>
+              <a:t>Explanation:</a:t>
+            </a:r>
+          </a:p>
+          <a:p>
+            <a:r>
+              <a:rPr lang="en-GB" sz="1000" b="1" dirty="0"/>
+              <a:t>Variable Definition:</a:t>
+            </a:r>
+            <a:endParaRPr lang="en-GB" sz="1000" dirty="0"/>
+          </a:p>
+          <a:p>
+            <a:pPr lvl="1"/>
+            <a:r>
+              <a:rPr lang="en-GB" sz="1000" dirty="0"/>
+              <a:t>CurrentState, LastState, and StableState are declared as Bit to store the current, previous, and stable states of the switch.</a:t>
+            </a:r>
+          </a:p>
+          <a:p>
+            <a:pPr lvl="1"/>
+            <a:r>
+              <a:rPr lang="en-GB" sz="1000" dirty="0"/>
+              <a:t>Counter is declared as Byte to act as a loop counter.</a:t>
+            </a:r>
+          </a:p>
+          <a:p>
+            <a:r>
+              <a:rPr lang="en-GB" sz="1000" b="1" dirty="0"/>
+              <a:t>Initialization:</a:t>
+            </a:r>
+            <a:endParaRPr lang="en-GB" sz="1000" dirty="0"/>
+          </a:p>
+          <a:p>
+            <a:pPr lvl="1"/>
+            <a:r>
+              <a:rPr lang="en-GB" sz="1000" dirty="0"/>
+              <a:t>LastState is initialized to the current state of the switch (SWITCHIN).</a:t>
+            </a:r>
+          </a:p>
+          <a:p>
+            <a:pPr lvl="1"/>
+            <a:r>
+              <a:rPr lang="en-GB" sz="1000" dirty="0"/>
+              <a:t>StableState is initialized to LastState.</a:t>
+            </a:r>
+          </a:p>
+          <a:p>
+            <a:pPr lvl="1"/>
+            <a:r>
+              <a:rPr lang="en-GB" sz="1000" dirty="0"/>
+              <a:t>Counter is initialized to 0.</a:t>
+            </a:r>
+          </a:p>
+          <a:p>
+            <a:r>
+              <a:rPr lang="en-GB" sz="1000" b="1" dirty="0"/>
+              <a:t>Debounce Loop:</a:t>
+            </a:r>
+            <a:endParaRPr lang="en-GB" sz="1000" dirty="0"/>
+          </a:p>
+          <a:p>
+            <a:pPr lvl="1"/>
+            <a:r>
+              <a:rPr lang="en-GB" sz="1000" dirty="0"/>
+              <a:t>The loop runs 10 times, checking the switch state every 5 milliseconds.</a:t>
+            </a:r>
+          </a:p>
+          <a:p>
+            <a:pPr lvl="1"/>
+            <a:r>
+              <a:rPr lang="en-GB" sz="1000" dirty="0"/>
+              <a:t>CurrentState is updated with the current state of the switch (SWITCHIN).</a:t>
+            </a:r>
+          </a:p>
+          <a:p>
+            <a:pPr lvl="1"/>
+            <a:r>
+              <a:rPr lang="en-GB" sz="1000" dirty="0"/>
+              <a:t>If the CurrentState matches the LastState consistently for the duration of the loop, StableState is set to CurrentState.</a:t>
+            </a:r>
+          </a:p>
+          <a:p>
+            <a:pPr lvl="1"/>
+            <a:r>
+              <a:rPr lang="en-GB" sz="1000" dirty="0"/>
+              <a:t>If the state changes, the counter is reset, and LastState is updated with CurrentState.</a:t>
+            </a:r>
+          </a:p>
+          <a:p>
+            <a:r>
+              <a:rPr lang="en-GB" sz="1000" b="1" dirty="0"/>
+              <a:t>Return Stable State:</a:t>
+            </a:r>
+            <a:endParaRPr lang="en-GB" sz="1000" dirty="0"/>
+          </a:p>
+          <a:p>
+            <a:pPr lvl="1"/>
+            <a:r>
+              <a:rPr lang="en-GB" sz="1000" dirty="0"/>
+              <a:t>The function returns the StableState of the switch, which has been debounced.</a:t>
+            </a:r>
+          </a:p>
+          <a:p>
+            <a:r>
+              <a:rPr lang="en-GB" sz="1000" dirty="0"/>
+              <a:t>This function ensures that the state of the switch is stable before returning it, effectively debouncing the switch. If you have any further questions or need more details, feel free to let me know! 😊✨</a:t>
+            </a:r>
+          </a:p>
+          <a:p>
+            <a:endParaRPr lang="en-GB" sz="1000" dirty="0"/>
+          </a:p>
+        </p:txBody>
+      </p:sp>
+    </p:spTree>
+    <p:extLst>
+      <p:ext uri="{BB962C8B-B14F-4D97-AF65-F5344CB8AC3E}">
+        <p14:creationId xmlns:p14="http://schemas.microsoft.com/office/powerpoint/2010/main" val="2332948251"/>
+      </p:ext>
+    </p:extLst>
+  </p:cSld>
+  <p:clrMapOvr>
+    <a:masterClrMapping/>
+  </p:clrMapOvr>
+  <p:timing>
+    <p:tnLst>
+      <p:par>
+        <p:cTn id="1" dur="indefinite" restart="never" nodeType="tmRoot"/>
+      </p:par>
+    </p:tnLst>
+  </p:timing>
+</p:sld>
+</file>
+
+<file path=ppt/slides/slide17.xml><?xml version="1.0" encoding="utf-8"?>
+<p:sld xmlns:a="http://schemas.openxmlformats.org/drawingml/2006/main" xmlns:r="http://schemas.openxmlformats.org/officeDocument/2006/relationships" xmlns:p="http://schemas.openxmlformats.org/presentationml/2006/main">
+  <p:cSld>
+    <p:spTree>
+      <p:nvGrpSpPr>
+        <p:cNvPr id="1" name=""/>
+        <p:cNvGrpSpPr/>
+        <p:nvPr/>
+      </p:nvGrpSpPr>
+      <p:grpSpPr>
+        <a:xfrm>
+          <a:off x="0" y="0"/>
+          <a:ext cx="0" cy="0"/>
+          <a:chOff x="0" y="0"/>
+          <a:chExt cx="0" cy="0"/>
+        </a:xfrm>
+      </p:grpSpPr>
+      <p:sp>
+        <p:nvSpPr>
+          <p:cNvPr id="2" name="Rectangle 1"/>
+          <p:cNvSpPr/>
+          <p:nvPr/>
+        </p:nvSpPr>
+        <p:spPr>
+          <a:xfrm>
+            <a:off x="88900" y="-20538"/>
+            <a:ext cx="4572000" cy="5216813"/>
+          </a:xfrm>
+          <a:prstGeom prst="rect">
+            <a:avLst/>
+          </a:prstGeom>
+          <a:solidFill>
+            <a:schemeClr val="bg1"/>
+          </a:solidFill>
+        </p:spPr>
+        <p:txBody>
+          <a:bodyPr>
+            <a:spAutoFit/>
+          </a:bodyPr>
+          <a:lstStyle/>
+          <a:p>
+            <a:r>
+              <a:rPr lang="en-GB" sz="900" dirty="0">
+                <a:latin typeface="Courier New" panose="02070309020205020404" pitchFamily="49" charset="0"/>
+                <a:cs typeface="Courier New" panose="02070309020205020404" pitchFamily="49" charset="0"/>
+              </a:rPr>
               <a:t>// Function to </a:t>
             </a:r>
             <a:r>
@@ -11786,41 +11491,8 @@
                   <a:srgbClr val="FF0000"/>
                 </a:solidFill>
               </a:rPr>
-              <a:t>CoPilot</a:t>
-            </a:r>
-            <a:r>
-              <a:rPr lang="en-US" sz="4000" b="1" dirty="0" smtClean="0">
-                <a:ln w="10541" cmpd="sng">
-                  <a:solidFill>
-                    <a:srgbClr val="7D7D7D">
-                      <a:tint val="100000"/>
-                      <a:shade val="100000"/>
-                      <a:satMod val="110000"/>
-                    </a:srgbClr>
-                  </a:solidFill>
-                  <a:prstDash val="solid"/>
-                </a:ln>
-                <a:solidFill>
-                  <a:srgbClr val="FF0000"/>
-                </a:solidFill>
-              </a:rPr>
-              <a:t> AI Generated</a:t>
-            </a:r>
-            <a:endParaRPr lang="en-US" sz="4000" b="1" dirty="0" smtClean="0">
-              <a:ln w="10541" cmpd="sng">
-                <a:solidFill>
-                  <a:srgbClr val="7D7D7D">
-                    <a:tint val="100000"/>
-                    <a:shade val="100000"/>
-                    <a:satMod val="110000"/>
-                  </a:srgbClr>
-                </a:solidFill>
-                <a:prstDash val="solid"/>
-              </a:ln>
-              <a:solidFill>
-                <a:srgbClr val="FF0000"/>
-              </a:solidFill>
-            </a:endParaRPr>
+              <a:t>CoPilot AI Generated</a:t>
+            </a:r>
           </a:p>
         </p:txBody>
       </p:sp>
@@ -11884,6 +11556,52 @@
           </a:p>
         </p:txBody>
       </p:sp>
+      <p:sp>
+        <p:nvSpPr>
+          <p:cNvPr id="3" name="Subtitle 2"/>
+          <p:cNvSpPr>
+            <a:spLocks noGrp="1"/>
+          </p:cNvSpPr>
+          <p:nvPr>
+            <p:ph type="subTitle" idx="1"/>
+          </p:nvPr>
+        </p:nvSpPr>
+        <p:spPr>
+          <a:xfrm>
+            <a:off x="179513" y="2914650"/>
+            <a:ext cx="6840759" cy="1925352"/>
+          </a:xfrm>
+        </p:spPr>
+        <p:txBody>
+          <a:bodyPr>
+            <a:normAutofit/>
+          </a:bodyPr>
+          <a:lstStyle/>
+          <a:p>
+            <a:r>
+              <a:rPr lang="en-GB" dirty="0" smtClean="0"/>
+              <a:t>PIC16Fxxxx chip Family ( Legacy )</a:t>
+            </a:r>
+            <a:endParaRPr lang="en-GB" dirty="0"/>
+          </a:p>
+          <a:p>
+            <a:r>
+              <a:rPr lang="en-GB" dirty="0"/>
+              <a:t>Part 5 – using digital input</a:t>
+            </a:r>
+          </a:p>
+          <a:p>
+            <a:endParaRPr lang="en-GB" dirty="0"/>
+          </a:p>
+          <a:p>
+            <a:r>
+              <a:rPr lang="en-GB" sz="1700" dirty="0" smtClean="0"/>
+              <a:t>January 2025</a:t>
+            </a:r>
+            <a:endParaRPr lang="en-GB" sz="1700" dirty="0"/>
+          </a:p>
+        </p:txBody>
+      </p:sp>
       <p:pic>
         <p:nvPicPr>
           <p:cNvPr id="1026" name="Picture 2" descr="D:\Build\AnobiumTransparent.jpg"/>
@@ -11940,302 +11658,12 @@
           </a:p>
         </p:txBody>
       </p:sp>
-      <p:sp>
-        <p:nvSpPr>
-          <p:cNvPr id="8" name="Text Placeholder 4"/>
-          <p:cNvSpPr txBox="1">
-            <a:spLocks/>
-          </p:cNvSpPr>
-          <p:nvPr/>
-        </p:nvSpPr>
-        <p:spPr>
-          <a:xfrm>
-            <a:off x="3805512" y="2931790"/>
-            <a:ext cx="3342861" cy="645300"/>
-          </a:xfrm>
-          <a:prstGeom prst="rect">
-            <a:avLst/>
-          </a:prstGeom>
-        </p:spPr>
-        <p:txBody>
-          <a:bodyPr vert="horz" lIns="68580" tIns="34290" rIns="68580" bIns="34290" rtlCol="0" anchor="t">
-            <a:normAutofit/>
-          </a:bodyPr>
-          <a:lstStyle>
-            <a:lvl1pPr marL="0" indent="0" algn="r" defTabSz="342900" rtl="0" eaLnBrk="1" latinLnBrk="0" hangingPunct="1">
-              <a:spcBef>
-                <a:spcPts val="750"/>
-              </a:spcBef>
-              <a:spcAft>
-                <a:spcPts val="0"/>
-              </a:spcAft>
-              <a:buClr>
-                <a:schemeClr val="accent1"/>
-              </a:buClr>
-              <a:buSzPct val="80000"/>
-              <a:buFont typeface="Wingdings 3" charset="2"/>
-              <a:buNone/>
-              <a:defRPr sz="1400" kern="1200">
-                <a:solidFill>
-                  <a:schemeClr val="tx1">
-                    <a:lumMod val="50000"/>
-                    <a:lumOff val="50000"/>
-                  </a:schemeClr>
-                </a:solidFill>
-                <a:latin typeface="+mn-lt"/>
-                <a:ea typeface="+mn-ea"/>
-                <a:cs typeface="+mn-cs"/>
-              </a:defRPr>
-            </a:lvl1pPr>
-            <a:lvl2pPr marL="342900" indent="0" algn="ctr" defTabSz="342900" rtl="0" eaLnBrk="1" latinLnBrk="0" hangingPunct="1">
-              <a:spcBef>
-                <a:spcPts val="750"/>
-              </a:spcBef>
-              <a:spcAft>
-                <a:spcPts val="0"/>
-              </a:spcAft>
-              <a:buClr>
-                <a:schemeClr val="accent1"/>
-              </a:buClr>
-              <a:buSzPct val="80000"/>
-              <a:buFont typeface="Wingdings 3" charset="2"/>
-              <a:buNone/>
-              <a:defRPr sz="1200" kern="1200">
-                <a:solidFill>
-                  <a:schemeClr val="tx1">
-                    <a:tint val="75000"/>
-                  </a:schemeClr>
-                </a:solidFill>
-                <a:latin typeface="+mn-lt"/>
-                <a:ea typeface="+mn-ea"/>
-                <a:cs typeface="+mn-cs"/>
-              </a:defRPr>
-            </a:lvl2pPr>
-            <a:lvl3pPr marL="685800" indent="0" algn="ctr" defTabSz="342900" rtl="0" eaLnBrk="1" latinLnBrk="0" hangingPunct="1">
-              <a:spcBef>
-                <a:spcPts val="750"/>
-              </a:spcBef>
-              <a:spcAft>
-                <a:spcPts val="0"/>
-              </a:spcAft>
-              <a:buClr>
-                <a:schemeClr val="accent1"/>
-              </a:buClr>
-              <a:buSzPct val="80000"/>
-              <a:buFont typeface="Wingdings 3" charset="2"/>
-              <a:buNone/>
-              <a:defRPr sz="1100" kern="1200">
-                <a:solidFill>
-                  <a:schemeClr val="tx1">
-                    <a:tint val="75000"/>
-                  </a:schemeClr>
-                </a:solidFill>
-                <a:latin typeface="+mn-lt"/>
-                <a:ea typeface="+mn-ea"/>
-                <a:cs typeface="+mn-cs"/>
-              </a:defRPr>
-            </a:lvl3pPr>
-            <a:lvl4pPr marL="1028700" indent="0" algn="ctr" defTabSz="342900" rtl="0" eaLnBrk="1" latinLnBrk="0" hangingPunct="1">
-              <a:spcBef>
-                <a:spcPts val="750"/>
-              </a:spcBef>
-              <a:spcAft>
-                <a:spcPts val="0"/>
-              </a:spcAft>
-              <a:buClr>
-                <a:schemeClr val="accent1"/>
-              </a:buClr>
-              <a:buSzPct val="80000"/>
-              <a:buFont typeface="Wingdings 3" charset="2"/>
-              <a:buNone/>
-              <a:defRPr sz="900" kern="1200">
-                <a:solidFill>
-                  <a:schemeClr val="tx1">
-                    <a:tint val="75000"/>
-                  </a:schemeClr>
-                </a:solidFill>
-                <a:latin typeface="+mn-lt"/>
-                <a:ea typeface="+mn-ea"/>
-                <a:cs typeface="+mn-cs"/>
-              </a:defRPr>
-            </a:lvl4pPr>
-            <a:lvl5pPr marL="1371600" indent="0" algn="ctr" defTabSz="342900" rtl="0" eaLnBrk="1" latinLnBrk="0" hangingPunct="1">
-              <a:spcBef>
-                <a:spcPts val="750"/>
-              </a:spcBef>
-              <a:spcAft>
-                <a:spcPts val="0"/>
-              </a:spcAft>
-              <a:buClr>
-                <a:schemeClr val="accent1"/>
-              </a:buClr>
-              <a:buSzPct val="80000"/>
-              <a:buFont typeface="Wingdings 3" charset="2"/>
-              <a:buNone/>
-              <a:defRPr sz="900" kern="1200">
-                <a:solidFill>
-                  <a:schemeClr val="tx1">
-                    <a:tint val="75000"/>
-                  </a:schemeClr>
-                </a:solidFill>
-                <a:latin typeface="+mn-lt"/>
-                <a:ea typeface="+mn-ea"/>
-                <a:cs typeface="+mn-cs"/>
-              </a:defRPr>
-            </a:lvl5pPr>
-            <a:lvl6pPr marL="1714500" indent="0" algn="ctr" defTabSz="342900" rtl="0" eaLnBrk="1" latinLnBrk="0" hangingPunct="1">
-              <a:spcBef>
-                <a:spcPts val="750"/>
-              </a:spcBef>
-              <a:spcAft>
-                <a:spcPts val="0"/>
-              </a:spcAft>
-              <a:buClr>
-                <a:schemeClr val="accent1"/>
-              </a:buClr>
-              <a:buSzPct val="80000"/>
-              <a:buFont typeface="Wingdings 3" charset="2"/>
-              <a:buNone/>
-              <a:defRPr sz="900" kern="1200">
-                <a:solidFill>
-                  <a:schemeClr val="tx1">
-                    <a:tint val="75000"/>
-                  </a:schemeClr>
-                </a:solidFill>
-                <a:latin typeface="+mn-lt"/>
-                <a:ea typeface="+mn-ea"/>
-                <a:cs typeface="+mn-cs"/>
-              </a:defRPr>
-            </a:lvl6pPr>
-            <a:lvl7pPr marL="2057400" indent="0" algn="ctr" defTabSz="342900" rtl="0" eaLnBrk="1" latinLnBrk="0" hangingPunct="1">
-              <a:spcBef>
-                <a:spcPts val="750"/>
-              </a:spcBef>
-              <a:spcAft>
-                <a:spcPts val="0"/>
-              </a:spcAft>
-              <a:buClr>
-                <a:schemeClr val="accent1"/>
-              </a:buClr>
-              <a:buSzPct val="80000"/>
-              <a:buFont typeface="Wingdings 3" charset="2"/>
-              <a:buNone/>
-              <a:defRPr sz="900" kern="1200">
-                <a:solidFill>
-                  <a:schemeClr val="tx1">
-                    <a:tint val="75000"/>
-                  </a:schemeClr>
-                </a:solidFill>
-                <a:latin typeface="+mn-lt"/>
-                <a:ea typeface="+mn-ea"/>
-                <a:cs typeface="+mn-cs"/>
-              </a:defRPr>
-            </a:lvl7pPr>
-            <a:lvl8pPr marL="2400300" indent="0" algn="ctr" defTabSz="342900" rtl="0" eaLnBrk="1" latinLnBrk="0" hangingPunct="1">
-              <a:spcBef>
-                <a:spcPts val="750"/>
-              </a:spcBef>
-              <a:spcAft>
-                <a:spcPts val="0"/>
-              </a:spcAft>
-              <a:buClr>
-                <a:schemeClr val="accent1"/>
-              </a:buClr>
-              <a:buSzPct val="80000"/>
-              <a:buFont typeface="Wingdings 3" charset="2"/>
-              <a:buNone/>
-              <a:defRPr sz="900" kern="1200">
-                <a:solidFill>
-                  <a:schemeClr val="tx1">
-                    <a:tint val="75000"/>
-                  </a:schemeClr>
-                </a:solidFill>
-                <a:latin typeface="+mn-lt"/>
-                <a:ea typeface="+mn-ea"/>
-                <a:cs typeface="+mn-cs"/>
-              </a:defRPr>
-            </a:lvl8pPr>
-            <a:lvl9pPr marL="2743200" indent="0" algn="ctr" defTabSz="342900" rtl="0" eaLnBrk="1" latinLnBrk="0" hangingPunct="1">
-              <a:spcBef>
-                <a:spcPts val="750"/>
-              </a:spcBef>
-              <a:spcAft>
-                <a:spcPts val="0"/>
-              </a:spcAft>
-              <a:buClr>
-                <a:schemeClr val="accent1"/>
-              </a:buClr>
-              <a:buSzPct val="80000"/>
-              <a:buFont typeface="Wingdings 3" charset="2"/>
-              <a:buNone/>
-              <a:defRPr sz="900" kern="1200">
-                <a:solidFill>
-                  <a:schemeClr val="tx1">
-                    <a:tint val="75000"/>
-                  </a:schemeClr>
-                </a:solidFill>
-                <a:latin typeface="+mn-lt"/>
-                <a:ea typeface="+mn-ea"/>
-                <a:cs typeface="+mn-cs"/>
-              </a:defRPr>
-            </a:lvl9pPr>
-          </a:lstStyle>
-          <a:p>
-            <a:r>
-              <a:rPr lang="en-GB" dirty="0" smtClean="0"/>
-              <a:t>PIC18FxxQ24</a:t>
-            </a:r>
-          </a:p>
-          <a:p>
-            <a:r>
-              <a:rPr lang="en-GB" dirty="0"/>
-              <a:t>Part 5 – a switch  sets the LEDs state</a:t>
-            </a:r>
-          </a:p>
-        </p:txBody>
-      </p:sp>
-      <p:pic>
-        <p:nvPicPr>
-          <p:cNvPr id="10" name="Picture 2" descr="PIC18F26Q24"/>
-          <p:cNvPicPr>
-            <a:picLocks noChangeAspect="1" noChangeArrowheads="1"/>
-          </p:cNvPicPr>
-          <p:nvPr/>
-        </p:nvPicPr>
-        <p:blipFill>
-          <a:blip r:embed="rId3" cstate="print">
-            <a:extLst>
-              <a:ext uri="{28A0092B-C50C-407E-A947-70E740481C1C}">
-                <a14:useLocalDpi xmlns:a14="http://schemas.microsoft.com/office/drawing/2010/main" val="0"/>
-              </a:ext>
-            </a:extLst>
-          </a:blip>
-          <a:srcRect/>
-          <a:stretch>
-            <a:fillRect/>
-          </a:stretch>
-        </p:blipFill>
-        <p:spPr bwMode="auto">
-          <a:xfrm>
-            <a:off x="1907705" y="4116163"/>
-            <a:ext cx="1280738" cy="922132"/>
-          </a:xfrm>
-          <a:prstGeom prst="rect">
-            <a:avLst/>
-          </a:prstGeom>
-          <a:noFill/>
-          <a:extLst>
-            <a:ext uri="{909E8E84-426E-40DD-AFC4-6F175D3DCCD1}">
-              <a14:hiddenFill xmlns:a14="http://schemas.microsoft.com/office/drawing/2010/main">
-                <a:solidFill>
-                  <a:srgbClr val="FFFFFF"/>
-                </a:solidFill>
-              </a14:hiddenFill>
-            </a:ext>
-          </a:extLst>
-        </p:spPr>
-      </p:pic>
     </p:spTree>
+    <p:extLst>
+      <p:ext uri="{BB962C8B-B14F-4D97-AF65-F5344CB8AC3E}">
+        <p14:creationId xmlns:p14="http://schemas.microsoft.com/office/powerpoint/2010/main" val="2190715018"/>
+      </p:ext>
+    </p:extLst>
   </p:cSld>
   <p:clrMapOvr>
     <a:masterClrMapping/>
@@ -12431,121 +11859,10 @@
           </a:p>
         </p:txBody>
       </p:sp>
-      <p:pic>
-        <p:nvPicPr>
-          <p:cNvPr id="8" name="Picture 2" descr="PIC18F26Q24"/>
-          <p:cNvPicPr>
-            <a:picLocks noChangeAspect="1" noChangeArrowheads="1"/>
-          </p:cNvPicPr>
-          <p:nvPr/>
-        </p:nvPicPr>
-        <p:blipFill>
-          <a:blip r:embed="rId3" cstate="print">
-            <a:extLst>
-              <a:ext uri="{28A0092B-C50C-407E-A947-70E740481C1C}">
-                <a14:useLocalDpi xmlns:a14="http://schemas.microsoft.com/office/drawing/2010/main" val="0"/>
-              </a:ext>
-            </a:extLst>
-          </a:blip>
-          <a:srcRect/>
-          <a:stretch>
-            <a:fillRect/>
-          </a:stretch>
-        </p:blipFill>
-        <p:spPr bwMode="auto">
-          <a:xfrm>
-            <a:off x="1907705" y="4116163"/>
-            <a:ext cx="1280738" cy="922132"/>
-          </a:xfrm>
-          <a:prstGeom prst="rect">
-            <a:avLst/>
-          </a:prstGeom>
-          <a:noFill/>
-          <a:extLst>
-            <a:ext uri="{909E8E84-426E-40DD-AFC4-6F175D3DCCD1}">
-              <a14:hiddenFill xmlns:a14="http://schemas.microsoft.com/office/drawing/2010/main">
-                <a:solidFill>
-                  <a:srgbClr val="FFFFFF"/>
-                </a:solidFill>
-              </a14:hiddenFill>
-            </a:ext>
-          </a:extLst>
-        </p:spPr>
-      </p:pic>
-      <p:pic>
-        <p:nvPicPr>
-          <p:cNvPr id="10" name="Picture 8" descr="C:\Users\admin\OneDrive\Desktop\Picture1.jpg"/>
-          <p:cNvPicPr>
-            <a:picLocks noChangeAspect="1" noChangeArrowheads="1"/>
-          </p:cNvPicPr>
-          <p:nvPr/>
-        </p:nvPicPr>
-        <p:blipFill>
-          <a:blip r:embed="rId4">
-            <a:extLst>
-              <a:ext uri="{28A0092B-C50C-407E-A947-70E740481C1C}">
-                <a14:useLocalDpi xmlns:a14="http://schemas.microsoft.com/office/drawing/2010/main" val="0"/>
-              </a:ext>
-            </a:extLst>
-          </a:blip>
-          <a:srcRect/>
-          <a:stretch>
-            <a:fillRect/>
-          </a:stretch>
-        </p:blipFill>
-        <p:spPr bwMode="auto">
-          <a:xfrm>
-            <a:off x="3995936" y="3937587"/>
-            <a:ext cx="2320300" cy="1129258"/>
-          </a:xfrm>
-          <a:prstGeom prst="rect">
-            <a:avLst/>
-          </a:prstGeom>
-          <a:noFill/>
-          <a:extLst>
-            <a:ext uri="{909E8E84-426E-40DD-AFC4-6F175D3DCCD1}">
-              <a14:hiddenFill xmlns:a14="http://schemas.microsoft.com/office/drawing/2010/main">
-                <a:solidFill>
-                  <a:srgbClr val="FFFFFF"/>
-                </a:solidFill>
-              </a14:hiddenFill>
-            </a:ext>
-          </a:extLst>
-        </p:spPr>
-      </p:pic>
-      <p:sp>
-        <p:nvSpPr>
-          <p:cNvPr id="11" name="Date Placeholder 3"/>
-          <p:cNvSpPr>
-            <a:spLocks noGrp="1"/>
-          </p:cNvSpPr>
-          <p:nvPr>
-            <p:ph type="dt" sz="half" idx="10"/>
-          </p:nvPr>
-        </p:nvSpPr>
-        <p:spPr>
-          <a:xfrm>
-            <a:off x="6113182" y="4384422"/>
-            <a:ext cx="354882" cy="305233"/>
-          </a:xfrm>
-        </p:spPr>
-        <p:txBody>
-          <a:bodyPr/>
-          <a:lstStyle/>
-          <a:p>
-            <a:fld id="{1E700B27-DE4C-4B9E-BB11-B9027034A00F}" type="datetimeFigureOut">
-              <a:rPr lang="en-US" smtClean="0"/>
-              <a:pPr/>
-              <a:t>11/19/2024</a:t>
-            </a:fld>
-            <a:endParaRPr lang="en-US" dirty="0"/>
-          </a:p>
-        </p:txBody>
-      </p:sp>
     </p:spTree>
     <p:extLst>
       <p:ext uri="{BB962C8B-B14F-4D97-AF65-F5344CB8AC3E}">
-        <p14:creationId xmlns:p14="http://schemas.microsoft.com/office/powerpoint/2010/main" val="2553573428"/>
+        <p14:creationId xmlns:p14="http://schemas.microsoft.com/office/powerpoint/2010/main" val="1360386312"/>
       </p:ext>
     </p:extLst>
   </p:cSld>
@@ -12605,7 +11922,7 @@
             <a:pPr algn="l"/>
             <a:r>
               <a:rPr lang="en-GB" dirty="0" smtClean="0"/>
-              <a:t>PIC18FxxQ24</a:t>
+              <a:t>PIC16Fxxxx</a:t>
             </a:r>
             <a:endParaRPr lang="en-GB" dirty="0"/>
           </a:p>
@@ -12624,27 +11941,39 @@
         <p:spPr/>
         <p:txBody>
           <a:bodyPr>
-            <a:normAutofit fontScale="92500" lnSpcReduction="10000"/>
+            <a:normAutofit/>
           </a:bodyPr>
           <a:lstStyle/>
           <a:p>
             <a:r>
+              <a:rPr lang="en-GB" dirty="0"/>
+              <a:t>PIC16Fxxxx </a:t>
+            </a:r>
+            <a:r>
               <a:rPr lang="en-GB" dirty="0" smtClean="0"/>
-              <a:t>PIC18-Q24 is a high performance PIC18 </a:t>
+              <a:t> is a high performance PIC16</a:t>
             </a:r>
           </a:p>
           <a:p>
             <a:pPr lvl="1"/>
             <a:r>
               <a:rPr lang="en-GB" dirty="0" smtClean="0"/>
-              <a:t>Digital and Analog peripherals </a:t>
+              <a:t>Digital and </a:t>
+            </a:r>
+            <a:r>
+              <a:rPr lang="en-GB" dirty="0" err="1" smtClean="0"/>
+              <a:t>Analog</a:t>
+            </a:r>
+            <a:r>
+              <a:rPr lang="en-GB" dirty="0" smtClean="0"/>
+              <a:t> peripherals </a:t>
             </a:r>
           </a:p>
           <a:p>
             <a:pPr lvl="1"/>
             <a:r>
               <a:rPr lang="en-GB" dirty="0" smtClean="0"/>
-              <a:t>10-bit ADC</a:t>
+              <a:t>8 –bit or 10-bit ADC</a:t>
             </a:r>
           </a:p>
           <a:p>
@@ -12669,26 +11998,12 @@
             </a:r>
           </a:p>
           <a:p>
-            <a:pPr lvl="1"/>
+            <a:endParaRPr lang="en-GB" dirty="0" smtClean="0"/>
+          </a:p>
+          <a:p>
             <a:r>
               <a:rPr lang="en-GB" dirty="0" smtClean="0"/>
-              <a:t>Configurable Logic Cells</a:t>
-            </a:r>
-          </a:p>
-          <a:p>
-            <a:pPr lvl="1"/>
-            <a:r>
-              <a:rPr lang="en-GB" dirty="0" smtClean="0"/>
-              <a:t>Multi voltage domains</a:t>
-            </a:r>
-          </a:p>
-          <a:p>
-            <a:endParaRPr lang="en-GB" dirty="0" smtClean="0"/>
-          </a:p>
-          <a:p>
-            <a:r>
-              <a:rPr lang="en-GB" dirty="0" smtClean="0"/>
-              <a:t>The PIC18xxQ24 offers 28, 40 and 48-pin products in small footprint packages to support customers in a wide variety of applications. </a:t>
+              <a:t>The PIC16 offers 8, 14,18,20, 28, 40 and 48-pin packages to support customers in a wide variety of applications. </a:t>
             </a:r>
           </a:p>
           <a:p>
@@ -12697,6 +12012,11 @@
         </p:txBody>
       </p:sp>
     </p:spTree>
+    <p:extLst>
+      <p:ext uri="{BB962C8B-B14F-4D97-AF65-F5344CB8AC3E}">
+        <p14:creationId xmlns:p14="http://schemas.microsoft.com/office/powerpoint/2010/main" val="1521024189"/>
+      </p:ext>
+    </p:extLst>
   </p:cSld>
   <p:clrMapOvr>
     <a:masterClrMapping/>
@@ -12795,8 +12115,13 @@
             </a:pPr>
             <a:r>
               <a:rPr lang="en-GB" sz="1100" dirty="0"/>
-              <a:t>Install the hardware and make the board work – three LED programs</a:t>
-            </a:r>
+              <a:t>Install the hardware and make the board work </a:t>
+            </a:r>
+            <a:r>
+              <a:rPr lang="en-GB" sz="1100" dirty="0" smtClean="0"/>
+              <a:t>– make LEDs work</a:t>
+            </a:r>
+            <a:endParaRPr lang="en-GB" sz="1100" b="1" dirty="0"/>
           </a:p>
           <a:p>
             <a:pPr marL="180000" indent="-478483">
@@ -12915,7 +12240,7 @@
               <a:t>Using </a:t>
             </a:r>
             <a:r>
-              <a:rPr lang="en-GB" sz="1100" dirty="0"/>
+              <a:rPr lang="en-GB" sz="1100" dirty="0" err="1"/>
               <a:t>EEProm</a:t>
             </a:r>
             <a:r>
@@ -12972,7 +12297,15 @@
             </a:pPr>
             <a:r>
               <a:rPr lang="en-GB" sz="1100" dirty="0"/>
-              <a:t>Using PWM, 7  ways,  to dim the LEDS</a:t>
+              <a:t>Using PWM, </a:t>
+            </a:r>
+            <a:r>
+              <a:rPr lang="en-GB" sz="1100" dirty="0" smtClean="0"/>
+              <a:t>many ways</a:t>
+            </a:r>
+            <a:r>
+              <a:rPr lang="en-GB" sz="1100" dirty="0"/>
+              <a:t>,  to dim the LEDS</a:t>
             </a:r>
           </a:p>
           <a:p>
@@ -12998,15 +12331,15 @@
             </a:pPr>
             <a:r>
               <a:rPr lang="en-GB" sz="1100" dirty="0"/>
-              <a:t>Using storage within the chip – </a:t>
+              <a:t>Using storage within the chip – Progmem, </a:t>
+            </a:r>
+            <a:r>
+              <a:rPr lang="en-GB" sz="1100" dirty="0" smtClean="0"/>
+              <a:t>EEPROM </a:t>
             </a:r>
             <a:r>
               <a:rPr lang="en-GB" sz="1100" dirty="0"/>
-              <a:t>Progmem</a:t>
-            </a:r>
-            <a:r>
-              <a:rPr lang="en-GB" sz="1100" dirty="0"/>
-              <a:t>, SAF memory, EEPROM and DATA blocks</a:t>
+              <a:t>and DATA blocks</a:t>
             </a:r>
           </a:p>
           <a:p>
@@ -13018,21 +12351,12 @@
               <a:buAutoNum type="arabicPeriod"/>
             </a:pPr>
             <a:r>
+              <a:rPr lang="en-GB" sz="1100" dirty="0" smtClean="0"/>
+              <a:t>The </a:t>
+            </a:r>
+            <a:r>
               <a:rPr lang="en-GB" sz="1100" dirty="0"/>
-              <a:t>Using CLC</a:t>
-            </a:r>
-          </a:p>
-          <a:p>
-            <a:pPr marL="180000" indent="-478483">
-              <a:spcBef>
-                <a:spcPts val="300"/>
-              </a:spcBef>
-              <a:buFont typeface="+mj-lt"/>
-              <a:buAutoNum type="arabicPeriod"/>
-            </a:pPr>
-            <a:r>
-              <a:rPr lang="en-GB" sz="1100" dirty="0"/>
-              <a:t>The GCBASIC tool chain</a:t>
+              <a:t>GCBASIC tool chain</a:t>
             </a:r>
           </a:p>
           <a:p>
@@ -13141,7 +12465,7 @@
     </p:spTree>
     <p:extLst>
       <p:ext uri="{BB962C8B-B14F-4D97-AF65-F5344CB8AC3E}">
-        <p14:creationId xmlns:p14="http://schemas.microsoft.com/office/powerpoint/2010/main" val="1947865557"/>
+        <p14:creationId xmlns:p14="http://schemas.microsoft.com/office/powerpoint/2010/main" val="3545839776"/>
       </p:ext>
     </p:extLst>
   </p:cSld>
@@ -13167,7 +12491,7 @@
 </file>
 
 <file path=ppt/slides/slide6.xml><?xml version="1.0" encoding="utf-8"?>
-<p:sld xmlns:a="http://schemas.openxmlformats.org/drawingml/2006/main" xmlns:r="http://schemas.openxmlformats.org/officeDocument/2006/relationships" xmlns:p="http://schemas.openxmlformats.org/presentationml/2006/main" show="0">
+<p:sld xmlns:a="http://schemas.openxmlformats.org/drawingml/2006/main" xmlns:r="http://schemas.openxmlformats.org/officeDocument/2006/relationships" xmlns:p="http://schemas.openxmlformats.org/presentationml/2006/main">
   <p:cSld>
     <p:spTree>
       <p:nvGrpSpPr>
@@ -13264,7 +12588,7 @@
         <p:spPr>
           <a:xfrm>
             <a:off x="3563888" y="2643758"/>
-            <a:ext cx="3528392" cy="1393943"/>
+            <a:ext cx="3528392" cy="1655553"/>
           </a:xfrm>
           <a:prstGeom prst="rect">
             <a:avLst/>
@@ -13279,7 +12603,7 @@
           <a:p>
             <a:r>
               <a:rPr lang="en-GB" dirty="0" smtClean="0"/>
-              <a:t>GCBASIC is an Open Source compiler for PIC and AVR microcontrollers</a:t>
+              <a:t>GCBASIC is an Open Source compiler for PIC, AVR and LGT microcontrollers</a:t>
             </a:r>
           </a:p>
           <a:p>
@@ -13288,13 +12612,18 @@
           <a:p>
             <a:r>
               <a:rPr lang="en-GB" dirty="0" smtClean="0"/>
-              <a:t>GCBASIC now supports the 18FxxQ24 chip family</a:t>
+              <a:t>GCBASIC supports the 16Fxxxx chip family</a:t>
             </a:r>
             <a:endParaRPr lang="en-GB" dirty="0"/>
           </a:p>
         </p:txBody>
       </p:sp>
     </p:spTree>
+    <p:extLst>
+      <p:ext uri="{BB962C8B-B14F-4D97-AF65-F5344CB8AC3E}">
+        <p14:creationId xmlns:p14="http://schemas.microsoft.com/office/powerpoint/2010/main" val="123431142"/>
+      </p:ext>
+    </p:extLst>
   </p:cSld>
   <p:clrMapOvr>
     <a:masterClrMapping/>
@@ -13320,14 +12649,6 @@
 <file path=ppt/slides/slide7.xml><?xml version="1.0" encoding="utf-8"?>
 <p:sld xmlns:a="http://schemas.openxmlformats.org/drawingml/2006/main" xmlns:r="http://schemas.openxmlformats.org/officeDocument/2006/relationships" xmlns:p="http://schemas.openxmlformats.org/presentationml/2006/main">
   <p:cSld>
-    <p:bg>
-      <p:bgPr>
-        <a:solidFill>
-          <a:schemeClr val="bg1"/>
-        </a:solidFill>
-        <a:effectLst/>
-      </p:bgPr>
-    </p:bg>
     <p:spTree>
       <p:nvGrpSpPr>
         <p:cNvPr id="1" name=""/>
@@ -13404,7 +12725,7 @@
             <a:pPr marL="778521" lvl="1" indent="-478483"/>
             <a:r>
               <a:rPr lang="en-GB" dirty="0" smtClean="0"/>
-              <a:t>Test that you have the 18FxxQ24 attached</a:t>
+              <a:t>Test that you have the PIC attached</a:t>
             </a:r>
           </a:p>
           <a:p>
@@ -13418,7 +12739,18 @@
             <a:pPr marL="778521" lvl="1" indent="-478483"/>
             <a:r>
               <a:rPr lang="en-GB" dirty="0" smtClean="0"/>
-              <a:t>You have a POT </a:t>
+              <a:t>You have a POT connected</a:t>
+            </a:r>
+          </a:p>
+          <a:p>
+            <a:pPr marL="778521" lvl="1" indent="-478483"/>
+            <a:r>
+              <a:rPr lang="en-GB" dirty="0" smtClean="0"/>
+              <a:t>You </a:t>
+            </a:r>
+            <a:r>
+              <a:rPr lang="en-GB" smtClean="0"/>
+              <a:t>have switch </a:t>
             </a:r>
             <a:r>
               <a:rPr lang="en-GB" dirty="0" smtClean="0"/>
@@ -13426,22 +12758,6 @@
             </a:r>
           </a:p>
           <a:p>
-            <a:pPr marL="778521" lvl="1" indent="-478483"/>
-            <a:r>
-              <a:rPr lang="en-GB" dirty="0" smtClean="0"/>
-              <a:t>You have </a:t>
-            </a:r>
-            <a:r>
-              <a:rPr lang="en-GB" smtClean="0"/>
-              <a:t>a SWITCH </a:t>
-            </a:r>
-            <a:r>
-              <a:rPr lang="en-GB" dirty="0" smtClean="0"/>
-              <a:t>connected</a:t>
-            </a:r>
-            <a:endParaRPr lang="en-GB" dirty="0" smtClean="0"/>
-          </a:p>
-          <a:p>
             <a:pPr marL="0" indent="0">
               <a:buNone/>
             </a:pPr>
@@ -13455,57 +12771,15 @@
           </a:p>
         </p:txBody>
       </p:sp>
-    </p:spTree>
-  </p:cSld>
-  <p:clrMapOvr>
-    <a:overrideClrMapping bg1="lt1" tx1="dk1" bg2="lt2" tx2="dk2" accent1="accent1" accent2="accent2" accent3="accent3" accent4="accent4" accent5="accent5" accent6="accent6" hlink="hlink" folHlink="folHlink"/>
-  </p:clrMapOvr>
-  <mc:AlternateContent xmlns:mc="http://schemas.openxmlformats.org/markup-compatibility/2006" xmlns:p14="http://schemas.microsoft.com/office/powerpoint/2010/main">
-    <mc:Choice Requires="p14">
-      <p:transition spd="slow" p14:dur="2000"/>
-    </mc:Choice>
-    <mc:Fallback xmlns="">
-      <p:transition spd="slow"/>
-    </mc:Fallback>
-  </mc:AlternateContent>
-  <p:timing>
-    <p:tnLst>
-      <p:par>
-        <p:cTn id="1" dur="indefinite" restart="never" nodeType="tmRoot"/>
-      </p:par>
-    </p:tnLst>
-  </p:timing>
-</p:sld>
-</file>
-
-<file path=ppt/slides/slide8.xml><?xml version="1.0" encoding="utf-8"?>
-<p:sld xmlns:a="http://schemas.openxmlformats.org/drawingml/2006/main" xmlns:r="http://schemas.openxmlformats.org/officeDocument/2006/relationships" xmlns:p="http://schemas.openxmlformats.org/presentationml/2006/main">
-  <p:cSld>
-    <p:spTree>
-      <p:nvGrpSpPr>
-        <p:cNvPr id="1" name=""/>
-        <p:cNvGrpSpPr/>
-        <p:nvPr/>
-      </p:nvGrpSpPr>
-      <p:grpSpPr>
-        <a:xfrm>
-          <a:off x="0" y="0"/>
-          <a:ext cx="0" cy="0"/>
-          <a:chOff x="0" y="0"/>
-          <a:chExt cx="0" cy="0"/>
-        </a:xfrm>
-      </p:grpSpPr>
       <p:pic>
         <p:nvPicPr>
-          <p:cNvPr id="9" name="Picture 2"/>
+          <p:cNvPr id="4" name="Picture 2"/>
           <p:cNvPicPr>
-            <a:picLocks noGrp="1" noChangeAspect="1" noChangeArrowheads="1"/>
+            <a:picLocks noChangeAspect="1" noChangeArrowheads="1"/>
           </p:cNvPicPr>
-          <p:nvPr>
-            <p:ph idx="1"/>
-          </p:nvPr>
+          <p:nvPr/>
         </p:nvPicPr>
-        <p:blipFill rotWithShape="1">
+        <p:blipFill>
           <a:blip r:embed="rId2">
             <a:extLst>
               <a:ext uri="{28A0092B-C50C-407E-A947-70E740481C1C}">
@@ -13513,13 +12787,15 @@
               </a:ext>
             </a:extLst>
           </a:blip>
-          <a:srcRect l="6459" r="22745" b="29280"/>
-          <a:stretch/>
+          <a:srcRect/>
+          <a:stretch>
+            <a:fillRect/>
+          </a:stretch>
         </p:blipFill>
         <p:spPr bwMode="auto">
           <a:xfrm>
-            <a:off x="882650" y="1491631"/>
-            <a:ext cx="3619500" cy="3156570"/>
+            <a:off x="5436096" y="1582266"/>
+            <a:ext cx="3448050" cy="2933700"/>
           </a:xfrm>
           <a:prstGeom prst="rect">
             <a:avLst/>
@@ -13559,6 +12835,115 @@
           </a:extLst>
         </p:spPr>
       </p:pic>
+    </p:spTree>
+    <p:extLst>
+      <p:ext uri="{BB962C8B-B14F-4D97-AF65-F5344CB8AC3E}">
+        <p14:creationId xmlns:p14="http://schemas.microsoft.com/office/powerpoint/2010/main" val="1742688866"/>
+      </p:ext>
+    </p:extLst>
+  </p:cSld>
+  <p:clrMapOvr>
+    <a:masterClrMapping/>
+  </p:clrMapOvr>
+  <mc:AlternateContent xmlns:mc="http://schemas.openxmlformats.org/markup-compatibility/2006" xmlns:p14="http://schemas.microsoft.com/office/powerpoint/2010/main">
+    <mc:Choice Requires="p14">
+      <p:transition spd="slow" p14:dur="2000"/>
+    </mc:Choice>
+    <mc:Fallback xmlns="">
+      <p:transition spd="slow"/>
+    </mc:Fallback>
+  </mc:AlternateContent>
+  <p:timing>
+    <p:tnLst>
+      <p:par>
+        <p:cTn id="1" dur="indefinite" restart="never" nodeType="tmRoot"/>
+      </p:par>
+    </p:tnLst>
+  </p:timing>
+</p:sld>
+</file>
+
+<file path=ppt/slides/slide8.xml><?xml version="1.0" encoding="utf-8"?>
+<p:sld xmlns:a="http://schemas.openxmlformats.org/drawingml/2006/main" xmlns:r="http://schemas.openxmlformats.org/officeDocument/2006/relationships" xmlns:p="http://schemas.openxmlformats.org/presentationml/2006/main">
+  <p:cSld>
+    <p:spTree>
+      <p:nvGrpSpPr>
+        <p:cNvPr id="1" name=""/>
+        <p:cNvGrpSpPr/>
+        <p:nvPr/>
+      </p:nvGrpSpPr>
+      <p:grpSpPr>
+        <a:xfrm>
+          <a:off x="0" y="0"/>
+          <a:ext cx="0" cy="0"/>
+          <a:chOff x="0" y="0"/>
+          <a:chExt cx="0" cy="0"/>
+        </a:xfrm>
+      </p:grpSpPr>
+      <p:pic>
+        <p:nvPicPr>
+          <p:cNvPr id="1026" name="Picture 2"/>
+          <p:cNvPicPr>
+            <a:picLocks noChangeAspect="1" noChangeArrowheads="1"/>
+          </p:cNvPicPr>
+          <p:nvPr/>
+        </p:nvPicPr>
+        <p:blipFill>
+          <a:blip r:embed="rId2">
+            <a:extLst>
+              <a:ext uri="{28A0092B-C50C-407E-A947-70E740481C1C}">
+                <a14:useLocalDpi xmlns:a14="http://schemas.microsoft.com/office/drawing/2010/main" val="0"/>
+              </a:ext>
+            </a:extLst>
+          </a:blip>
+          <a:srcRect/>
+          <a:stretch>
+            <a:fillRect/>
+          </a:stretch>
+        </p:blipFill>
+        <p:spPr bwMode="auto">
+          <a:xfrm>
+            <a:off x="107504" y="778048"/>
+            <a:ext cx="5087696" cy="4362922"/>
+          </a:xfrm>
+          <a:prstGeom prst="rect">
+            <a:avLst/>
+          </a:prstGeom>
+          <a:noFill/>
+          <a:ln>
+            <a:noFill/>
+          </a:ln>
+          <a:effectLst/>
+          <a:extLst>
+            <a:ext uri="{909E8E84-426E-40DD-AFC4-6F175D3DCCD1}">
+              <a14:hiddenFill xmlns:a14="http://schemas.microsoft.com/office/drawing/2010/main">
+                <a:solidFill>
+                  <a:schemeClr val="accent1"/>
+                </a:solidFill>
+              </a14:hiddenFill>
+            </a:ext>
+            <a:ext uri="{91240B29-F687-4F45-9708-019B960494DF}">
+              <a14:hiddenLine xmlns:a14="http://schemas.microsoft.com/office/drawing/2010/main" w="9525">
+                <a:solidFill>
+                  <a:schemeClr val="tx1"/>
+                </a:solidFill>
+                <a:miter lim="800000"/>
+                <a:headEnd/>
+                <a:tailEnd/>
+              </a14:hiddenLine>
+            </a:ext>
+            <a:ext uri="{AF507438-7753-43E0-B8FC-AC1667EBCBE1}">
+              <a14:hiddenEffects xmlns:a14="http://schemas.microsoft.com/office/drawing/2010/main">
+                <a:effectLst>
+                  <a:outerShdw dist="35921" dir="2700000" algn="ctr" rotWithShape="0">
+                    <a:schemeClr val="bg2"/>
+                  </a:outerShdw>
+                </a:effectLst>
+              </a14:hiddenEffects>
+            </a:ext>
+          </a:extLst>
+        </p:spPr>
+      </p:pic>
       <p:sp>
         <p:nvSpPr>
           <p:cNvPr id="2" name="Title 1"/>
@@ -13571,6 +12956,617 @@
         </p:nvSpPr>
         <p:spPr/>
         <p:txBody>
+          <a:bodyPr/>
+          <a:lstStyle/>
+          <a:p>
+            <a:pPr algn="l"/>
+            <a:r>
+              <a:rPr lang="en-GB" dirty="0" smtClean="0"/>
+              <a:t>Hardware</a:t>
+            </a:r>
+            <a:endParaRPr lang="en-GB" dirty="0"/>
+          </a:p>
+        </p:txBody>
+      </p:sp>
+      <p:sp>
+        <p:nvSpPr>
+          <p:cNvPr id="5" name="Rectangle 4"/>
+          <p:cNvSpPr/>
+          <p:nvPr/>
+        </p:nvSpPr>
+        <p:spPr>
+          <a:xfrm>
+            <a:off x="5239650" y="1173882"/>
+            <a:ext cx="3825992" cy="3216265"/>
+          </a:xfrm>
+          <a:prstGeom prst="rect">
+            <a:avLst/>
+          </a:prstGeom>
+          <a:solidFill>
+            <a:schemeClr val="bg1"/>
+          </a:solidFill>
+        </p:spPr>
+        <p:txBody>
+          <a:bodyPr wrap="square">
+            <a:spAutoFit/>
+          </a:bodyPr>
+          <a:lstStyle/>
+          <a:p>
+            <a:r>
+              <a:rPr lang="en-GB" sz="700" b="1" dirty="0">
+                <a:latin typeface="Courier New" panose="02070309020205020404" pitchFamily="49" charset="0"/>
+                <a:cs typeface="Courier New" panose="02070309020205020404" pitchFamily="49" charset="0"/>
+              </a:rPr>
+              <a:t>The PICDEM 2 Plus Demonstration Board </a:t>
+            </a:r>
+            <a:endParaRPr lang="en-GB" sz="700" b="1" dirty="0" smtClean="0">
+              <a:latin typeface="Courier New" panose="02070309020205020404" pitchFamily="49" charset="0"/>
+              <a:cs typeface="Courier New" panose="02070309020205020404" pitchFamily="49" charset="0"/>
+            </a:endParaRPr>
+          </a:p>
+          <a:p>
+            <a:endParaRPr lang="en-GB" sz="700" b="1" dirty="0" smtClean="0">
+              <a:latin typeface="Courier New" panose="02070309020205020404" pitchFamily="49" charset="0"/>
+              <a:cs typeface="Courier New" panose="02070309020205020404" pitchFamily="49" charset="0"/>
+            </a:endParaRPr>
+          </a:p>
+          <a:p>
+            <a:pPr marL="228600" indent="-228600">
+              <a:buAutoNum type="arabicPeriod"/>
+            </a:pPr>
+            <a:r>
+              <a:rPr lang="en-GB" sz="700" dirty="0" smtClean="0">
+                <a:latin typeface="Courier New" panose="02070309020205020404" pitchFamily="49" charset="0"/>
+                <a:cs typeface="Courier New" panose="02070309020205020404" pitchFamily="49" charset="0"/>
+              </a:rPr>
+              <a:t>18-</a:t>
+            </a:r>
+            <a:r>
+              <a:rPr lang="en-GB" sz="700" dirty="0">
+                <a:latin typeface="Courier New" panose="02070309020205020404" pitchFamily="49" charset="0"/>
+                <a:cs typeface="Courier New" panose="02070309020205020404" pitchFamily="49" charset="0"/>
+              </a:rPr>
+              <a:t>, 28- and 40-pin DIP sockets (although three sockets are provided, only one device may be used at a time) </a:t>
+            </a:r>
+            <a:endParaRPr lang="en-GB" sz="700" dirty="0" smtClean="0">
+              <a:latin typeface="Courier New" panose="02070309020205020404" pitchFamily="49" charset="0"/>
+              <a:cs typeface="Courier New" panose="02070309020205020404" pitchFamily="49" charset="0"/>
+            </a:endParaRPr>
+          </a:p>
+          <a:p>
+            <a:pPr marL="228600" indent="-228600">
+              <a:buAutoNum type="arabicPeriod"/>
+            </a:pPr>
+            <a:r>
+              <a:rPr lang="en-GB" sz="700" dirty="0" smtClean="0">
+                <a:latin typeface="Courier New" panose="02070309020205020404" pitchFamily="49" charset="0"/>
+                <a:cs typeface="Courier New" panose="02070309020205020404" pitchFamily="49" charset="0"/>
+              </a:rPr>
+              <a:t>On-board</a:t>
+            </a:r>
+            <a:r>
+              <a:rPr lang="en-GB" sz="700" dirty="0">
+                <a:latin typeface="Courier New" panose="02070309020205020404" pitchFamily="49" charset="0"/>
+                <a:cs typeface="Courier New" panose="02070309020205020404" pitchFamily="49" charset="0"/>
+              </a:rPr>
+              <a:t>, +5V regulator for direct input from 9V, 100 mA AC/DC wall adapter or 9V battery, or hooks for a +5V, 100 mA regulated DC supply </a:t>
+            </a:r>
+            <a:endParaRPr lang="en-GB" sz="700" dirty="0" smtClean="0">
+              <a:latin typeface="Courier New" panose="02070309020205020404" pitchFamily="49" charset="0"/>
+              <a:cs typeface="Courier New" panose="02070309020205020404" pitchFamily="49" charset="0"/>
+            </a:endParaRPr>
+          </a:p>
+          <a:p>
+            <a:pPr marL="228600" indent="-228600">
+              <a:buAutoNum type="arabicPeriod"/>
+            </a:pPr>
+            <a:r>
+              <a:rPr lang="en-GB" sz="700" dirty="0" smtClean="0">
+                <a:latin typeface="Courier New" panose="02070309020205020404" pitchFamily="49" charset="0"/>
+                <a:cs typeface="Courier New" panose="02070309020205020404" pitchFamily="49" charset="0"/>
+              </a:rPr>
+              <a:t>RS-232 </a:t>
+            </a:r>
+            <a:r>
+              <a:rPr lang="en-GB" sz="700" dirty="0">
+                <a:latin typeface="Courier New" panose="02070309020205020404" pitchFamily="49" charset="0"/>
+                <a:cs typeface="Courier New" panose="02070309020205020404" pitchFamily="49" charset="0"/>
+              </a:rPr>
+              <a:t>socket and associated hardware for direct connection to an RS-232 </a:t>
+            </a:r>
+            <a:r>
+              <a:rPr lang="en-GB" sz="700" dirty="0" smtClean="0">
+                <a:latin typeface="Courier New" panose="02070309020205020404" pitchFamily="49" charset="0"/>
+                <a:cs typeface="Courier New" panose="02070309020205020404" pitchFamily="49" charset="0"/>
+              </a:rPr>
+              <a:t>interface</a:t>
+            </a:r>
+          </a:p>
+          <a:p>
+            <a:pPr marL="228600" indent="-228600">
+              <a:buAutoNum type="arabicPeriod"/>
+            </a:pPr>
+            <a:r>
+              <a:rPr lang="en-GB" sz="700" dirty="0" smtClean="0">
+                <a:latin typeface="Courier New" panose="02070309020205020404" pitchFamily="49" charset="0"/>
+                <a:cs typeface="Courier New" panose="02070309020205020404" pitchFamily="49" charset="0"/>
+              </a:rPr>
+              <a:t>Programmer/debugger </a:t>
+            </a:r>
+            <a:r>
+              <a:rPr lang="en-GB" sz="700" dirty="0">
+                <a:latin typeface="Courier New" panose="02070309020205020404" pitchFamily="49" charset="0"/>
+                <a:cs typeface="Courier New" panose="02070309020205020404" pitchFamily="49" charset="0"/>
+              </a:rPr>
+              <a:t>connectivity supporting MPLAB® ICD 3, MPLAB REAL ICE, </a:t>
+            </a:r>
+            <a:r>
+              <a:rPr lang="en-GB" sz="700" dirty="0" err="1">
+                <a:latin typeface="Courier New" panose="02070309020205020404" pitchFamily="49" charset="0"/>
+                <a:cs typeface="Courier New" panose="02070309020205020404" pitchFamily="49" charset="0"/>
+              </a:rPr>
+              <a:t>PICkit</a:t>
+            </a:r>
+            <a:r>
+              <a:rPr lang="en-GB" sz="700" dirty="0">
+                <a:latin typeface="Courier New" panose="02070309020205020404" pitchFamily="49" charset="0"/>
+                <a:cs typeface="Courier New" panose="02070309020205020404" pitchFamily="49" charset="0"/>
+              </a:rPr>
+              <a:t> </a:t>
+            </a:r>
+            <a:r>
+              <a:rPr lang="en-GB" sz="700" dirty="0" smtClean="0">
+                <a:latin typeface="Courier New" panose="02070309020205020404" pitchFamily="49" charset="0"/>
+                <a:cs typeface="Courier New" panose="02070309020205020404" pitchFamily="49" charset="0"/>
+              </a:rPr>
+              <a:t>2 </a:t>
+            </a:r>
+            <a:r>
+              <a:rPr lang="en-GB" sz="700" dirty="0">
+                <a:latin typeface="Courier New" panose="02070309020205020404" pitchFamily="49" charset="0"/>
+                <a:cs typeface="Courier New" panose="02070309020205020404" pitchFamily="49" charset="0"/>
+              </a:rPr>
+              <a:t>and </a:t>
+            </a:r>
+            <a:r>
+              <a:rPr lang="en-GB" sz="700" dirty="0" err="1">
+                <a:latin typeface="Courier New" panose="02070309020205020404" pitchFamily="49" charset="0"/>
+                <a:cs typeface="Courier New" panose="02070309020205020404" pitchFamily="49" charset="0"/>
+              </a:rPr>
+              <a:t>PICkit</a:t>
+            </a:r>
+            <a:r>
+              <a:rPr lang="en-GB" sz="700" dirty="0">
+                <a:latin typeface="Courier New" panose="02070309020205020404" pitchFamily="49" charset="0"/>
+                <a:cs typeface="Courier New" panose="02070309020205020404" pitchFamily="49" charset="0"/>
+              </a:rPr>
+              <a:t> 3 </a:t>
+            </a:r>
+            <a:endParaRPr lang="en-GB" sz="700" dirty="0" smtClean="0">
+              <a:latin typeface="Courier New" panose="02070309020205020404" pitchFamily="49" charset="0"/>
+              <a:cs typeface="Courier New" panose="02070309020205020404" pitchFamily="49" charset="0"/>
+            </a:endParaRPr>
+          </a:p>
+          <a:p>
+            <a:pPr marL="228600" indent="-228600">
+              <a:buAutoNum type="arabicPeriod"/>
+            </a:pPr>
+            <a:r>
+              <a:rPr lang="en-GB" sz="700" dirty="0" err="1" smtClean="0">
+                <a:latin typeface="Courier New" panose="02070309020205020404" pitchFamily="49" charset="0"/>
+                <a:cs typeface="Courier New" panose="02070309020205020404" pitchFamily="49" charset="0"/>
+              </a:rPr>
+              <a:t>PICkit</a:t>
+            </a:r>
+            <a:r>
+              <a:rPr lang="en-GB" sz="700" dirty="0" smtClean="0">
+                <a:latin typeface="Courier New" panose="02070309020205020404" pitchFamily="49" charset="0"/>
+                <a:cs typeface="Courier New" panose="02070309020205020404" pitchFamily="49" charset="0"/>
+              </a:rPr>
+              <a:t> </a:t>
+            </a:r>
+            <a:r>
+              <a:rPr lang="en-GB" sz="700" dirty="0">
+                <a:latin typeface="Courier New" panose="02070309020205020404" pitchFamily="49" charset="0"/>
+                <a:cs typeface="Courier New" panose="02070309020205020404" pitchFamily="49" charset="0"/>
+              </a:rPr>
+              <a:t>Serial Connector for analysis of serial communications peripherals such as SPI or I2C™ </a:t>
+            </a:r>
+            <a:endParaRPr lang="en-GB" sz="700" dirty="0" smtClean="0">
+              <a:latin typeface="Courier New" panose="02070309020205020404" pitchFamily="49" charset="0"/>
+              <a:cs typeface="Courier New" panose="02070309020205020404" pitchFamily="49" charset="0"/>
+            </a:endParaRPr>
+          </a:p>
+          <a:p>
+            <a:pPr marL="228600" indent="-228600">
+              <a:buAutoNum type="arabicPeriod"/>
+            </a:pPr>
+            <a:r>
+              <a:rPr lang="en-GB" sz="700" dirty="0" smtClean="0">
+                <a:latin typeface="Courier New" panose="02070309020205020404" pitchFamily="49" charset="0"/>
+                <a:cs typeface="Courier New" panose="02070309020205020404" pitchFamily="49" charset="0"/>
+              </a:rPr>
+              <a:t>5 k </a:t>
+            </a:r>
+            <a:r>
+              <a:rPr lang="en-GB" sz="700" dirty="0">
+                <a:latin typeface="Courier New" panose="02070309020205020404" pitchFamily="49" charset="0"/>
+                <a:cs typeface="Courier New" panose="02070309020205020404" pitchFamily="49" charset="0"/>
+              </a:rPr>
+              <a:t>pot for devices with </a:t>
+            </a:r>
+            <a:r>
+              <a:rPr lang="en-GB" sz="700" dirty="0" err="1">
+                <a:latin typeface="Courier New" panose="02070309020205020404" pitchFamily="49" charset="0"/>
+                <a:cs typeface="Courier New" panose="02070309020205020404" pitchFamily="49" charset="0"/>
+              </a:rPr>
+              <a:t>analog</a:t>
+            </a:r>
+            <a:r>
+              <a:rPr lang="en-GB" sz="700" dirty="0">
+                <a:latin typeface="Courier New" panose="02070309020205020404" pitchFamily="49" charset="0"/>
+                <a:cs typeface="Courier New" panose="02070309020205020404" pitchFamily="49" charset="0"/>
+              </a:rPr>
+              <a:t> inputs </a:t>
+            </a:r>
+            <a:endParaRPr lang="en-GB" sz="700" dirty="0" smtClean="0">
+              <a:latin typeface="Courier New" panose="02070309020205020404" pitchFamily="49" charset="0"/>
+              <a:cs typeface="Courier New" panose="02070309020205020404" pitchFamily="49" charset="0"/>
+            </a:endParaRPr>
+          </a:p>
+          <a:p>
+            <a:pPr marL="228600" indent="-228600">
+              <a:buAutoNum type="arabicPeriod"/>
+            </a:pPr>
+            <a:r>
+              <a:rPr lang="en-GB" sz="700" dirty="0" smtClean="0">
+                <a:latin typeface="Courier New" panose="02070309020205020404" pitchFamily="49" charset="0"/>
+                <a:cs typeface="Courier New" panose="02070309020205020404" pitchFamily="49" charset="0"/>
+              </a:rPr>
+              <a:t>Three </a:t>
+            </a:r>
+            <a:r>
+              <a:rPr lang="en-GB" sz="700" dirty="0">
+                <a:latin typeface="Courier New" panose="02070309020205020404" pitchFamily="49" charset="0"/>
+                <a:cs typeface="Courier New" panose="02070309020205020404" pitchFamily="49" charset="0"/>
+              </a:rPr>
+              <a:t>push button switches for external stimulus and Reset </a:t>
+            </a:r>
+            <a:endParaRPr lang="en-GB" sz="700" dirty="0" smtClean="0">
+              <a:latin typeface="Courier New" panose="02070309020205020404" pitchFamily="49" charset="0"/>
+              <a:cs typeface="Courier New" panose="02070309020205020404" pitchFamily="49" charset="0"/>
+            </a:endParaRPr>
+          </a:p>
+          <a:p>
+            <a:pPr marL="228600" indent="-228600">
+              <a:buAutoNum type="arabicPeriod"/>
+            </a:pPr>
+            <a:r>
+              <a:rPr lang="en-GB" sz="700" dirty="0" smtClean="0">
+                <a:latin typeface="Courier New" panose="02070309020205020404" pitchFamily="49" charset="0"/>
+                <a:cs typeface="Courier New" panose="02070309020205020404" pitchFamily="49" charset="0"/>
+              </a:rPr>
+              <a:t>Power-on </a:t>
+            </a:r>
+            <a:r>
+              <a:rPr lang="en-GB" sz="700" dirty="0">
+                <a:latin typeface="Courier New" panose="02070309020205020404" pitchFamily="49" charset="0"/>
+                <a:cs typeface="Courier New" panose="02070309020205020404" pitchFamily="49" charset="0"/>
+              </a:rPr>
+              <a:t>indicator LED </a:t>
+            </a:r>
+            <a:endParaRPr lang="en-GB" sz="700" dirty="0" smtClean="0">
+              <a:latin typeface="Courier New" panose="02070309020205020404" pitchFamily="49" charset="0"/>
+              <a:cs typeface="Courier New" panose="02070309020205020404" pitchFamily="49" charset="0"/>
+            </a:endParaRPr>
+          </a:p>
+          <a:p>
+            <a:pPr marL="228600" indent="-228600">
+              <a:buAutoNum type="arabicPeriod"/>
+            </a:pPr>
+            <a:r>
+              <a:rPr lang="en-GB" sz="700" dirty="0" smtClean="0">
+                <a:latin typeface="Courier New" panose="02070309020205020404" pitchFamily="49" charset="0"/>
+                <a:cs typeface="Courier New" panose="02070309020205020404" pitchFamily="49" charset="0"/>
+              </a:rPr>
+              <a:t>Four </a:t>
+            </a:r>
+            <a:r>
+              <a:rPr lang="en-GB" sz="700" dirty="0">
+                <a:latin typeface="Courier New" panose="02070309020205020404" pitchFamily="49" charset="0"/>
+                <a:cs typeface="Courier New" panose="02070309020205020404" pitchFamily="49" charset="0"/>
+              </a:rPr>
+              <a:t>LEDs connected to PORTB </a:t>
+            </a:r>
+            <a:endParaRPr lang="en-GB" sz="700" dirty="0" smtClean="0">
+              <a:latin typeface="Courier New" panose="02070309020205020404" pitchFamily="49" charset="0"/>
+              <a:cs typeface="Courier New" panose="02070309020205020404" pitchFamily="49" charset="0"/>
+            </a:endParaRPr>
+          </a:p>
+          <a:p>
+            <a:pPr marL="228600" indent="-228600">
+              <a:buAutoNum type="arabicPeriod"/>
+            </a:pPr>
+            <a:r>
+              <a:rPr lang="en-GB" sz="700" dirty="0" smtClean="0">
+                <a:latin typeface="Courier New" panose="02070309020205020404" pitchFamily="49" charset="0"/>
+                <a:cs typeface="Courier New" panose="02070309020205020404" pitchFamily="49" charset="0"/>
+              </a:rPr>
+              <a:t>On-board </a:t>
+            </a:r>
+            <a:r>
+              <a:rPr lang="en-GB" sz="700" dirty="0">
+                <a:latin typeface="Courier New" panose="02070309020205020404" pitchFamily="49" charset="0"/>
+                <a:cs typeface="Courier New" panose="02070309020205020404" pitchFamily="49" charset="0"/>
+              </a:rPr>
+              <a:t>external oscillators including: a) Unpopulated DIP socket for canned crystal oscillator (Y2) b) RC oscillator circuit (R4, C3) c) Unpopulated holes for crystal connection (Y1) d) 32.768 kHz crystal for Timer1 clock operation (Y3</a:t>
+            </a:r>
+            <a:r>
+              <a:rPr lang="en-GB" sz="700" dirty="0" smtClean="0">
+                <a:latin typeface="Courier New" panose="02070309020205020404" pitchFamily="49" charset="0"/>
+                <a:cs typeface="Courier New" panose="02070309020205020404" pitchFamily="49" charset="0"/>
+              </a:rPr>
+              <a:t>)</a:t>
+            </a:r>
+          </a:p>
+          <a:p>
+            <a:pPr marL="228600" indent="-228600">
+              <a:buAutoNum type="arabicPeriod"/>
+            </a:pPr>
+            <a:r>
+              <a:rPr lang="en-GB" sz="700" dirty="0">
+                <a:latin typeface="Courier New" panose="02070309020205020404" pitchFamily="49" charset="0"/>
+                <a:cs typeface="Courier New" panose="02070309020205020404" pitchFamily="49" charset="0"/>
+              </a:rPr>
+              <a:t>32K x 8 Serial EEPROM</a:t>
+            </a:r>
+          </a:p>
+          <a:p>
+            <a:pPr marL="228600" indent="-228600">
+              <a:buAutoNum type="arabicPeriod"/>
+            </a:pPr>
+            <a:r>
+              <a:rPr lang="en-GB" sz="700" dirty="0" smtClean="0">
+                <a:latin typeface="Courier New" panose="02070309020205020404" pitchFamily="49" charset="0"/>
+                <a:cs typeface="Courier New" panose="02070309020205020404" pitchFamily="49" charset="0"/>
+              </a:rPr>
+              <a:t>LCD </a:t>
+            </a:r>
+            <a:r>
+              <a:rPr lang="en-GB" sz="700" dirty="0">
+                <a:latin typeface="Courier New" panose="02070309020205020404" pitchFamily="49" charset="0"/>
+                <a:cs typeface="Courier New" panose="02070309020205020404" pitchFamily="49" charset="0"/>
+              </a:rPr>
+              <a:t>display</a:t>
+            </a:r>
+          </a:p>
+          <a:p>
+            <a:pPr marL="228600" indent="-228600">
+              <a:buAutoNum type="arabicPeriod"/>
+            </a:pPr>
+            <a:r>
+              <a:rPr lang="en-GB" sz="700" dirty="0" smtClean="0">
+                <a:latin typeface="Courier New" panose="02070309020205020404" pitchFamily="49" charset="0"/>
+                <a:cs typeface="Courier New" panose="02070309020205020404" pitchFamily="49" charset="0"/>
+              </a:rPr>
+              <a:t>Piezo </a:t>
+            </a:r>
+            <a:r>
+              <a:rPr lang="en-GB" sz="700" dirty="0">
+                <a:latin typeface="Courier New" panose="02070309020205020404" pitchFamily="49" charset="0"/>
+                <a:cs typeface="Courier New" panose="02070309020205020404" pitchFamily="49" charset="0"/>
+              </a:rPr>
+              <a:t>buzzer</a:t>
+            </a:r>
+          </a:p>
+          <a:p>
+            <a:pPr marL="228600" indent="-228600">
+              <a:buAutoNum type="arabicPeriod"/>
+            </a:pPr>
+            <a:r>
+              <a:rPr lang="en-GB" sz="700" dirty="0" smtClean="0">
+                <a:latin typeface="Courier New" panose="02070309020205020404" pitchFamily="49" charset="0"/>
+                <a:cs typeface="Courier New" panose="02070309020205020404" pitchFamily="49" charset="0"/>
+              </a:rPr>
+              <a:t>Prototype </a:t>
+            </a:r>
+            <a:r>
+              <a:rPr lang="en-GB" sz="700" dirty="0">
+                <a:latin typeface="Courier New" panose="02070309020205020404" pitchFamily="49" charset="0"/>
+                <a:cs typeface="Courier New" panose="02070309020205020404" pitchFamily="49" charset="0"/>
+              </a:rPr>
+              <a:t>area for user hardware</a:t>
+            </a:r>
+          </a:p>
+          <a:p>
+            <a:pPr marL="228600" indent="-228600">
+              <a:buAutoNum type="arabicPeriod"/>
+            </a:pPr>
+            <a:r>
+              <a:rPr lang="en-GB" sz="700" dirty="0" smtClean="0">
+                <a:latin typeface="Courier New" panose="02070309020205020404" pitchFamily="49" charset="0"/>
+                <a:cs typeface="Courier New" panose="02070309020205020404" pitchFamily="49" charset="0"/>
+              </a:rPr>
+              <a:t>Expansion </a:t>
+            </a:r>
+            <a:r>
+              <a:rPr lang="en-GB" sz="700" dirty="0">
+                <a:latin typeface="Courier New" panose="02070309020205020404" pitchFamily="49" charset="0"/>
+                <a:cs typeface="Courier New" panose="02070309020205020404" pitchFamily="49" charset="0"/>
+              </a:rPr>
+              <a:t>Header for </a:t>
+            </a:r>
+            <a:r>
+              <a:rPr lang="en-GB" sz="700" dirty="0" err="1">
+                <a:latin typeface="Courier New" panose="02070309020205020404" pitchFamily="49" charset="0"/>
+                <a:cs typeface="Courier New" panose="02070309020205020404" pitchFamily="49" charset="0"/>
+              </a:rPr>
+              <a:t>PICtail</a:t>
+            </a:r>
+            <a:r>
+              <a:rPr lang="en-GB" sz="700" dirty="0">
+                <a:latin typeface="Courier New" panose="02070309020205020404" pitchFamily="49" charset="0"/>
+                <a:cs typeface="Courier New" panose="02070309020205020404" pitchFamily="49" charset="0"/>
+              </a:rPr>
+              <a:t>™ daughter card connectivity or user access to</a:t>
+            </a:r>
+          </a:p>
+          <a:p>
+            <a:pPr marL="228600" indent="-228600">
+              <a:buAutoNum type="arabicPeriod"/>
+            </a:pPr>
+            <a:r>
+              <a:rPr lang="en-GB" sz="700" dirty="0" smtClean="0">
+                <a:latin typeface="Courier New" panose="02070309020205020404" pitchFamily="49" charset="0"/>
+                <a:cs typeface="Courier New" panose="02070309020205020404" pitchFamily="49" charset="0"/>
+              </a:rPr>
+              <a:t>MCUs</a:t>
+            </a:r>
+            <a:endParaRPr lang="en-GB" sz="700" dirty="0">
+              <a:latin typeface="Courier New" panose="02070309020205020404" pitchFamily="49" charset="0"/>
+              <a:cs typeface="Courier New" panose="02070309020205020404" pitchFamily="49" charset="0"/>
+            </a:endParaRPr>
+          </a:p>
+          <a:p>
+            <a:pPr marL="228600" indent="-228600">
+              <a:buAutoNum type="arabicPeriod"/>
+            </a:pPr>
+            <a:r>
+              <a:rPr lang="en-GB" sz="700" dirty="0" smtClean="0">
+                <a:latin typeface="Courier New" panose="02070309020205020404" pitchFamily="49" charset="0"/>
+                <a:cs typeface="Courier New" panose="02070309020205020404" pitchFamily="49" charset="0"/>
+              </a:rPr>
+              <a:t>Microchip </a:t>
+            </a:r>
+            <a:r>
+              <a:rPr lang="en-GB" sz="700" dirty="0">
+                <a:latin typeface="Courier New" panose="02070309020205020404" pitchFamily="49" charset="0"/>
+                <a:cs typeface="Courier New" panose="02070309020205020404" pitchFamily="49" charset="0"/>
+              </a:rPr>
+              <a:t>TC74 thermal sensor</a:t>
+            </a:r>
+          </a:p>
+        </p:txBody>
+      </p:sp>
+    </p:spTree>
+    <p:extLst>
+      <p:ext uri="{BB962C8B-B14F-4D97-AF65-F5344CB8AC3E}">
+        <p14:creationId xmlns:p14="http://schemas.microsoft.com/office/powerpoint/2010/main" val="3257835170"/>
+      </p:ext>
+    </p:extLst>
+  </p:cSld>
+  <p:clrMapOvr>
+    <a:masterClrMapping/>
+  </p:clrMapOvr>
+  <mc:AlternateContent xmlns:mc="http://schemas.openxmlformats.org/markup-compatibility/2006" xmlns:p14="http://schemas.microsoft.com/office/powerpoint/2010/main">
+    <mc:Choice Requires="p14">
+      <p:transition spd="slow" p14:dur="2000"/>
+    </mc:Choice>
+    <mc:Fallback xmlns="">
+      <p:transition spd="slow"/>
+    </mc:Fallback>
+  </mc:AlternateContent>
+  <p:timing>
+    <p:tnLst>
+      <p:par>
+        <p:cTn id="1" dur="indefinite" restart="never" nodeType="tmRoot"/>
+      </p:par>
+    </p:tnLst>
+  </p:timing>
+</p:sld>
+</file>
+
+<file path=ppt/slides/slide9.xml><?xml version="1.0" encoding="utf-8"?>
+<p:sld xmlns:a="http://schemas.openxmlformats.org/drawingml/2006/main" xmlns:r="http://schemas.openxmlformats.org/officeDocument/2006/relationships" xmlns:p="http://schemas.openxmlformats.org/presentationml/2006/main">
+  <p:cSld>
+    <p:spTree>
+      <p:nvGrpSpPr>
+        <p:cNvPr id="1" name=""/>
+        <p:cNvGrpSpPr/>
+        <p:nvPr/>
+      </p:nvGrpSpPr>
+      <p:grpSpPr>
+        <a:xfrm>
+          <a:off x="0" y="0"/>
+          <a:ext cx="0" cy="0"/>
+          <a:chOff x="0" y="0"/>
+          <a:chExt cx="0" cy="0"/>
+        </a:xfrm>
+      </p:grpSpPr>
+      <p:pic>
+        <p:nvPicPr>
+          <p:cNvPr id="1026" name="Picture 2"/>
+          <p:cNvPicPr>
+            <a:picLocks noChangeAspect="1" noChangeArrowheads="1"/>
+          </p:cNvPicPr>
+          <p:nvPr/>
+        </p:nvPicPr>
+        <p:blipFill rotWithShape="1">
+          <a:blip r:embed="rId2">
+            <a:extLst>
+              <a:ext uri="{28A0092B-C50C-407E-A947-70E740481C1C}">
+                <a14:useLocalDpi xmlns:a14="http://schemas.microsoft.com/office/drawing/2010/main" val="0"/>
+              </a:ext>
+            </a:extLst>
+          </a:blip>
+          <a:srcRect l="1023" t="5968" r="4383" b="5255"/>
+          <a:stretch/>
+        </p:blipFill>
+        <p:spPr bwMode="auto">
+          <a:xfrm>
+            <a:off x="395536" y="1565285"/>
+            <a:ext cx="4810762" cy="3094622"/>
+          </a:xfrm>
+          <a:prstGeom prst="rect">
+            <a:avLst/>
+          </a:prstGeom>
+          <a:noFill/>
+          <a:ln>
+            <a:noFill/>
+          </a:ln>
+          <a:effectLst/>
+          <a:extLst>
+            <a:ext uri="{909E8E84-426E-40DD-AFC4-6F175D3DCCD1}">
+              <a14:hiddenFill xmlns:a14="http://schemas.microsoft.com/office/drawing/2010/main">
+                <a:solidFill>
+                  <a:schemeClr val="accent1"/>
+                </a:solidFill>
+              </a14:hiddenFill>
+            </a:ext>
+            <a:ext uri="{91240B29-F687-4F45-9708-019B960494DF}">
+              <a14:hiddenLine xmlns:a14="http://schemas.microsoft.com/office/drawing/2010/main" w="9525">
+                <a:solidFill>
+                  <a:schemeClr val="tx1"/>
+                </a:solidFill>
+                <a:miter lim="800000"/>
+                <a:headEnd/>
+                <a:tailEnd/>
+              </a14:hiddenLine>
+            </a:ext>
+            <a:ext uri="{AF507438-7753-43E0-B8FC-AC1667EBCBE1}">
+              <a14:hiddenEffects xmlns:a14="http://schemas.microsoft.com/office/drawing/2010/main">
+                <a:effectLst>
+                  <a:outerShdw dist="35921" dir="2700000" algn="ctr" rotWithShape="0">
+                    <a:schemeClr val="bg2"/>
+                  </a:outerShdw>
+                </a:effectLst>
+              </a14:hiddenEffects>
+            </a:ext>
+          </a:extLst>
+        </p:spPr>
+      </p:pic>
+      <p:sp>
+        <p:nvSpPr>
+          <p:cNvPr id="2" name="Title 1"/>
+          <p:cNvSpPr>
+            <a:spLocks noGrp="1"/>
+          </p:cNvSpPr>
+          <p:nvPr>
+            <p:ph type="title"/>
+          </p:nvPr>
+        </p:nvSpPr>
+        <p:spPr/>
+        <p:txBody>
           <a:bodyPr vert="horz" lIns="85064" tIns="42531" rIns="85064" bIns="42531" rtlCol="0" anchor="t">
             <a:normAutofit/>
           </a:bodyPr>
@@ -13579,7 +13575,7 @@
             <a:pPr algn="l"/>
             <a:r>
               <a:rPr lang="en-GB" dirty="0" smtClean="0"/>
-              <a:t>Digital input</a:t>
+              <a:t>Hardware</a:t>
             </a:r>
             <a:endParaRPr lang="en-GB" dirty="0"/>
           </a:p>
@@ -13593,8 +13589,8 @@
         </p:nvSpPr>
         <p:spPr>
           <a:xfrm>
-            <a:off x="3398352" y="2882981"/>
-            <a:ext cx="1330902" cy="632647"/>
+            <a:off x="3203847" y="2499742"/>
+            <a:ext cx="2020463" cy="555816"/>
           </a:xfrm>
           <a:prstGeom prst="rect">
             <a:avLst/>
@@ -13639,8 +13635,8 @@
         </p:nvSpPr>
         <p:spPr>
           <a:xfrm>
-            <a:off x="1639443" y="2393146"/>
-            <a:ext cx="1368152" cy="144016"/>
+            <a:off x="355276" y="2131057"/>
+            <a:ext cx="2372758" cy="144016"/>
           </a:xfrm>
           <a:prstGeom prst="rect">
             <a:avLst/>
@@ -13685,8 +13681,8 @@
         </p:nvSpPr>
         <p:spPr>
           <a:xfrm>
-            <a:off x="1646238" y="2877526"/>
-            <a:ext cx="1368152" cy="144016"/>
+            <a:off x="945664" y="2657840"/>
+            <a:ext cx="1776681" cy="144016"/>
           </a:xfrm>
           <a:prstGeom prst="rect">
             <a:avLst/>
@@ -13764,7 +13760,7 @@
         </p:nvSpPr>
         <p:spPr>
           <a:xfrm>
-            <a:off x="881415" y="2758653"/>
+            <a:off x="111785" y="2538967"/>
             <a:ext cx="829073" cy="353943"/>
           </a:xfrm>
           <a:prstGeom prst="rect">
@@ -13789,6 +13785,454 @@
             <a:endParaRPr lang="en-GB" b="1" dirty="0">
               <a:solidFill>
                 <a:srgbClr val="FF0000"/>
+              </a:solidFill>
+            </a:endParaRPr>
+          </a:p>
+        </p:txBody>
+      </p:sp>
+      <p:sp>
+        <p:nvSpPr>
+          <p:cNvPr id="5" name="TextBox 4"/>
+          <p:cNvSpPr txBox="1"/>
+          <p:nvPr/>
+        </p:nvSpPr>
+        <p:spPr>
+          <a:xfrm>
+            <a:off x="6205538" y="2900454"/>
+            <a:ext cx="271462" cy="92333"/>
+          </a:xfrm>
+          <a:prstGeom prst="rect">
+            <a:avLst/>
+          </a:prstGeom>
+          <a:solidFill>
+            <a:schemeClr val="bg1"/>
+          </a:solidFill>
+        </p:spPr>
+        <p:txBody>
+          <a:bodyPr wrap="square" lIns="0" tIns="0" rIns="0" bIns="0" rtlCol="0">
+            <a:spAutoFit/>
+          </a:bodyPr>
+          <a:lstStyle/>
+          <a:p>
+            <a:r>
+              <a:rPr lang="en-GB" sz="600" b="1" dirty="0" smtClean="0">
+                <a:latin typeface="Arial" panose="020B0604020202020204" pitchFamily="34" charset="0"/>
+                <a:cs typeface="Arial" panose="020B0604020202020204" pitchFamily="34" charset="0"/>
+              </a:rPr>
+              <a:t>RA4</a:t>
+            </a:r>
+            <a:endParaRPr lang="en-GB" sz="600" b="1" dirty="0">
+              <a:latin typeface="Arial" panose="020B0604020202020204" pitchFamily="34" charset="0"/>
+              <a:cs typeface="Arial" panose="020B0604020202020204" pitchFamily="34" charset="0"/>
+            </a:endParaRPr>
+          </a:p>
+        </p:txBody>
+      </p:sp>
+      <p:sp>
+        <p:nvSpPr>
+          <p:cNvPr id="15" name="Rectangle 14"/>
+          <p:cNvSpPr/>
+          <p:nvPr/>
+        </p:nvSpPr>
+        <p:spPr>
+          <a:xfrm>
+            <a:off x="6876256" y="2624168"/>
+            <a:ext cx="288032" cy="144016"/>
+          </a:xfrm>
+          <a:prstGeom prst="rect">
+            <a:avLst/>
+          </a:prstGeom>
+          <a:solidFill>
+            <a:schemeClr val="bg1"/>
+          </a:solidFill>
+          <a:ln>
+            <a:noFill/>
+          </a:ln>
+        </p:spPr>
+        <p:style>
+          <a:lnRef idx="2">
+            <a:schemeClr val="accent1">
+              <a:shade val="50000"/>
+            </a:schemeClr>
+          </a:lnRef>
+          <a:fillRef idx="1">
+            <a:schemeClr val="accent1"/>
+          </a:fillRef>
+          <a:effectRef idx="0">
+            <a:schemeClr val="accent1"/>
+          </a:effectRef>
+          <a:fontRef idx="minor">
+            <a:schemeClr val="lt1"/>
+          </a:fontRef>
+        </p:style>
+        <p:txBody>
+          <a:bodyPr rtlCol="0" anchor="ctr"/>
+          <a:lstStyle/>
+          <a:p>
+            <a:pPr algn="ctr"/>
+            <a:endParaRPr lang="en-GB"/>
+          </a:p>
+        </p:txBody>
+      </p:sp>
+      <p:sp>
+        <p:nvSpPr>
+          <p:cNvPr id="16" name="Rectangle 15"/>
+          <p:cNvSpPr/>
+          <p:nvPr/>
+        </p:nvSpPr>
+        <p:spPr>
+          <a:xfrm>
+            <a:off x="7884368" y="2749131"/>
+            <a:ext cx="288032" cy="144016"/>
+          </a:xfrm>
+          <a:prstGeom prst="rect">
+            <a:avLst/>
+          </a:prstGeom>
+          <a:solidFill>
+            <a:schemeClr val="bg1"/>
+          </a:solidFill>
+          <a:ln>
+            <a:noFill/>
+          </a:ln>
+        </p:spPr>
+        <p:style>
+          <a:lnRef idx="2">
+            <a:schemeClr val="accent1">
+              <a:shade val="50000"/>
+            </a:schemeClr>
+          </a:lnRef>
+          <a:fillRef idx="1">
+            <a:schemeClr val="accent1"/>
+          </a:fillRef>
+          <a:effectRef idx="0">
+            <a:schemeClr val="accent1"/>
+          </a:effectRef>
+          <a:fontRef idx="minor">
+            <a:schemeClr val="lt1"/>
+          </a:fontRef>
+        </p:style>
+        <p:txBody>
+          <a:bodyPr rtlCol="0" anchor="ctr"/>
+          <a:lstStyle/>
+          <a:p>
+            <a:pPr algn="ctr"/>
+            <a:endParaRPr lang="en-GB"/>
+          </a:p>
+        </p:txBody>
+      </p:sp>
+      <p:sp>
+        <p:nvSpPr>
+          <p:cNvPr id="17" name="Rectangle 16"/>
+          <p:cNvSpPr/>
+          <p:nvPr/>
+        </p:nvSpPr>
+        <p:spPr>
+          <a:xfrm>
+            <a:off x="7236296" y="3363838"/>
+            <a:ext cx="288032" cy="144016"/>
+          </a:xfrm>
+          <a:prstGeom prst="rect">
+            <a:avLst/>
+          </a:prstGeom>
+          <a:solidFill>
+            <a:schemeClr val="bg1"/>
+          </a:solidFill>
+          <a:ln>
+            <a:noFill/>
+          </a:ln>
+        </p:spPr>
+        <p:style>
+          <a:lnRef idx="2">
+            <a:schemeClr val="accent1">
+              <a:shade val="50000"/>
+            </a:schemeClr>
+          </a:lnRef>
+          <a:fillRef idx="1">
+            <a:schemeClr val="accent1"/>
+          </a:fillRef>
+          <a:effectRef idx="0">
+            <a:schemeClr val="accent1"/>
+          </a:effectRef>
+          <a:fontRef idx="minor">
+            <a:schemeClr val="lt1"/>
+          </a:fontRef>
+        </p:style>
+        <p:txBody>
+          <a:bodyPr rtlCol="0" anchor="ctr"/>
+          <a:lstStyle/>
+          <a:p>
+            <a:pPr algn="ctr"/>
+            <a:endParaRPr lang="en-GB"/>
+          </a:p>
+        </p:txBody>
+      </p:sp>
+      <p:sp>
+        <p:nvSpPr>
+          <p:cNvPr id="18" name="Rectangle 17"/>
+          <p:cNvSpPr/>
+          <p:nvPr/>
+        </p:nvSpPr>
+        <p:spPr>
+          <a:xfrm>
+            <a:off x="6804248" y="3618834"/>
+            <a:ext cx="288032" cy="393076"/>
+          </a:xfrm>
+          <a:prstGeom prst="rect">
+            <a:avLst/>
+          </a:prstGeom>
+          <a:solidFill>
+            <a:schemeClr val="bg1"/>
+          </a:solidFill>
+          <a:ln>
+            <a:noFill/>
+          </a:ln>
+        </p:spPr>
+        <p:style>
+          <a:lnRef idx="2">
+            <a:schemeClr val="accent1">
+              <a:shade val="50000"/>
+            </a:schemeClr>
+          </a:lnRef>
+          <a:fillRef idx="1">
+            <a:schemeClr val="accent1"/>
+          </a:fillRef>
+          <a:effectRef idx="0">
+            <a:schemeClr val="accent1"/>
+          </a:effectRef>
+          <a:fontRef idx="minor">
+            <a:schemeClr val="lt1"/>
+          </a:fontRef>
+        </p:style>
+        <p:txBody>
+          <a:bodyPr rtlCol="0" anchor="ctr"/>
+          <a:lstStyle/>
+          <a:p>
+            <a:pPr algn="ctr"/>
+            <a:endParaRPr lang="en-GB"/>
+          </a:p>
+        </p:txBody>
+      </p:sp>
+      <p:sp>
+        <p:nvSpPr>
+          <p:cNvPr id="19" name="Rectangle 18"/>
+          <p:cNvSpPr/>
+          <p:nvPr/>
+        </p:nvSpPr>
+        <p:spPr>
+          <a:xfrm>
+            <a:off x="6886844" y="4103512"/>
+            <a:ext cx="288032" cy="144016"/>
+          </a:xfrm>
+          <a:prstGeom prst="rect">
+            <a:avLst/>
+          </a:prstGeom>
+          <a:solidFill>
+            <a:schemeClr val="bg1"/>
+          </a:solidFill>
+          <a:ln>
+            <a:noFill/>
+          </a:ln>
+        </p:spPr>
+        <p:style>
+          <a:lnRef idx="2">
+            <a:schemeClr val="accent1">
+              <a:shade val="50000"/>
+            </a:schemeClr>
+          </a:lnRef>
+          <a:fillRef idx="1">
+            <a:schemeClr val="accent1"/>
+          </a:fillRef>
+          <a:effectRef idx="0">
+            <a:schemeClr val="accent1"/>
+          </a:effectRef>
+          <a:fontRef idx="minor">
+            <a:schemeClr val="lt1"/>
+          </a:fontRef>
+        </p:style>
+        <p:txBody>
+          <a:bodyPr rtlCol="0" anchor="ctr"/>
+          <a:lstStyle/>
+          <a:p>
+            <a:pPr algn="ctr"/>
+            <a:endParaRPr lang="en-GB"/>
+          </a:p>
+        </p:txBody>
+      </p:sp>
+      <p:sp>
+        <p:nvSpPr>
+          <p:cNvPr id="20" name="Rectangle 19"/>
+          <p:cNvSpPr/>
+          <p:nvPr/>
+        </p:nvSpPr>
+        <p:spPr>
+          <a:xfrm>
+            <a:off x="7568276" y="4515966"/>
+            <a:ext cx="288032" cy="144016"/>
+          </a:xfrm>
+          <a:prstGeom prst="rect">
+            <a:avLst/>
+          </a:prstGeom>
+          <a:solidFill>
+            <a:schemeClr val="bg1"/>
+          </a:solidFill>
+          <a:ln>
+            <a:noFill/>
+          </a:ln>
+        </p:spPr>
+        <p:style>
+          <a:lnRef idx="2">
+            <a:schemeClr val="accent1">
+              <a:shade val="50000"/>
+            </a:schemeClr>
+          </a:lnRef>
+          <a:fillRef idx="1">
+            <a:schemeClr val="accent1"/>
+          </a:fillRef>
+          <a:effectRef idx="0">
+            <a:schemeClr val="accent1"/>
+          </a:effectRef>
+          <a:fontRef idx="minor">
+            <a:schemeClr val="lt1"/>
+          </a:fontRef>
+        </p:style>
+        <p:txBody>
+          <a:bodyPr rtlCol="0" anchor="ctr"/>
+          <a:lstStyle/>
+          <a:p>
+            <a:pPr algn="ctr"/>
+            <a:endParaRPr lang="en-GB"/>
+          </a:p>
+        </p:txBody>
+      </p:sp>
+      <p:sp>
+        <p:nvSpPr>
+          <p:cNvPr id="21" name="Rectangle 20"/>
+          <p:cNvSpPr/>
+          <p:nvPr/>
+        </p:nvSpPr>
+        <p:spPr>
+          <a:xfrm>
+            <a:off x="8546742" y="4443958"/>
+            <a:ext cx="288032" cy="144016"/>
+          </a:xfrm>
+          <a:prstGeom prst="rect">
+            <a:avLst/>
+          </a:prstGeom>
+          <a:solidFill>
+            <a:schemeClr val="bg1"/>
+          </a:solidFill>
+          <a:ln>
+            <a:noFill/>
+          </a:ln>
+        </p:spPr>
+        <p:style>
+          <a:lnRef idx="2">
+            <a:schemeClr val="accent1">
+              <a:shade val="50000"/>
+            </a:schemeClr>
+          </a:lnRef>
+          <a:fillRef idx="1">
+            <a:schemeClr val="accent1"/>
+          </a:fillRef>
+          <a:effectRef idx="0">
+            <a:schemeClr val="accent1"/>
+          </a:effectRef>
+          <a:fontRef idx="minor">
+            <a:schemeClr val="lt1"/>
+          </a:fontRef>
+        </p:style>
+        <p:txBody>
+          <a:bodyPr rtlCol="0" anchor="ctr"/>
+          <a:lstStyle/>
+          <a:p>
+            <a:pPr algn="ctr"/>
+            <a:endParaRPr lang="en-GB"/>
+          </a:p>
+        </p:txBody>
+      </p:sp>
+      <p:cxnSp>
+        <p:nvCxnSpPr>
+          <p:cNvPr id="8" name="Straight Connector 7"/>
+          <p:cNvCxnSpPr/>
+          <p:nvPr/>
+        </p:nvCxnSpPr>
+        <p:spPr>
+          <a:xfrm flipV="1">
+            <a:off x="6499811" y="3861447"/>
+            <a:ext cx="972643" cy="5824"/>
+          </a:xfrm>
+          <a:prstGeom prst="line">
+            <a:avLst/>
+          </a:prstGeom>
+        </p:spPr>
+        <p:style>
+          <a:lnRef idx="1">
+            <a:schemeClr val="accent1"/>
+          </a:lnRef>
+          <a:fillRef idx="0">
+            <a:schemeClr val="accent1"/>
+          </a:fillRef>
+          <a:effectRef idx="0">
+            <a:schemeClr val="accent1"/>
+          </a:effectRef>
+          <a:fontRef idx="minor">
+            <a:schemeClr val="tx1"/>
+          </a:fontRef>
+        </p:style>
+      </p:cxnSp>
+      <p:sp>
+        <p:nvSpPr>
+          <p:cNvPr id="6" name="Rectangle 5"/>
+          <p:cNvSpPr/>
+          <p:nvPr/>
+        </p:nvSpPr>
+        <p:spPr>
+          <a:xfrm>
+            <a:off x="7640823" y="2669708"/>
+            <a:ext cx="720080" cy="144016"/>
+          </a:xfrm>
+          <a:prstGeom prst="rect">
+            <a:avLst/>
+          </a:prstGeom>
+          <a:solidFill>
+            <a:schemeClr val="bg1"/>
+          </a:solidFill>
+          <a:ln>
+            <a:noFill/>
+          </a:ln>
+        </p:spPr>
+        <p:style>
+          <a:lnRef idx="2">
+            <a:schemeClr val="accent1">
+              <a:shade val="50000"/>
+            </a:schemeClr>
+          </a:lnRef>
+          <a:fillRef idx="1">
+            <a:schemeClr val="accent1"/>
+          </a:fillRef>
+          <a:effectRef idx="0">
+            <a:schemeClr val="accent1"/>
+          </a:effectRef>
+          <a:fontRef idx="minor">
+            <a:schemeClr val="lt1"/>
+          </a:fontRef>
+        </p:style>
+        <p:txBody>
+          <a:bodyPr rtlCol="0" anchor="ctr"/>
+          <a:lstStyle/>
+          <a:p>
+            <a:pPr algn="ctr"/>
+            <a:r>
+              <a:rPr lang="en-GB" sz="900" b="1" dirty="0" smtClean="0">
+                <a:solidFill>
+                  <a:schemeClr val="tx1"/>
+                </a:solidFill>
+              </a:rPr>
+              <a:t>SWITCH</a:t>
+            </a:r>
+            <a:endParaRPr lang="en-GB" sz="900" b="1" dirty="0">
+              <a:solidFill>
+                <a:schemeClr val="tx1"/>
               </a:solidFill>
             </a:endParaRPr>
           </a:p>
@@ -13810,347 +14254,6 @@
     </mc:Choice>
     <mc:Fallback xmlns="">
       <p:transition spd="slow" advClick="0"/>
-    </mc:Fallback>
-  </mc:AlternateContent>
-  <p:timing>
-    <p:tnLst>
-      <p:par>
-        <p:cTn id="1" dur="indefinite" restart="never" nodeType="tmRoot"/>
-      </p:par>
-    </p:tnLst>
-  </p:timing>
-</p:sld>
-</file>
-
-<file path=ppt/slides/slide9.xml><?xml version="1.0" encoding="utf-8"?>
-<p:sld xmlns:a="http://schemas.openxmlformats.org/drawingml/2006/main" xmlns:r="http://schemas.openxmlformats.org/officeDocument/2006/relationships" xmlns:p="http://schemas.openxmlformats.org/presentationml/2006/main">
-  <p:cSld>
-    <p:spTree>
-      <p:nvGrpSpPr>
-        <p:cNvPr id="1" name=""/>
-        <p:cNvGrpSpPr/>
-        <p:nvPr/>
-      </p:nvGrpSpPr>
-      <p:grpSpPr>
-        <a:xfrm>
-          <a:off x="0" y="0"/>
-          <a:ext cx="0" cy="0"/>
-          <a:chOff x="0" y="0"/>
-          <a:chExt cx="0" cy="0"/>
-        </a:xfrm>
-      </p:grpSpPr>
-      <p:sp>
-        <p:nvSpPr>
-          <p:cNvPr id="2" name="Title 1"/>
-          <p:cNvSpPr>
-            <a:spLocks noGrp="1"/>
-          </p:cNvSpPr>
-          <p:nvPr>
-            <p:ph type="title"/>
-          </p:nvPr>
-        </p:nvSpPr>
-        <p:spPr/>
-        <p:txBody>
-          <a:bodyPr/>
-          <a:lstStyle/>
-          <a:p>
-            <a:pPr algn="l"/>
-            <a:r>
-              <a:rPr lang="en-GB" dirty="0" smtClean="0"/>
-              <a:t>Hardware</a:t>
-            </a:r>
-            <a:endParaRPr lang="en-GB" dirty="0"/>
-          </a:p>
-        </p:txBody>
-      </p:sp>
-      <p:sp>
-        <p:nvSpPr>
-          <p:cNvPr id="3" name="Content Placeholder 2"/>
-          <p:cNvSpPr>
-            <a:spLocks noGrp="1"/>
-          </p:cNvSpPr>
-          <p:nvPr>
-            <p:ph idx="1"/>
-          </p:nvPr>
-        </p:nvSpPr>
-        <p:spPr/>
-        <p:txBody>
-          <a:bodyPr/>
-          <a:lstStyle/>
-          <a:p>
-            <a:r>
-              <a:rPr lang="en-GB" dirty="0" smtClean="0"/>
-              <a:t>Prototype Board</a:t>
-            </a:r>
-            <a:endParaRPr lang="en-GB" dirty="0"/>
-          </a:p>
-          <a:p>
-            <a:r>
-              <a:rPr lang="en-GB" dirty="0" smtClean="0"/>
-              <a:t>Power 5v0</a:t>
-            </a:r>
-          </a:p>
-          <a:p>
-            <a:r>
-              <a:rPr lang="en-GB" dirty="0" smtClean="0"/>
-              <a:t>Programmer</a:t>
-            </a:r>
-          </a:p>
-          <a:p>
-            <a:r>
-              <a:rPr lang="en-GB" dirty="0" smtClean="0"/>
-              <a:t>LEDs &amp; </a:t>
-            </a:r>
-            <a:r>
-              <a:rPr lang="en-GB" dirty="0" smtClean="0"/>
-              <a:t>resistors</a:t>
-            </a:r>
-          </a:p>
-          <a:p>
-            <a:r>
-              <a:rPr lang="en-GB" dirty="0" smtClean="0"/>
-              <a:t>Switch &amp; resistors</a:t>
-            </a:r>
-            <a:endParaRPr lang="en-GB" dirty="0" smtClean="0"/>
-          </a:p>
-          <a:p>
-            <a:endParaRPr lang="en-GB" dirty="0"/>
-          </a:p>
-        </p:txBody>
-      </p:sp>
-      <p:sp>
-        <p:nvSpPr>
-          <p:cNvPr id="4" name="TextBox 3"/>
-          <p:cNvSpPr txBox="1"/>
-          <p:nvPr/>
-        </p:nvSpPr>
-        <p:spPr>
-          <a:xfrm>
-            <a:off x="2123728" y="1635646"/>
-            <a:ext cx="5328592" cy="3416320"/>
-          </a:xfrm>
-          <a:prstGeom prst="rect">
-            <a:avLst/>
-          </a:prstGeom>
-          <a:noFill/>
-        </p:spPr>
-        <p:txBody>
-          <a:bodyPr wrap="square" rtlCol="0">
-            <a:spAutoFit/>
-          </a:bodyPr>
-          <a:lstStyle/>
-          <a:p>
-            <a:r>
-              <a:rPr lang="en-GB" sz="1200" b="1" dirty="0">
-                <a:latin typeface="Courier New" panose="02070309020205020404" pitchFamily="49" charset="0"/>
-                <a:cs typeface="Courier New" panose="02070309020205020404" pitchFamily="49" charset="0"/>
-              </a:rPr>
-              <a:t>    Hardware</a:t>
-            </a:r>
-          </a:p>
-          <a:p>
-            <a:r>
-              <a:rPr lang="en-GB" sz="1200" b="1" dirty="0">
-                <a:latin typeface="Courier New" panose="02070309020205020404" pitchFamily="49" charset="0"/>
-                <a:cs typeface="Courier New" panose="02070309020205020404" pitchFamily="49" charset="0"/>
-              </a:rPr>
-              <a:t>    -------------------PORTA----------------</a:t>
-            </a:r>
-          </a:p>
-          <a:p>
-            <a:r>
-              <a:rPr lang="en-GB" sz="1200" b="1" dirty="0">
-                <a:latin typeface="Courier New" panose="02070309020205020404" pitchFamily="49" charset="0"/>
-                <a:cs typeface="Courier New" panose="02070309020205020404" pitchFamily="49" charset="0"/>
-              </a:rPr>
-              <a:t>    Bit#:  -7---6---5---4---3---2---1---0---</a:t>
-            </a:r>
-          </a:p>
-          <a:p>
-            <a:r>
-              <a:rPr lang="en-GB" sz="1200" b="1" dirty="0">
-                <a:latin typeface="Courier New" panose="02070309020205020404" pitchFamily="49" charset="0"/>
-                <a:cs typeface="Courier New" panose="02070309020205020404" pitchFamily="49" charset="0"/>
-              </a:rPr>
-              <a:t>    IO:    </a:t>
-            </a:r>
-            <a:r>
-              <a:rPr lang="en-GB" sz="1200" b="1" dirty="0" smtClean="0">
-                <a:latin typeface="Courier New" panose="02070309020205020404" pitchFamily="49" charset="0"/>
-                <a:cs typeface="Courier New" panose="02070309020205020404" pitchFamily="49" charset="0"/>
-              </a:rPr>
-              <a:t>----------------SW----------ADC-</a:t>
-            </a:r>
-            <a:r>
-              <a:rPr lang="en-GB" sz="1200" b="1" dirty="0">
-                <a:latin typeface="Courier New" panose="02070309020205020404" pitchFamily="49" charset="0"/>
-                <a:cs typeface="Courier New" panose="02070309020205020404" pitchFamily="49" charset="0"/>
-              </a:rPr>
-              <a:t>- </a:t>
-            </a:r>
-          </a:p>
-          <a:p>
-            <a:r>
-              <a:rPr lang="en-GB" sz="1200" b="1" dirty="0">
-                <a:latin typeface="Courier New" panose="02070309020205020404" pitchFamily="49" charset="0"/>
-                <a:cs typeface="Courier New" panose="02070309020205020404" pitchFamily="49" charset="0"/>
-              </a:rPr>
-              <a:t>    ----------------------------------------</a:t>
-            </a:r>
-          </a:p>
-          <a:p>
-            <a:r>
-              <a:rPr lang="en-GB" sz="1200" b="1" dirty="0">
-                <a:latin typeface="Courier New" panose="02070309020205020404" pitchFamily="49" charset="0"/>
-                <a:cs typeface="Courier New" panose="02070309020205020404" pitchFamily="49" charset="0"/>
-              </a:rPr>
-              <a:t/>
-            </a:r>
-            <a:br>
-              <a:rPr lang="en-GB" sz="1200" b="1" dirty="0">
-                <a:latin typeface="Courier New" panose="02070309020205020404" pitchFamily="49" charset="0"/>
-                <a:cs typeface="Courier New" panose="02070309020205020404" pitchFamily="49" charset="0"/>
-              </a:rPr>
-            </a:br>
-            <a:r>
-              <a:rPr lang="en-GB" sz="1200" b="1" dirty="0">
-                <a:latin typeface="Courier New" panose="02070309020205020404" pitchFamily="49" charset="0"/>
-                <a:cs typeface="Courier New" panose="02070309020205020404" pitchFamily="49" charset="0"/>
-              </a:rPr>
-              <a:t>    -------------------PORTB----------------</a:t>
-            </a:r>
-          </a:p>
-          <a:p>
-            <a:r>
-              <a:rPr lang="en-GB" sz="1200" b="1" dirty="0">
-                <a:latin typeface="Courier New" panose="02070309020205020404" pitchFamily="49" charset="0"/>
-                <a:cs typeface="Courier New" panose="02070309020205020404" pitchFamily="49" charset="0"/>
-              </a:rPr>
-              <a:t>    Bit#:  -7---6---5---4---3---2---1---0---</a:t>
-            </a:r>
-          </a:p>
-          <a:p>
-            <a:r>
-              <a:rPr lang="en-GB" sz="1200" b="1" dirty="0">
-                <a:latin typeface="Courier New" panose="02070309020205020404" pitchFamily="49" charset="0"/>
-                <a:cs typeface="Courier New" panose="02070309020205020404" pitchFamily="49" charset="0"/>
-              </a:rPr>
-              <a:t>    IO:    ----------------LED-LED-LED-LED--</a:t>
-            </a:r>
-          </a:p>
-          <a:p>
-            <a:r>
-              <a:rPr lang="en-GB" sz="1200" b="1" dirty="0">
-                <a:latin typeface="Courier New" panose="02070309020205020404" pitchFamily="49" charset="0"/>
-                <a:cs typeface="Courier New" panose="02070309020205020404" pitchFamily="49" charset="0"/>
-              </a:rPr>
-              <a:t>    ----------------------------------------</a:t>
-            </a:r>
-          </a:p>
-          <a:p>
-            <a:r>
-              <a:rPr lang="en-GB" sz="1200" b="1" dirty="0">
-                <a:latin typeface="Courier New" panose="02070309020205020404" pitchFamily="49" charset="0"/>
-                <a:cs typeface="Courier New" panose="02070309020205020404" pitchFamily="49" charset="0"/>
-              </a:rPr>
-              <a:t>    </a:t>
-            </a:r>
-          </a:p>
-          <a:p>
-            <a:r>
-              <a:rPr lang="en-GB" sz="1200" b="1" dirty="0">
-                <a:latin typeface="Courier New" panose="02070309020205020404" pitchFamily="49" charset="0"/>
-                <a:cs typeface="Courier New" panose="02070309020205020404" pitchFamily="49" charset="0"/>
-              </a:rPr>
-              <a:t>    ------------------PORTC-----------------</a:t>
-            </a:r>
-          </a:p>
-          <a:p>
-            <a:r>
-              <a:rPr lang="en-GB" sz="1200" b="1" dirty="0">
-                <a:latin typeface="Courier New" panose="02070309020205020404" pitchFamily="49" charset="0"/>
-                <a:cs typeface="Courier New" panose="02070309020205020404" pitchFamily="49" charset="0"/>
-              </a:rPr>
-              <a:t>    Bit#:  -X---6---5---4---3---2---1---0---</a:t>
-            </a:r>
-          </a:p>
-          <a:p>
-            <a:r>
-              <a:rPr lang="en-GB" sz="1200" b="1" dirty="0">
-                <a:latin typeface="Courier New" panose="02070309020205020404" pitchFamily="49" charset="0"/>
-                <a:cs typeface="Courier New" panose="02070309020205020404" pitchFamily="49" charset="0"/>
-              </a:rPr>
-              <a:t>    IO:    -^-------------------------------</a:t>
-            </a:r>
-          </a:p>
-          <a:p>
-            <a:r>
-              <a:rPr lang="en-GB" sz="1200" b="1" dirty="0">
-                <a:latin typeface="Courier New" panose="02070309020205020404" pitchFamily="49" charset="0"/>
-                <a:cs typeface="Courier New" panose="02070309020205020404" pitchFamily="49" charset="0"/>
-              </a:rPr>
-              <a:t>    -----VDDIO2----------------------------- </a:t>
-            </a:r>
-            <a:endParaRPr lang="en-GB" sz="1200" b="1" dirty="0" smtClean="0">
-              <a:latin typeface="Courier New" panose="02070309020205020404" pitchFamily="49" charset="0"/>
-              <a:cs typeface="Courier New" panose="02070309020205020404" pitchFamily="49" charset="0"/>
-            </a:endParaRPr>
-          </a:p>
-          <a:p>
-            <a:r>
-              <a:rPr lang="en-GB" sz="1200" b="1" dirty="0">
-                <a:latin typeface="Courier New" panose="02070309020205020404" pitchFamily="49" charset="0"/>
-                <a:cs typeface="Courier New" panose="02070309020205020404" pitchFamily="49" charset="0"/>
-              </a:rPr>
-              <a:t> </a:t>
-            </a:r>
-            <a:r>
-              <a:rPr lang="en-GB" sz="1200" b="1" dirty="0" smtClean="0">
-                <a:latin typeface="Courier New" panose="02070309020205020404" pitchFamily="49" charset="0"/>
-                <a:cs typeface="Courier New" panose="02070309020205020404" pitchFamily="49" charset="0"/>
-              </a:rPr>
-              <a:t>   You </a:t>
-            </a:r>
-            <a:r>
-              <a:rPr lang="en-GB" sz="1200" b="1" dirty="0">
-                <a:latin typeface="Courier New" panose="02070309020205020404" pitchFamily="49" charset="0"/>
-                <a:cs typeface="Courier New" panose="02070309020205020404" pitchFamily="49" charset="0"/>
-              </a:rPr>
-              <a:t>must apply correct Voltage</a:t>
-            </a:r>
-          </a:p>
-          <a:p>
-            <a:r>
-              <a:rPr lang="en-GB" sz="1200" b="1" dirty="0">
-                <a:latin typeface="Courier New" panose="02070309020205020404" pitchFamily="49" charset="0"/>
-                <a:cs typeface="Courier New" panose="02070309020205020404" pitchFamily="49" charset="0"/>
-              </a:rPr>
-              <a:t/>
-            </a:r>
-            <a:br>
-              <a:rPr lang="en-GB" sz="1200" b="1" dirty="0">
-                <a:latin typeface="Courier New" panose="02070309020205020404" pitchFamily="49" charset="0"/>
-                <a:cs typeface="Courier New" panose="02070309020205020404" pitchFamily="49" charset="0"/>
-              </a:rPr>
-            </a:br>
-            <a:endParaRPr lang="en-GB" sz="1200" b="1" dirty="0">
-              <a:latin typeface="Courier New" panose="02070309020205020404" pitchFamily="49" charset="0"/>
-              <a:cs typeface="Courier New" panose="02070309020205020404" pitchFamily="49" charset="0"/>
-            </a:endParaRPr>
-          </a:p>
-        </p:txBody>
-      </p:sp>
-    </p:spTree>
-  </p:cSld>
-  <p:clrMapOvr>
-    <a:masterClrMapping/>
-  </p:clrMapOvr>
-  <mc:AlternateContent xmlns:mc="http://schemas.openxmlformats.org/markup-compatibility/2006" xmlns:p14="http://schemas.microsoft.com/office/powerpoint/2010/main">
-    <mc:Choice Requires="p14">
-      <p:transition spd="slow" p14:dur="2000"/>
-    </mc:Choice>
-    <mc:Fallback xmlns="">
-      <p:transition spd="slow"/>
     </mc:Fallback>
   </mc:AlternateContent>
   <p:timing>
@@ -14924,47 +15027,4 @@
   <a:objectDefaults/>
   <a:extraClrSchemeLst/>
 </a:theme>
-</file>
-
-<file path=ppt/theme/themeOverride1.xml><?xml version="1.0" encoding="utf-8"?>
-<a:themeOverride xmlns:a="http://schemas.openxmlformats.org/drawingml/2006/main">
-  <a:clrScheme name="Blue">
-    <a:dk1>
-      <a:sysClr val="windowText" lastClr="000000"/>
-    </a:dk1>
-    <a:lt1>
-      <a:sysClr val="window" lastClr="FFFFFF"/>
-    </a:lt1>
-    <a:dk2>
-      <a:srgbClr val="17406D"/>
-    </a:dk2>
-    <a:lt2>
-      <a:srgbClr val="DBEFF9"/>
-    </a:lt2>
-    <a:accent1>
-      <a:srgbClr val="0F6FC6"/>
-    </a:accent1>
-    <a:accent2>
-      <a:srgbClr val="009DD9"/>
-    </a:accent2>
-    <a:accent3>
-      <a:srgbClr val="0BD0D9"/>
-    </a:accent3>
-    <a:accent4>
-      <a:srgbClr val="10CF9B"/>
-    </a:accent4>
-    <a:accent5>
-      <a:srgbClr val="7CCA62"/>
-    </a:accent5>
-    <a:accent6>
-      <a:srgbClr val="A5C249"/>
-    </a:accent6>
-    <a:hlink>
-      <a:srgbClr val="F49100"/>
-    </a:hlink>
-    <a:folHlink>
-      <a:srgbClr val="85DFD0"/>
-    </a:folHlink>
-  </a:clrScheme>
-</a:themeOverride>
 </file>